--- a/CPSC-24700/Presentations/php.pptx
+++ b/CPSC-24700/Presentations/php.pptx
@@ -346,7 +346,7 @@
           <a:p>
             <a:fld id="{82AC26F5-A2E7-4901-A403-BBD25C17198C}" type="datetimeFigureOut">
               <a:rPr lang="en-US" smtClean="0"/>
-              <a:t>11/6/2017</a:t>
+              <a:t>11/7/2017</a:t>
             </a:fld>
             <a:endParaRPr lang="en-US"/>
           </a:p>
@@ -1677,7 +1677,7 @@
           <a:p>
             <a:fld id="{FB7712AD-3B21-4FE9-B722-CF9B0200D9B9}" type="datetimeFigureOut">
               <a:rPr lang="en-US" smtClean="0"/>
-              <a:t>11/6/2017</a:t>
+              <a:t>11/7/2017</a:t>
             </a:fld>
             <a:endParaRPr lang="en-US"/>
           </a:p>
@@ -1944,7 +1944,7 @@
           <a:p>
             <a:fld id="{FB7712AD-3B21-4FE9-B722-CF9B0200D9B9}" type="datetimeFigureOut">
               <a:rPr lang="en-US" smtClean="0"/>
-              <a:t>11/6/2017</a:t>
+              <a:t>11/7/2017</a:t>
             </a:fld>
             <a:endParaRPr lang="en-US"/>
           </a:p>
@@ -2124,7 +2124,7 @@
           <a:p>
             <a:fld id="{FB7712AD-3B21-4FE9-B722-CF9B0200D9B9}" type="datetimeFigureOut">
               <a:rPr lang="en-US" smtClean="0"/>
-              <a:t>11/6/2017</a:t>
+              <a:t>11/7/2017</a:t>
             </a:fld>
             <a:endParaRPr lang="en-US"/>
           </a:p>
@@ -2314,7 +2314,7 @@
           <a:p>
             <a:fld id="{FB7712AD-3B21-4FE9-B722-CF9B0200D9B9}" type="datetimeFigureOut">
               <a:rPr lang="en-US" smtClean="0"/>
-              <a:t>11/6/2017</a:t>
+              <a:t>11/7/2017</a:t>
             </a:fld>
             <a:endParaRPr lang="en-US"/>
           </a:p>
@@ -2491,7 +2491,7 @@
             <a:fld id="{30D555C0-8D4C-4003-BBC5-FFC41295F0C2}" type="datetimeFigureOut">
               <a:rPr lang="en-US" smtClean="0"/>
               <a:pPr/>
-              <a:t>11/6/2017</a:t>
+              <a:t>11/7/2017</a:t>
             </a:fld>
             <a:endParaRPr lang="en-US"/>
           </a:p>
@@ -2628,7 +2628,7 @@
           <a:p>
             <a:fld id="{FB7712AD-3B21-4FE9-B722-CF9B0200D9B9}" type="datetimeFigureOut">
               <a:rPr lang="en-US" smtClean="0"/>
-              <a:t>11/6/2017</a:t>
+              <a:t>11/7/2017</a:t>
             </a:fld>
             <a:endParaRPr lang="en-US"/>
           </a:p>
@@ -2867,7 +2867,7 @@
           <a:p>
             <a:fld id="{FB7712AD-3B21-4FE9-B722-CF9B0200D9B9}" type="datetimeFigureOut">
               <a:rPr lang="en-US" smtClean="0"/>
-              <a:t>11/6/2017</a:t>
+              <a:t>11/7/2017</a:t>
             </a:fld>
             <a:endParaRPr lang="en-US"/>
           </a:p>
@@ -3070,7 +3070,7 @@
           <a:p>
             <a:fld id="{FB7712AD-3B21-4FE9-B722-CF9B0200D9B9}" type="datetimeFigureOut">
               <a:rPr lang="en-US" smtClean="0"/>
-              <a:t>11/6/2017</a:t>
+              <a:t>11/7/2017</a:t>
             </a:fld>
             <a:endParaRPr lang="en-US"/>
           </a:p>
@@ -3367,7 +3367,7 @@
           <a:p>
             <a:fld id="{FB7712AD-3B21-4FE9-B722-CF9B0200D9B9}" type="datetimeFigureOut">
               <a:rPr lang="en-US" smtClean="0"/>
-              <a:t>11/6/2017</a:t>
+              <a:t>11/7/2017</a:t>
             </a:fld>
             <a:endParaRPr lang="en-US"/>
           </a:p>
@@ -3803,7 +3803,7 @@
           <a:p>
             <a:fld id="{FB7712AD-3B21-4FE9-B722-CF9B0200D9B9}" type="datetimeFigureOut">
               <a:rPr lang="en-US" smtClean="0"/>
-              <a:t>11/6/2017</a:t>
+              <a:t>11/7/2017</a:t>
             </a:fld>
             <a:endParaRPr lang="en-US"/>
           </a:p>
@@ -3932,7 +3932,7 @@
           <a:p>
             <a:fld id="{FB7712AD-3B21-4FE9-B722-CF9B0200D9B9}" type="datetimeFigureOut">
               <a:rPr lang="en-US" smtClean="0"/>
-              <a:t>11/6/2017</a:t>
+              <a:t>11/7/2017</a:t>
             </a:fld>
             <a:endParaRPr lang="en-US"/>
           </a:p>
@@ -4039,7 +4039,7 @@
           <a:p>
             <a:fld id="{FB7712AD-3B21-4FE9-B722-CF9B0200D9B9}" type="datetimeFigureOut">
               <a:rPr lang="en-US" smtClean="0"/>
-              <a:t>11/6/2017</a:t>
+              <a:t>11/7/2017</a:t>
             </a:fld>
             <a:endParaRPr lang="en-US"/>
           </a:p>
@@ -4326,7 +4326,7 @@
           <a:p>
             <a:fld id="{FB7712AD-3B21-4FE9-B722-CF9B0200D9B9}" type="datetimeFigureOut">
               <a:rPr lang="en-US" smtClean="0"/>
-              <a:t>11/6/2017</a:t>
+              <a:t>11/7/2017</a:t>
             </a:fld>
             <a:endParaRPr lang="en-US"/>
           </a:p>
@@ -4652,7 +4652,7 @@
           <a:p>
             <a:fld id="{FB7712AD-3B21-4FE9-B722-CF9B0200D9B9}" type="datetimeFigureOut">
               <a:rPr lang="en-US" smtClean="0"/>
-              <a:t>11/6/2017</a:t>
+              <a:t>11/7/2017</a:t>
             </a:fld>
             <a:endParaRPr lang="en-US"/>
           </a:p>

--- a/CPSC-24700/Presentations/php.pptx
+++ b/CPSC-24700/Presentations/php.pptx
@@ -6,7 +6,7 @@
     <p:sldMasterId id="2147483675" r:id="rId2"/>
   </p:sldMasterIdLst>
   <p:notesMasterIdLst>
-    <p:notesMasterId r:id="rId140"/>
+    <p:notesMasterId r:id="rId141"/>
   </p:notesMasterIdLst>
   <p:sldIdLst>
     <p:sldId id="256" r:id="rId3"/>
@@ -112,40 +112,41 @@
     <p:sldId id="359" r:id="rId103"/>
     <p:sldId id="360" r:id="rId104"/>
     <p:sldId id="361" r:id="rId105"/>
-    <p:sldId id="362" r:id="rId106"/>
-    <p:sldId id="363" r:id="rId107"/>
-    <p:sldId id="364" r:id="rId108"/>
-    <p:sldId id="365" r:id="rId109"/>
-    <p:sldId id="366" r:id="rId110"/>
-    <p:sldId id="367" r:id="rId111"/>
-    <p:sldId id="368" r:id="rId112"/>
-    <p:sldId id="369" r:id="rId113"/>
-    <p:sldId id="370" r:id="rId114"/>
-    <p:sldId id="371" r:id="rId115"/>
-    <p:sldId id="372" r:id="rId116"/>
-    <p:sldId id="373" r:id="rId117"/>
-    <p:sldId id="374" r:id="rId118"/>
-    <p:sldId id="375" r:id="rId119"/>
-    <p:sldId id="376" r:id="rId120"/>
-    <p:sldId id="377" r:id="rId121"/>
-    <p:sldId id="378" r:id="rId122"/>
-    <p:sldId id="379" r:id="rId123"/>
-    <p:sldId id="380" r:id="rId124"/>
-    <p:sldId id="381" r:id="rId125"/>
-    <p:sldId id="382" r:id="rId126"/>
-    <p:sldId id="383" r:id="rId127"/>
-    <p:sldId id="384" r:id="rId128"/>
-    <p:sldId id="385" r:id="rId129"/>
-    <p:sldId id="386" r:id="rId130"/>
-    <p:sldId id="387" r:id="rId131"/>
-    <p:sldId id="388" r:id="rId132"/>
-    <p:sldId id="389" r:id="rId133"/>
-    <p:sldId id="390" r:id="rId134"/>
-    <p:sldId id="391" r:id="rId135"/>
-    <p:sldId id="392" r:id="rId136"/>
-    <p:sldId id="393" r:id="rId137"/>
-    <p:sldId id="394" r:id="rId138"/>
-    <p:sldId id="395" r:id="rId139"/>
+    <p:sldId id="398" r:id="rId106"/>
+    <p:sldId id="362" r:id="rId107"/>
+    <p:sldId id="363" r:id="rId108"/>
+    <p:sldId id="364" r:id="rId109"/>
+    <p:sldId id="365" r:id="rId110"/>
+    <p:sldId id="366" r:id="rId111"/>
+    <p:sldId id="367" r:id="rId112"/>
+    <p:sldId id="368" r:id="rId113"/>
+    <p:sldId id="369" r:id="rId114"/>
+    <p:sldId id="370" r:id="rId115"/>
+    <p:sldId id="371" r:id="rId116"/>
+    <p:sldId id="372" r:id="rId117"/>
+    <p:sldId id="373" r:id="rId118"/>
+    <p:sldId id="374" r:id="rId119"/>
+    <p:sldId id="375" r:id="rId120"/>
+    <p:sldId id="376" r:id="rId121"/>
+    <p:sldId id="377" r:id="rId122"/>
+    <p:sldId id="378" r:id="rId123"/>
+    <p:sldId id="379" r:id="rId124"/>
+    <p:sldId id="380" r:id="rId125"/>
+    <p:sldId id="381" r:id="rId126"/>
+    <p:sldId id="382" r:id="rId127"/>
+    <p:sldId id="383" r:id="rId128"/>
+    <p:sldId id="384" r:id="rId129"/>
+    <p:sldId id="385" r:id="rId130"/>
+    <p:sldId id="386" r:id="rId131"/>
+    <p:sldId id="387" r:id="rId132"/>
+    <p:sldId id="388" r:id="rId133"/>
+    <p:sldId id="389" r:id="rId134"/>
+    <p:sldId id="390" r:id="rId135"/>
+    <p:sldId id="391" r:id="rId136"/>
+    <p:sldId id="392" r:id="rId137"/>
+    <p:sldId id="393" r:id="rId138"/>
+    <p:sldId id="394" r:id="rId139"/>
+    <p:sldId id="395" r:id="rId140"/>
   </p:sldIdLst>
   <p:sldSz cx="9144000" cy="6858000" type="screen4x3"/>
   <p:notesSz cx="6858000" cy="9144000"/>
@@ -349,7 +350,7 @@
           <a:p>
             <a:fld id="{82AC26F5-A2E7-4901-A403-BBD25C17198C}" type="datetimeFigureOut">
               <a:rPr lang="en-US" smtClean="0"/>
-              <a:t>11/10/2017</a:t>
+              <a:t>11/13/2017</a:t>
             </a:fld>
             <a:endParaRPr lang="en-US"/>
           </a:p>
@@ -869,6 +870,234 @@
             <p:ph type="body" idx="1"/>
           </p:nvPr>
         </p:nvSpPr>
+        <p:spPr/>
+        <p:txBody>
+          <a:bodyPr/>
+          <a:lstStyle/>
+          <a:p>
+            <a:endParaRPr lang="en-US" dirty="0"/>
+          </a:p>
+        </p:txBody>
+      </p:sp>
+      <p:sp>
+        <p:nvSpPr>
+          <p:cNvPr id="4" name="Slide Number Placeholder 3"/>
+          <p:cNvSpPr>
+            <a:spLocks noGrp="1"/>
+          </p:cNvSpPr>
+          <p:nvPr>
+            <p:ph type="sldNum" sz="quarter" idx="10"/>
+          </p:nvPr>
+        </p:nvSpPr>
+        <p:spPr/>
+        <p:txBody>
+          <a:bodyPr/>
+          <a:lstStyle/>
+          <a:p>
+            <a:fld id="{40F5A9F4-14AB-4E34-9372-28158D5523BB}" type="slidenum">
+              <a:rPr lang="en-US" smtClean="0"/>
+              <a:t>87</a:t>
+            </a:fld>
+            <a:endParaRPr lang="en-US"/>
+          </a:p>
+        </p:txBody>
+      </p:sp>
+    </p:spTree>
+    <p:extLst>
+      <p:ext uri="{BB962C8B-B14F-4D97-AF65-F5344CB8AC3E}">
+        <p14:creationId xmlns:p14="http://schemas.microsoft.com/office/powerpoint/2010/main" val="2835742023"/>
+      </p:ext>
+    </p:extLst>
+  </p:cSld>
+  <p:clrMapOvr>
+    <a:masterClrMapping/>
+  </p:clrMapOvr>
+</p:notes>
+</file>
+
+<file path=ppt/notesSlides/notesSlide12.xml><?xml version="1.0" encoding="utf-8"?>
+<p:notes xmlns:a="http://schemas.openxmlformats.org/drawingml/2006/main" xmlns:r="http://schemas.openxmlformats.org/officeDocument/2006/relationships" xmlns:p="http://schemas.openxmlformats.org/presentationml/2006/main">
+  <p:cSld>
+    <p:spTree>
+      <p:nvGrpSpPr>
+        <p:cNvPr id="1" name=""/>
+        <p:cNvGrpSpPr/>
+        <p:nvPr/>
+      </p:nvGrpSpPr>
+      <p:grpSpPr>
+        <a:xfrm>
+          <a:off x="0" y="0"/>
+          <a:ext cx="0" cy="0"/>
+          <a:chOff x="0" y="0"/>
+          <a:chExt cx="0" cy="0"/>
+        </a:xfrm>
+      </p:grpSpPr>
+      <p:sp>
+        <p:nvSpPr>
+          <p:cNvPr id="2" name="Slide Image Placeholder 1"/>
+          <p:cNvSpPr>
+            <a:spLocks noGrp="1" noRot="1" noChangeAspect="1"/>
+          </p:cNvSpPr>
+          <p:nvPr>
+            <p:ph type="sldImg"/>
+          </p:nvPr>
+        </p:nvSpPr>
+        <p:spPr/>
+      </p:sp>
+      <p:sp>
+        <p:nvSpPr>
+          <p:cNvPr id="3" name="Notes Placeholder 2"/>
+          <p:cNvSpPr>
+            <a:spLocks noGrp="1"/>
+          </p:cNvSpPr>
+          <p:nvPr>
+            <p:ph type="body" idx="1"/>
+          </p:nvPr>
+        </p:nvSpPr>
+        <p:spPr/>
+        <p:txBody>
+          <a:bodyPr/>
+          <a:lstStyle/>
+          <a:p>
+            <a:endParaRPr lang="en-US" dirty="0"/>
+          </a:p>
+        </p:txBody>
+      </p:sp>
+      <p:sp>
+        <p:nvSpPr>
+          <p:cNvPr id="4" name="Slide Number Placeholder 3"/>
+          <p:cNvSpPr>
+            <a:spLocks noGrp="1"/>
+          </p:cNvSpPr>
+          <p:nvPr>
+            <p:ph type="sldNum" sz="quarter" idx="10"/>
+          </p:nvPr>
+        </p:nvSpPr>
+        <p:spPr/>
+        <p:txBody>
+          <a:bodyPr/>
+          <a:lstStyle/>
+          <a:p>
+            <a:pPr marL="0" marR="0" lvl="0" indent="0" algn="r" defTabSz="914400" rtl="0" eaLnBrk="1" fontAlgn="auto" latinLnBrk="0" hangingPunct="1">
+              <a:lnSpc>
+                <a:spcPct val="100000"/>
+              </a:lnSpc>
+              <a:spcBef>
+                <a:spcPts val="0"/>
+              </a:spcBef>
+              <a:spcAft>
+                <a:spcPts val="0"/>
+              </a:spcAft>
+              <a:buClrTx/>
+              <a:buSzTx/>
+              <a:buFontTx/>
+              <a:buNone/>
+              <a:tabLst/>
+              <a:defRPr/>
+            </a:pPr>
+            <a:fld id="{5394DE12-7B9B-46AA-AC19-C30A49928B9B}" type="slidenum">
+              <a:rPr kumimoji="0" lang="en-US" sz="1200" b="0" i="0" u="none" strike="noStrike" kern="1200" cap="none" spc="0" normalizeH="0" baseline="0" noProof="0" smtClean="0">
+                <a:ln>
+                  <a:noFill/>
+                </a:ln>
+                <a:solidFill>
+                  <a:prstClr val="black"/>
+                </a:solidFill>
+                <a:effectLst/>
+                <a:uLnTx/>
+                <a:uFillTx/>
+                <a:latin typeface="Calibri" panose="020F0502020204030204"/>
+                <a:ea typeface="+mn-ea"/>
+                <a:cs typeface="+mn-cs"/>
+              </a:rPr>
+              <a:pPr marL="0" marR="0" lvl="0" indent="0" algn="r" defTabSz="914400" rtl="0" eaLnBrk="1" fontAlgn="auto" latinLnBrk="0" hangingPunct="1">
+                <a:lnSpc>
+                  <a:spcPct val="100000"/>
+                </a:lnSpc>
+                <a:spcBef>
+                  <a:spcPts val="0"/>
+                </a:spcBef>
+                <a:spcAft>
+                  <a:spcPts val="0"/>
+                </a:spcAft>
+                <a:buClrTx/>
+                <a:buSzTx/>
+                <a:buFontTx/>
+                <a:buNone/>
+                <a:tabLst/>
+                <a:defRPr/>
+              </a:pPr>
+              <a:t>104</a:t>
+            </a:fld>
+            <a:endParaRPr kumimoji="0" lang="en-US" sz="1200" b="0" i="0" u="none" strike="noStrike" kern="1200" cap="none" spc="0" normalizeH="0" baseline="0" noProof="0" dirty="0">
+              <a:ln>
+                <a:noFill/>
+              </a:ln>
+              <a:solidFill>
+                <a:prstClr val="black"/>
+              </a:solidFill>
+              <a:effectLst/>
+              <a:uLnTx/>
+              <a:uFillTx/>
+              <a:latin typeface="Calibri" panose="020F0502020204030204"/>
+              <a:ea typeface="+mn-ea"/>
+              <a:cs typeface="+mn-cs"/>
+            </a:endParaRPr>
+          </a:p>
+        </p:txBody>
+      </p:sp>
+    </p:spTree>
+    <p:extLst>
+      <p:ext uri="{BB962C8B-B14F-4D97-AF65-F5344CB8AC3E}">
+        <p14:creationId xmlns:p14="http://schemas.microsoft.com/office/powerpoint/2010/main" val="3612034290"/>
+      </p:ext>
+    </p:extLst>
+  </p:cSld>
+  <p:clrMapOvr>
+    <a:masterClrMapping/>
+  </p:clrMapOvr>
+</p:notes>
+</file>
+
+<file path=ppt/notesSlides/notesSlide13.xml><?xml version="1.0" encoding="utf-8"?>
+<p:notes xmlns:a="http://schemas.openxmlformats.org/drawingml/2006/main" xmlns:r="http://schemas.openxmlformats.org/officeDocument/2006/relationships" xmlns:p="http://schemas.openxmlformats.org/presentationml/2006/main">
+  <p:cSld>
+    <p:spTree>
+      <p:nvGrpSpPr>
+        <p:cNvPr id="1" name=""/>
+        <p:cNvGrpSpPr/>
+        <p:nvPr/>
+      </p:nvGrpSpPr>
+      <p:grpSpPr>
+        <a:xfrm>
+          <a:off x="0" y="0"/>
+          <a:ext cx="0" cy="0"/>
+          <a:chOff x="0" y="0"/>
+          <a:chExt cx="0" cy="0"/>
+        </a:xfrm>
+      </p:grpSpPr>
+      <p:sp>
+        <p:nvSpPr>
+          <p:cNvPr id="2" name="Slide Image Placeholder 1"/>
+          <p:cNvSpPr>
+            <a:spLocks noGrp="1" noRot="1" noChangeAspect="1"/>
+          </p:cNvSpPr>
+          <p:nvPr>
+            <p:ph type="sldImg"/>
+          </p:nvPr>
+        </p:nvSpPr>
+        <p:spPr/>
+      </p:sp>
+      <p:sp>
+        <p:nvSpPr>
+          <p:cNvPr id="3" name="Notes Placeholder 2"/>
+          <p:cNvSpPr>
+            <a:spLocks noGrp="1"/>
+          </p:cNvSpPr>
+          <p:nvPr>
+            <p:ph type="body" idx="1"/>
+          </p:nvPr>
+        </p:nvSpPr>
         <p:spPr>
           <a:xfrm>
             <a:off x="686421" y="4344025"/>
@@ -1824,7 +2053,7 @@
           <a:p>
             <a:fld id="{FB7712AD-3B21-4FE9-B722-CF9B0200D9B9}" type="datetimeFigureOut">
               <a:rPr lang="en-US" smtClean="0"/>
-              <a:t>11/10/2017</a:t>
+              <a:t>11/13/2017</a:t>
             </a:fld>
             <a:endParaRPr lang="en-US"/>
           </a:p>
@@ -2091,7 +2320,7 @@
           <a:p>
             <a:fld id="{FB7712AD-3B21-4FE9-B722-CF9B0200D9B9}" type="datetimeFigureOut">
               <a:rPr lang="en-US" smtClean="0"/>
-              <a:t>11/10/2017</a:t>
+              <a:t>11/13/2017</a:t>
             </a:fld>
             <a:endParaRPr lang="en-US"/>
           </a:p>
@@ -2271,7 +2500,7 @@
           <a:p>
             <a:fld id="{FB7712AD-3B21-4FE9-B722-CF9B0200D9B9}" type="datetimeFigureOut">
               <a:rPr lang="en-US" smtClean="0"/>
-              <a:t>11/10/2017</a:t>
+              <a:t>11/13/2017</a:t>
             </a:fld>
             <a:endParaRPr lang="en-US"/>
           </a:p>
@@ -2461,7 +2690,7 @@
           <a:p>
             <a:fld id="{FB7712AD-3B21-4FE9-B722-CF9B0200D9B9}" type="datetimeFigureOut">
               <a:rPr lang="en-US" smtClean="0"/>
-              <a:t>11/10/2017</a:t>
+              <a:t>11/13/2017</a:t>
             </a:fld>
             <a:endParaRPr lang="en-US"/>
           </a:p>
@@ -2638,7 +2867,7 @@
             <a:fld id="{30D555C0-8D4C-4003-BBC5-FFC41295F0C2}" type="datetimeFigureOut">
               <a:rPr lang="en-US" smtClean="0"/>
               <a:pPr/>
-              <a:t>11/10/2017</a:t>
+              <a:t>11/13/2017</a:t>
             </a:fld>
             <a:endParaRPr lang="en-US"/>
           </a:p>
@@ -2847,7 +3076,7 @@
           <a:p>
             <a:fld id="{5FB62F81-FD80-4AA8-93CA-E835B40BE667}" type="datetimeFigureOut">
               <a:rPr lang="en-US" smtClean="0"/>
-              <a:t>11/10/2017</a:t>
+              <a:t>11/13/2017</a:t>
             </a:fld>
             <a:endParaRPr lang="en-US"/>
           </a:p>
@@ -3045,7 +3274,7 @@
           <a:p>
             <a:fld id="{5FB62F81-FD80-4AA8-93CA-E835B40BE667}" type="datetimeFigureOut">
               <a:rPr lang="en-US" smtClean="0"/>
-              <a:t>11/10/2017</a:t>
+              <a:t>11/13/2017</a:t>
             </a:fld>
             <a:endParaRPr lang="en-US"/>
           </a:p>
@@ -3320,7 +3549,7 @@
           <a:p>
             <a:fld id="{5FB62F81-FD80-4AA8-93CA-E835B40BE667}" type="datetimeFigureOut">
               <a:rPr lang="en-US" smtClean="0"/>
-              <a:t>11/10/2017</a:t>
+              <a:t>11/13/2017</a:t>
             </a:fld>
             <a:endParaRPr lang="en-US"/>
           </a:p>
@@ -3585,7 +3814,7 @@
           <a:p>
             <a:fld id="{5FB62F81-FD80-4AA8-93CA-E835B40BE667}" type="datetimeFigureOut">
               <a:rPr lang="en-US" smtClean="0"/>
-              <a:t>11/10/2017</a:t>
+              <a:t>11/13/2017</a:t>
             </a:fld>
             <a:endParaRPr lang="en-US"/>
           </a:p>
@@ -3997,7 +4226,7 @@
           <a:p>
             <a:fld id="{5FB62F81-FD80-4AA8-93CA-E835B40BE667}" type="datetimeFigureOut">
               <a:rPr lang="en-US" smtClean="0"/>
-              <a:t>11/10/2017</a:t>
+              <a:t>11/13/2017</a:t>
             </a:fld>
             <a:endParaRPr lang="en-US"/>
           </a:p>
@@ -4138,7 +4367,7 @@
           <a:p>
             <a:fld id="{5FB62F81-FD80-4AA8-93CA-E835B40BE667}" type="datetimeFigureOut">
               <a:rPr lang="en-US" smtClean="0"/>
-              <a:t>11/10/2017</a:t>
+              <a:t>11/13/2017</a:t>
             </a:fld>
             <a:endParaRPr lang="en-US"/>
           </a:p>
@@ -4286,7 +4515,7 @@
           <a:p>
             <a:fld id="{FB7712AD-3B21-4FE9-B722-CF9B0200D9B9}" type="datetimeFigureOut">
               <a:rPr lang="en-US" smtClean="0"/>
-              <a:t>11/10/2017</a:t>
+              <a:t>11/13/2017</a:t>
             </a:fld>
             <a:endParaRPr lang="en-US"/>
           </a:p>
@@ -4395,7 +4624,7 @@
           <a:p>
             <a:fld id="{5FB62F81-FD80-4AA8-93CA-E835B40BE667}" type="datetimeFigureOut">
               <a:rPr lang="en-US" smtClean="0"/>
-              <a:t>11/10/2017</a:t>
+              <a:t>11/13/2017</a:t>
             </a:fld>
             <a:endParaRPr lang="en-US"/>
           </a:p>
@@ -4706,7 +4935,7 @@
           <a:p>
             <a:fld id="{5FB62F81-FD80-4AA8-93CA-E835B40BE667}" type="datetimeFigureOut">
               <a:rPr lang="en-US" smtClean="0"/>
-              <a:t>11/10/2017</a:t>
+              <a:t>11/13/2017</a:t>
             </a:fld>
             <a:endParaRPr lang="en-US"/>
           </a:p>
@@ -4994,7 +5223,7 @@
           <a:p>
             <a:fld id="{5FB62F81-FD80-4AA8-93CA-E835B40BE667}" type="datetimeFigureOut">
               <a:rPr lang="en-US" smtClean="0"/>
-              <a:t>11/10/2017</a:t>
+              <a:t>11/13/2017</a:t>
             </a:fld>
             <a:endParaRPr lang="en-US"/>
           </a:p>
@@ -5192,7 +5421,7 @@
           <a:p>
             <a:fld id="{5FB62F81-FD80-4AA8-93CA-E835B40BE667}" type="datetimeFigureOut">
               <a:rPr lang="en-US" smtClean="0"/>
-              <a:t>11/10/2017</a:t>
+              <a:t>11/13/2017</a:t>
             </a:fld>
             <a:endParaRPr lang="en-US"/>
           </a:p>
@@ -5400,7 +5629,7 @@
           <a:p>
             <a:fld id="{5FB62F81-FD80-4AA8-93CA-E835B40BE667}" type="datetimeFigureOut">
               <a:rPr lang="en-US" smtClean="0"/>
-              <a:t>11/10/2017</a:t>
+              <a:t>11/13/2017</a:t>
             </a:fld>
             <a:endParaRPr lang="en-US"/>
           </a:p>
@@ -5643,7 +5872,7 @@
           <a:p>
             <a:fld id="{FB7712AD-3B21-4FE9-B722-CF9B0200D9B9}" type="datetimeFigureOut">
               <a:rPr lang="en-US" smtClean="0"/>
-              <a:t>11/10/2017</a:t>
+              <a:t>11/13/2017</a:t>
             </a:fld>
             <a:endParaRPr lang="en-US"/>
           </a:p>
@@ -5846,7 +6075,7 @@
           <a:p>
             <a:fld id="{FB7712AD-3B21-4FE9-B722-CF9B0200D9B9}" type="datetimeFigureOut">
               <a:rPr lang="en-US" smtClean="0"/>
-              <a:t>11/10/2017</a:t>
+              <a:t>11/13/2017</a:t>
             </a:fld>
             <a:endParaRPr lang="en-US"/>
           </a:p>
@@ -6143,7 +6372,7 @@
           <a:p>
             <a:fld id="{FB7712AD-3B21-4FE9-B722-CF9B0200D9B9}" type="datetimeFigureOut">
               <a:rPr lang="en-US" smtClean="0"/>
-              <a:t>11/10/2017</a:t>
+              <a:t>11/13/2017</a:t>
             </a:fld>
             <a:endParaRPr lang="en-US"/>
           </a:p>
@@ -6579,7 +6808,7 @@
           <a:p>
             <a:fld id="{FB7712AD-3B21-4FE9-B722-CF9B0200D9B9}" type="datetimeFigureOut">
               <a:rPr lang="en-US" smtClean="0"/>
-              <a:t>11/10/2017</a:t>
+              <a:t>11/13/2017</a:t>
             </a:fld>
             <a:endParaRPr lang="en-US"/>
           </a:p>
@@ -6708,7 +6937,7 @@
           <a:p>
             <a:fld id="{FB7712AD-3B21-4FE9-B722-CF9B0200D9B9}" type="datetimeFigureOut">
               <a:rPr lang="en-US" smtClean="0"/>
-              <a:t>11/10/2017</a:t>
+              <a:t>11/13/2017</a:t>
             </a:fld>
             <a:endParaRPr lang="en-US"/>
           </a:p>
@@ -6815,7 +7044,7 @@
           <a:p>
             <a:fld id="{FB7712AD-3B21-4FE9-B722-CF9B0200D9B9}" type="datetimeFigureOut">
               <a:rPr lang="en-US" smtClean="0"/>
-              <a:t>11/10/2017</a:t>
+              <a:t>11/13/2017</a:t>
             </a:fld>
             <a:endParaRPr lang="en-US"/>
           </a:p>
@@ -7102,7 +7331,7 @@
           <a:p>
             <a:fld id="{FB7712AD-3B21-4FE9-B722-CF9B0200D9B9}" type="datetimeFigureOut">
               <a:rPr lang="en-US" smtClean="0"/>
-              <a:t>11/10/2017</a:t>
+              <a:t>11/13/2017</a:t>
             </a:fld>
             <a:endParaRPr lang="en-US"/>
           </a:p>
@@ -7428,7 +7657,7 @@
           <a:p>
             <a:fld id="{FB7712AD-3B21-4FE9-B722-CF9B0200D9B9}" type="datetimeFigureOut">
               <a:rPr lang="en-US" smtClean="0"/>
-              <a:t>11/10/2017</a:t>
+              <a:t>11/13/2017</a:t>
             </a:fld>
             <a:endParaRPr lang="en-US"/>
           </a:p>
@@ -8129,7 +8358,7 @@
           <a:p>
             <a:fld id="{5FB62F81-FD80-4AA8-93CA-E835B40BE667}" type="datetimeFigureOut">
               <a:rPr lang="en-US" smtClean="0"/>
-              <a:t>11/10/2017</a:t>
+              <a:t>11/13/2017</a:t>
             </a:fld>
             <a:endParaRPr lang="en-US"/>
           </a:p>
@@ -10598,6 +10827,16 @@
 <file path=ppt/slides/slide104.xml><?xml version="1.0" encoding="utf-8"?>
 <p:sld xmlns:a="http://schemas.openxmlformats.org/drawingml/2006/main" xmlns:r="http://schemas.openxmlformats.org/officeDocument/2006/relationships" xmlns:p="http://schemas.openxmlformats.org/presentationml/2006/main">
   <p:cSld>
+    <p:bg>
+      <p:bgPr>
+        <a:solidFill>
+          <a:schemeClr val="bg1">
+            <a:lumMod val="75000"/>
+          </a:schemeClr>
+        </a:solidFill>
+        <a:effectLst/>
+      </p:bgPr>
+    </p:bg>
     <p:spTree>
       <p:nvGrpSpPr>
         <p:cNvPr id="1" name=""/>
@@ -10619,35 +10858,13 @@
             <a:spLocks noGrp="1"/>
           </p:cNvSpPr>
           <p:nvPr>
-            <p:ph type="title"/>
-          </p:nvPr>
-        </p:nvSpPr>
-        <p:spPr/>
-        <p:txBody>
-          <a:bodyPr/>
-          <a:lstStyle/>
-          <a:p>
-            <a:r>
-              <a:rPr lang="en-US"/>
-              <a:t>Superglobal Variables</a:t>
-            </a:r>
-          </a:p>
-        </p:txBody>
-      </p:sp>
-      <p:sp>
-        <p:nvSpPr>
-          <p:cNvPr id="3" name="Text Placeholder 2"/>
-          <p:cNvSpPr>
-            <a:spLocks noGrp="1"/>
-          </p:cNvSpPr>
-          <p:nvPr>
-            <p:ph idx="1"/>
+            <p:ph type="ctrTitle"/>
           </p:nvPr>
         </p:nvSpPr>
         <p:spPr>
           <a:xfrm>
-            <a:off x="685800" y="1219200"/>
-            <a:ext cx="7772400" cy="4800600"/>
+            <a:off x="1143000" y="1699022"/>
+            <a:ext cx="6858000" cy="1790700"/>
           </a:xfrm>
         </p:spPr>
         <p:txBody>
@@ -10656,111 +10873,46 @@
           </a:bodyPr>
           <a:lstStyle/>
           <a:p>
-            <a:pPr lvl="0"/>
-            <a:r>
-              <a:rPr lang="en-US" b="1" i="1" dirty="0" err="1">
-                <a:solidFill>
-                  <a:srgbClr val="FF0000"/>
-                </a:solidFill>
-              </a:rPr>
-              <a:t>Superglobals</a:t>
-            </a:r>
-            <a:r>
-              <a:rPr lang="en-US" dirty="0">
-                <a:solidFill>
-                  <a:srgbClr val="FF0000"/>
-                </a:solidFill>
-              </a:rPr>
-              <a:t> </a:t>
-            </a:r>
-            <a:r>
-              <a:rPr lang="en-US" dirty="0"/>
-              <a:t>are </a:t>
-            </a:r>
-            <a:r>
-              <a:rPr lang="en-US" dirty="0">
-                <a:solidFill>
-                  <a:srgbClr val="7030A0"/>
-                </a:solidFill>
-              </a:rPr>
-              <a:t>built-in variables </a:t>
-            </a:r>
-            <a:r>
-              <a:rPr lang="en-US" dirty="0"/>
-              <a:t>that are always available in all scopes</a:t>
-            </a:r>
-          </a:p>
-          <a:p>
-            <a:pPr lvl="0"/>
-            <a:endParaRPr lang="en-US" dirty="0"/>
-          </a:p>
-          <a:p>
-            <a:pPr lvl="0"/>
-            <a:r>
-              <a:rPr lang="en-US" dirty="0"/>
-              <a:t>Collectively this information is referred to as </a:t>
-            </a:r>
-            <a:r>
-              <a:rPr lang="en-US" b="1" dirty="0">
-                <a:solidFill>
-                  <a:srgbClr val="FF0000"/>
-                </a:solidFill>
-              </a:rPr>
-              <a:t>EGPCS</a:t>
-            </a:r>
-            <a:r>
-              <a:rPr lang="en-US" dirty="0">
-                <a:solidFill>
-                  <a:srgbClr val="FF0000"/>
-                </a:solidFill>
-              </a:rPr>
-              <a:t> </a:t>
-            </a:r>
-            <a:r>
-              <a:rPr lang="en-US" dirty="0"/>
-              <a:t>(environment, GET, POST, cookies and server):</a:t>
-            </a:r>
-          </a:p>
-          <a:p>
-            <a:pPr marL="285750" lvl="1"/>
-            <a:r>
-              <a:rPr lang="en-US" dirty="0"/>
-              <a:t>$_COOKIE</a:t>
-            </a:r>
-          </a:p>
-          <a:p>
-            <a:pPr marL="285750" lvl="1"/>
-            <a:r>
-              <a:rPr lang="en-US" dirty="0"/>
-              <a:t>$_GET</a:t>
-            </a:r>
-          </a:p>
-          <a:p>
-            <a:pPr marL="285750" lvl="1"/>
-            <a:r>
-              <a:rPr lang="en-US" dirty="0"/>
-              <a:t>$_POST</a:t>
-            </a:r>
-          </a:p>
-          <a:p>
-            <a:pPr marL="285750" lvl="1"/>
-            <a:r>
-              <a:rPr lang="en-US" dirty="0"/>
-              <a:t>$_FILES</a:t>
-            </a:r>
-          </a:p>
-          <a:p>
-            <a:pPr marL="285750" lvl="1"/>
-            <a:r>
-              <a:rPr lang="en-US" dirty="0"/>
-              <a:t>$_SERVER</a:t>
-            </a:r>
-          </a:p>
-          <a:p>
-            <a:pPr marL="285750" lvl="1"/>
-            <a:r>
-              <a:rPr lang="en-US" dirty="0"/>
-              <a:t>$ENV</a:t>
+            <a:r>
+              <a:rPr lang="en-US" sz="3600" dirty="0"/>
+              <a:t>End of Session</a:t>
+            </a:r>
+          </a:p>
+        </p:txBody>
+      </p:sp>
+      <p:sp>
+        <p:nvSpPr>
+          <p:cNvPr id="3" name="Subtitle 2"/>
+          <p:cNvSpPr>
+            <a:spLocks noGrp="1"/>
+          </p:cNvSpPr>
+          <p:nvPr>
+            <p:ph type="subTitle" idx="1"/>
+          </p:nvPr>
+        </p:nvSpPr>
+        <p:spPr>
+          <a:xfrm>
+            <a:off x="1143000" y="3558778"/>
+            <a:ext cx="6858000" cy="1648517"/>
+          </a:xfrm>
+        </p:spPr>
+        <p:txBody>
+          <a:bodyPr>
+            <a:normAutofit/>
+          </a:bodyPr>
+          <a:lstStyle/>
+          <a:p>
+            <a:pPr algn="l"/>
+            <a:r>
+              <a:rPr lang="en-US" dirty="0"/>
+              <a:t>Course Number: CPSC-24700</a:t>
+            </a:r>
+          </a:p>
+          <a:p>
+            <a:pPr algn="l"/>
+            <a:r>
+              <a:rPr lang="en-US" dirty="0"/>
+              <a:t>Instructor: Eric Pogue</a:t>
             </a:r>
           </a:p>
         </p:txBody>
@@ -10768,7 +10920,7 @@
     </p:spTree>
     <p:extLst>
       <p:ext uri="{BB962C8B-B14F-4D97-AF65-F5344CB8AC3E}">
-        <p14:creationId xmlns:p14="http://schemas.microsoft.com/office/powerpoint/2010/main" val="3730676298"/>
+        <p14:creationId xmlns:p14="http://schemas.microsoft.com/office/powerpoint/2010/main" val="4271298657"/>
       </p:ext>
     </p:extLst>
   </p:cSld>
@@ -10812,7 +10964,7 @@
           <a:p>
             <a:r>
               <a:rPr lang="en-US"/>
-              <a:t>Processing Forms</a:t>
+              <a:t>Superglobal Variables</a:t>
             </a:r>
           </a:p>
         </p:txBody>
@@ -10827,7 +10979,12 @@
             <p:ph idx="1"/>
           </p:nvPr>
         </p:nvSpPr>
-        <p:spPr/>
+        <p:spPr>
+          <a:xfrm>
+            <a:off x="685800" y="1219200"/>
+            <a:ext cx="7772400" cy="4800600"/>
+          </a:xfrm>
+        </p:spPr>
         <p:txBody>
           <a:bodyPr>
             <a:normAutofit/>
@@ -10836,134 +10993,117 @@
           <a:p>
             <a:pPr lvl="0"/>
             <a:r>
-              <a:rPr lang="en-US" dirty="0"/>
-              <a:t>Use the </a:t>
+              <a:rPr lang="en-US" b="1" i="1" dirty="0" err="1">
+                <a:solidFill>
+                  <a:srgbClr val="FF0000"/>
+                </a:solidFill>
+              </a:rPr>
+              <a:t>Superglobals</a:t>
+            </a:r>
+            <a:r>
+              <a:rPr lang="en-US" dirty="0">
+                <a:solidFill>
+                  <a:srgbClr val="FF0000"/>
+                </a:solidFill>
+              </a:rPr>
+              <a:t> </a:t>
+            </a:r>
+            <a:r>
+              <a:rPr lang="en-US" dirty="0"/>
+              <a:t>are </a:t>
+            </a:r>
+            <a:r>
+              <a:rPr lang="en-US" dirty="0">
+                <a:solidFill>
+                  <a:srgbClr val="7030A0"/>
+                </a:solidFill>
+              </a:rPr>
+              <a:t>built-in variables </a:t>
+            </a:r>
+            <a:r>
+              <a:rPr lang="en-US" dirty="0"/>
+              <a:t>that are always available in all scopes</a:t>
+            </a:r>
+          </a:p>
+          <a:p>
+            <a:pPr lvl="0"/>
+            <a:endParaRPr lang="en-US" dirty="0"/>
+          </a:p>
+          <a:p>
+            <a:pPr lvl="0"/>
+            <a:r>
+              <a:rPr lang="en-US" dirty="0"/>
+              <a:t>Collectively this information is referred to as </a:t>
             </a:r>
             <a:r>
               <a:rPr lang="en-US" b="1" dirty="0">
                 <a:solidFill>
                   <a:srgbClr val="FF0000"/>
                 </a:solidFill>
-                <a:latin typeface="Courier New" pitchFamily="49" charset="0"/>
-                <a:cs typeface="Courier New" pitchFamily="49" charset="0"/>
-              </a:rPr>
-              <a:t>$_POST</a:t>
-            </a:r>
-            <a:r>
-              <a:rPr lang="en-US" dirty="0"/>
-              <a:t>, </a:t>
-            </a:r>
-            <a:r>
-              <a:rPr lang="en-US" b="1" dirty="0">
+              </a:rPr>
+              <a:t>EGPCS</a:t>
+            </a:r>
+            <a:r>
+              <a:rPr lang="en-US" dirty="0">
                 <a:solidFill>
                   <a:srgbClr val="FF0000"/>
                 </a:solidFill>
-                <a:latin typeface="Courier New" pitchFamily="49" charset="0"/>
-                <a:cs typeface="Courier New" pitchFamily="49" charset="0"/>
-              </a:rPr>
+              </a:rPr>
+              <a:t> </a:t>
+            </a:r>
+            <a:r>
+              <a:rPr lang="en-US" dirty="0"/>
+              <a:t>(environment, GET, POST, cookies and server):</a:t>
+            </a:r>
+          </a:p>
+          <a:p>
+            <a:pPr marL="285750" lvl="1"/>
+            <a:r>
+              <a:rPr lang="en-US" dirty="0"/>
+              <a:t>$_COOKIE</a:t>
+            </a:r>
+          </a:p>
+          <a:p>
+            <a:pPr marL="285750" lvl="1"/>
+            <a:r>
+              <a:rPr lang="en-US" dirty="0"/>
               <a:t>$_GET</a:t>
             </a:r>
-            <a:r>
-              <a:rPr lang="en-US" b="1" dirty="0">
-                <a:solidFill>
-                  <a:srgbClr val="FF0000"/>
-                </a:solidFill>
-              </a:rPr>
-              <a:t> </a:t>
-            </a:r>
-            <a:r>
-              <a:rPr lang="en-US" dirty="0"/>
-              <a:t>and </a:t>
-            </a:r>
-            <a:r>
-              <a:rPr lang="en-US" b="1" dirty="0">
-                <a:solidFill>
-                  <a:srgbClr val="FF0000"/>
-                </a:solidFill>
-                <a:latin typeface="Courier New" pitchFamily="49" charset="0"/>
-                <a:cs typeface="Courier New" pitchFamily="49" charset="0"/>
-              </a:rPr>
-              <a:t>$_FILES </a:t>
-            </a:r>
-            <a:r>
-              <a:rPr lang="en-US" dirty="0">
-                <a:solidFill>
-                  <a:srgbClr val="7030A0"/>
-                </a:solidFill>
-              </a:rPr>
-              <a:t>arrays</a:t>
-            </a:r>
-            <a:r>
-              <a:rPr lang="en-US" dirty="0"/>
-              <a:t> to access form parameters from your PHP code</a:t>
-            </a:r>
-          </a:p>
-          <a:p>
-            <a:pPr lvl="1"/>
-            <a:r>
-              <a:rPr lang="en-US" dirty="0"/>
-              <a:t>Keys are parameter names</a:t>
-            </a:r>
-          </a:p>
-          <a:p>
-            <a:pPr lvl="1"/>
-            <a:r>
-              <a:rPr lang="en-US" dirty="0"/>
-              <a:t>Values are the values of those parameters</a:t>
-            </a:r>
-          </a:p>
-          <a:p>
-            <a:pPr lvl="1"/>
-            <a:endParaRPr lang="en-US" dirty="0"/>
-          </a:p>
-          <a:p>
-            <a:pPr lvl="0"/>
-            <a:r>
-              <a:rPr lang="en-US" dirty="0"/>
-              <a:t>Usually copy the values from the array to a variable for processing, e.g.:</a:t>
-            </a:r>
-            <a:br>
-              <a:rPr lang="en-US" dirty="0"/>
-            </a:br>
-            <a:r>
-              <a:rPr lang="en-US" dirty="0">
-                <a:latin typeface="Courier New" pitchFamily="49" charset="0"/>
-                <a:cs typeface="Courier New" pitchFamily="49" charset="0"/>
-              </a:rPr>
-              <a:t>$title = $_POST['title'];</a:t>
-            </a:r>
-          </a:p>
-          <a:p>
-            <a:pPr lvl="0"/>
-            <a:endParaRPr lang="en-US" dirty="0"/>
-          </a:p>
-          <a:p>
-            <a:pPr lvl="0"/>
-            <a:r>
-              <a:rPr lang="en-US" dirty="0"/>
-              <a:t>The type of method used to request a PHP page is available through </a:t>
-            </a:r>
-            <a:r>
-              <a:rPr lang="en-US" dirty="0">
-                <a:latin typeface="Courier New" pitchFamily="49" charset="0"/>
-                <a:cs typeface="Courier New" pitchFamily="49" charset="0"/>
-              </a:rPr>
-              <a:t>$_SERVER['REQUEST_METHOD']</a:t>
-            </a:r>
-          </a:p>
-          <a:p>
-            <a:pPr lvl="0"/>
-            <a:endParaRPr lang="en-US" dirty="0">
-              <a:latin typeface="Courier New" pitchFamily="49" charset="0"/>
-              <a:cs typeface="Courier New" pitchFamily="49" charset="0"/>
-            </a:endParaRPr>
+          </a:p>
+          <a:p>
+            <a:pPr marL="285750" lvl="1"/>
+            <a:r>
+              <a:rPr lang="en-US" dirty="0"/>
+              <a:t>$_POST</a:t>
+            </a:r>
+          </a:p>
+          <a:p>
+            <a:pPr marL="285750" lvl="1"/>
+            <a:r>
+              <a:rPr lang="en-US" dirty="0"/>
+              <a:t>$_FILES</a:t>
+            </a:r>
+          </a:p>
+          <a:p>
+            <a:pPr marL="285750" lvl="1"/>
+            <a:r>
+              <a:rPr lang="en-US" dirty="0"/>
+              <a:t>$_SERVER</a:t>
+            </a:r>
+          </a:p>
+          <a:p>
+            <a:pPr marL="285750" lvl="1"/>
+            <a:r>
+              <a:rPr lang="en-US" dirty="0"/>
+              <a:t>$ENV</a:t>
+            </a:r>
           </a:p>
         </p:txBody>
       </p:sp>
     </p:spTree>
     <p:extLst>
       <p:ext uri="{BB962C8B-B14F-4D97-AF65-F5344CB8AC3E}">
-        <p14:creationId xmlns:p14="http://schemas.microsoft.com/office/powerpoint/2010/main" val="3707039677"/>
+        <p14:creationId xmlns:p14="http://schemas.microsoft.com/office/powerpoint/2010/main" val="3730676298"/>
       </p:ext>
     </p:extLst>
   </p:cSld>
@@ -11002,124 +11142,83 @@
         </p:nvSpPr>
         <p:spPr/>
         <p:txBody>
+          <a:bodyPr/>
+          <a:lstStyle/>
+          <a:p>
+            <a:r>
+              <a:rPr lang="en-US"/>
+              <a:t>Processing Forms</a:t>
+            </a:r>
+          </a:p>
+        </p:txBody>
+      </p:sp>
+      <p:sp>
+        <p:nvSpPr>
+          <p:cNvPr id="3" name="Text Placeholder 2"/>
+          <p:cNvSpPr>
+            <a:spLocks noGrp="1"/>
+          </p:cNvSpPr>
+          <p:nvPr>
+            <p:ph idx="1"/>
+          </p:nvPr>
+        </p:nvSpPr>
+        <p:spPr/>
+        <p:txBody>
           <a:bodyPr>
             <a:normAutofit/>
           </a:bodyPr>
           <a:lstStyle/>
           <a:p>
-            <a:r>
-              <a:rPr lang="en-US"/>
-              <a:t>Automatic quoting of parameters</a:t>
-            </a:r>
-          </a:p>
-        </p:txBody>
-      </p:sp>
-      <p:sp>
-        <p:nvSpPr>
-          <p:cNvPr id="3" name="Text Placeholder 2"/>
-          <p:cNvSpPr>
-            <a:spLocks noGrp="1"/>
-          </p:cNvSpPr>
-          <p:nvPr>
-            <p:ph idx="1"/>
-          </p:nvPr>
-        </p:nvSpPr>
-        <p:spPr/>
-        <p:txBody>
-          <a:bodyPr>
-            <a:normAutofit/>
-          </a:bodyPr>
-          <a:lstStyle/>
-          <a:p>
             <a:pPr lvl="0"/>
             <a:r>
               <a:rPr lang="en-US" dirty="0"/>
-              <a:t>PHP ships with the </a:t>
-            </a:r>
-            <a:r>
-              <a:rPr lang="en-US" dirty="0" err="1">
+              <a:t>Use the </a:t>
+            </a:r>
+            <a:r>
+              <a:rPr lang="en-US" b="1" dirty="0">
                 <a:solidFill>
                   <a:srgbClr val="FF0000"/>
                 </a:solidFill>
                 <a:latin typeface="Courier New" pitchFamily="49" charset="0"/>
                 <a:cs typeface="Courier New" pitchFamily="49" charset="0"/>
               </a:rPr>
-              <a:t>magic_quotes_GPC</a:t>
-            </a:r>
-            <a:r>
-              <a:rPr lang="en-US" dirty="0"/>
-              <a:t> option enabled</a:t>
-            </a:r>
-          </a:p>
-          <a:p>
-            <a:pPr marL="292100" lvl="1"/>
-            <a:endParaRPr lang="en-US" dirty="0"/>
-          </a:p>
-          <a:p>
-            <a:pPr marL="292100" lvl="1"/>
-            <a:r>
-              <a:rPr lang="en-US" dirty="0"/>
-              <a:t>This instructs PHP to automatically call </a:t>
-            </a:r>
-            <a:r>
-              <a:rPr lang="en-US" b="1" dirty="0" err="1">
-                <a:latin typeface="Courier New" pitchFamily="49" charset="0"/>
-                <a:cs typeface="Courier New" pitchFamily="49" charset="0"/>
-              </a:rPr>
-              <a:t>addslashes</a:t>
+              <a:t>$_POST</a:t>
+            </a:r>
+            <a:r>
+              <a:rPr lang="en-US" dirty="0"/>
+              <a:t>, </a:t>
             </a:r>
             <a:r>
               <a:rPr lang="en-US" b="1" dirty="0">
-                <a:latin typeface="Courier New" pitchFamily="49" charset="0"/>
-                <a:cs typeface="Courier New" pitchFamily="49" charset="0"/>
-              </a:rPr>
-              <a:t>()</a:t>
+                <a:solidFill>
+                  <a:srgbClr val="FF0000"/>
+                </a:solidFill>
+                <a:latin typeface="Courier New" pitchFamily="49" charset="0"/>
+                <a:cs typeface="Courier New" pitchFamily="49" charset="0"/>
+              </a:rPr>
+              <a:t>$_GET</a:t>
             </a:r>
             <a:r>
               <a:rPr lang="en-US" b="1" dirty="0">
-                <a:cs typeface="Courier New" pitchFamily="49" charset="0"/>
+                <a:solidFill>
+                  <a:srgbClr val="FF0000"/>
+                </a:solidFill>
               </a:rPr>
               <a:t> </a:t>
             </a:r>
             <a:r>
               <a:rPr lang="en-US" dirty="0"/>
-              <a:t>on all cookie data and </a:t>
-            </a:r>
-            <a:r>
-              <a:rPr lang="en-US" dirty="0">
-                <a:latin typeface="Courier New" pitchFamily="49" charset="0"/>
-                <a:cs typeface="Courier New" pitchFamily="49" charset="0"/>
-              </a:rPr>
-              <a:t>GET</a:t>
-            </a:r>
-            <a:r>
-              <a:rPr lang="en-US" dirty="0"/>
-              <a:t> and </a:t>
-            </a:r>
-            <a:r>
-              <a:rPr lang="en-US" dirty="0">
-                <a:latin typeface="Courier New" pitchFamily="49" charset="0"/>
-                <a:cs typeface="Courier New" pitchFamily="49" charset="0"/>
-              </a:rPr>
-              <a:t>POST</a:t>
-            </a:r>
-            <a:r>
-              <a:rPr lang="en-US" dirty="0"/>
-              <a:t> parameters</a:t>
-            </a:r>
-          </a:p>
-          <a:p>
-            <a:pPr marL="292100" lvl="2" indent="-285750"/>
-            <a:r>
-              <a:rPr lang="en-US" dirty="0"/>
-              <a:t>Makes it easy to use form parameters in database queries </a:t>
-            </a:r>
-          </a:p>
-          <a:p>
-            <a:pPr marL="292100" lvl="2" indent="-285750"/>
-            <a:r>
-              <a:rPr lang="en-US" dirty="0"/>
-              <a:t>Causes a problem with other uses because all single quotes, double quotes and backslashes are </a:t>
+              <a:t>and </a:t>
+            </a:r>
+            <a:r>
+              <a:rPr lang="en-US" b="1" dirty="0">
+                <a:solidFill>
+                  <a:srgbClr val="FF0000"/>
+                </a:solidFill>
+                <a:latin typeface="Courier New" pitchFamily="49" charset="0"/>
+                <a:cs typeface="Courier New" pitchFamily="49" charset="0"/>
+              </a:rPr>
+              <a:t>$_FILES </a:t>
             </a:r>
             <a:r>
               <a:rPr lang="en-US" dirty="0">
@@ -11127,71 +11226,79 @@
                   <a:srgbClr val="7030A0"/>
                 </a:solidFill>
               </a:rPr>
-              <a:t>escaped with backslashes</a:t>
-            </a:r>
-          </a:p>
-          <a:p>
-            <a:pPr marL="292100" lvl="2" indent="-285750"/>
+              <a:t>arrays</a:t>
+            </a:r>
+            <a:r>
+              <a:rPr lang="en-US" dirty="0"/>
+              <a:t> to access form parameters from your PHP code</a:t>
+            </a:r>
+          </a:p>
+          <a:p>
+            <a:pPr lvl="1"/>
+            <a:r>
+              <a:rPr lang="en-US" dirty="0"/>
+              <a:t>Keys are parameter names</a:t>
+            </a:r>
+          </a:p>
+          <a:p>
+            <a:pPr lvl="1"/>
+            <a:r>
+              <a:rPr lang="en-US" dirty="0"/>
+              <a:t>Values are the values of those parameters</a:t>
+            </a:r>
+          </a:p>
+          <a:p>
+            <a:pPr lvl="1"/>
             <a:endParaRPr lang="en-US" dirty="0"/>
           </a:p>
           <a:p>
-            <a:pPr marL="292100" lvl="1"/>
-            <a:r>
-              <a:rPr lang="en-US" dirty="0"/>
-              <a:t>To get rid of the slashes uses the function </a:t>
-            </a:r>
-            <a:r>
-              <a:rPr lang="en-US" b="1" dirty="0" err="1">
-                <a:latin typeface="Courier New" pitchFamily="49" charset="0"/>
-                <a:cs typeface="Courier New" pitchFamily="49" charset="0"/>
-              </a:rPr>
-              <a:t>stripslashes</a:t>
-            </a:r>
-            <a:r>
-              <a:rPr lang="en-US" b="1" dirty="0">
-                <a:latin typeface="+mj-lt"/>
-                <a:cs typeface="Courier New" pitchFamily="49" charset="0"/>
-              </a:rPr>
-              <a:t>()</a:t>
-            </a:r>
+            <a:pPr lvl="0"/>
+            <a:r>
+              <a:rPr lang="en-US" dirty="0"/>
+              <a:t>Usually copy the values from the array to a variable for processing, e.g.:</a:t>
+            </a:r>
+            <a:br>
+              <a:rPr lang="en-US" dirty="0"/>
+            </a:br>
             <a:r>
               <a:rPr lang="en-US" dirty="0">
-                <a:latin typeface="+mj-lt"/>
-                <a:cs typeface="Courier New" pitchFamily="49" charset="0"/>
-              </a:rPr>
-              <a:t>, e.g.:</a:t>
-            </a:r>
-            <a:br>
-              <a:rPr lang="en-US" dirty="0"/>
-            </a:br>
+                <a:latin typeface="Courier New" pitchFamily="49" charset="0"/>
+                <a:cs typeface="Courier New" pitchFamily="49" charset="0"/>
+              </a:rPr>
+              <a:t>$title = $_POST['title'];</a:t>
+            </a:r>
+          </a:p>
+          <a:p>
+            <a:pPr lvl="0"/>
+            <a:endParaRPr lang="en-US" dirty="0"/>
+          </a:p>
+          <a:p>
+            <a:pPr lvl="0"/>
+            <a:r>
+              <a:rPr lang="en-US" dirty="0"/>
+              <a:t>The type of method used to request a PHP page is available through </a:t>
+            </a:r>
             <a:r>
               <a:rPr lang="en-US" dirty="0">
                 <a:latin typeface="Courier New" pitchFamily="49" charset="0"/>
                 <a:cs typeface="Courier New" pitchFamily="49" charset="0"/>
               </a:rPr>
-              <a:t>$name = </a:t>
-            </a:r>
-            <a:r>
-              <a:rPr lang="en-US" dirty="0" err="1">
-                <a:latin typeface="Courier New" pitchFamily="49" charset="0"/>
-                <a:cs typeface="Courier New" pitchFamily="49" charset="0"/>
-              </a:rPr>
-              <a:t>stripslashes</a:t>
-            </a:r>
-            <a:r>
-              <a:rPr lang="en-US" dirty="0">
-                <a:latin typeface="Courier New" pitchFamily="49" charset="0"/>
-                <a:cs typeface="Courier New" pitchFamily="49" charset="0"/>
-              </a:rPr>
-              <a:t>($_POST['name']);</a:t>
-            </a:r>
+              <a:t>$_SERVER['REQUEST_METHOD']</a:t>
+            </a:r>
+          </a:p>
+          <a:p>
+            <a:pPr lvl="0"/>
+            <a:endParaRPr lang="en-US" dirty="0">
+              <a:latin typeface="Courier New" pitchFamily="49" charset="0"/>
+              <a:cs typeface="Courier New" pitchFamily="49" charset="0"/>
+            </a:endParaRPr>
           </a:p>
         </p:txBody>
       </p:sp>
     </p:spTree>
     <p:extLst>
       <p:ext uri="{BB962C8B-B14F-4D97-AF65-F5344CB8AC3E}">
-        <p14:creationId xmlns:p14="http://schemas.microsoft.com/office/powerpoint/2010/main" val="2700293880"/>
+        <p14:creationId xmlns:p14="http://schemas.microsoft.com/office/powerpoint/2010/main" val="3707039677"/>
       </p:ext>
     </p:extLst>
   </p:cSld>
@@ -11230,12 +11337,14 @@
         </p:nvSpPr>
         <p:spPr/>
         <p:txBody>
-          <a:bodyPr/>
+          <a:bodyPr>
+            <a:normAutofit/>
+          </a:bodyPr>
           <a:lstStyle/>
           <a:p>
             <a:r>
               <a:rPr lang="en-US"/>
-              <a:t>Handling newlines</a:t>
+              <a:t>Automatic quoting of parameters</a:t>
             </a:r>
           </a:p>
         </p:txBody>
@@ -11252,60 +11361,164 @@
         </p:nvSpPr>
         <p:spPr/>
         <p:txBody>
-          <a:bodyPr/>
+          <a:bodyPr>
+            <a:normAutofit/>
+          </a:bodyPr>
           <a:lstStyle/>
           <a:p>
             <a:pPr lvl="0"/>
             <a:r>
               <a:rPr lang="en-US" dirty="0"/>
-              <a:t>A user can enter text over multiple lines in a form element such as a text area</a:t>
-            </a:r>
-          </a:p>
-          <a:p>
-            <a:pPr lvl="0"/>
-            <a:endParaRPr lang="en-US" dirty="0"/>
-          </a:p>
-          <a:p>
-            <a:pPr lvl="0"/>
-            <a:r>
-              <a:rPr lang="en-US" dirty="0"/>
-              <a:t>To create the equivalent of these newlines in a webpage use the </a:t>
-            </a:r>
-            <a:r>
-              <a:rPr lang="en-US" b="1" dirty="0">
+              <a:t>PHP ships with the </a:t>
+            </a:r>
+            <a:r>
+              <a:rPr lang="en-US" dirty="0" err="1">
                 <a:solidFill>
                   <a:srgbClr val="FF0000"/>
                 </a:solidFill>
                 <a:latin typeface="Courier New" pitchFamily="49" charset="0"/>
                 <a:cs typeface="Courier New" pitchFamily="49" charset="0"/>
               </a:rPr>
-              <a:t>nl2br()</a:t>
+              <a:t>magic_quotes_GPC</a:t>
+            </a:r>
+            <a:r>
+              <a:rPr lang="en-US" dirty="0"/>
+              <a:t> option enabled</a:t>
+            </a:r>
+          </a:p>
+          <a:p>
+            <a:pPr marL="292100" lvl="1"/>
+            <a:endParaRPr lang="en-US" dirty="0"/>
+          </a:p>
+          <a:p>
+            <a:pPr marL="292100" lvl="1"/>
+            <a:r>
+              <a:rPr lang="en-US" dirty="0"/>
+              <a:t>This instructs PHP to automatically call </a:t>
+            </a:r>
+            <a:r>
+              <a:rPr lang="en-US" b="1" dirty="0" err="1">
+                <a:latin typeface="Courier New" pitchFamily="49" charset="0"/>
+                <a:cs typeface="Courier New" pitchFamily="49" charset="0"/>
+              </a:rPr>
+              <a:t>addslashes</a:t>
             </a:r>
             <a:r>
               <a:rPr lang="en-US" b="1" dirty="0">
+                <a:latin typeface="Courier New" pitchFamily="49" charset="0"/>
+                <a:cs typeface="Courier New" pitchFamily="49" charset="0"/>
+              </a:rPr>
+              <a:t>()</a:t>
+            </a:r>
+            <a:r>
+              <a:rPr lang="en-US" b="1" dirty="0">
+                <a:cs typeface="Courier New" pitchFamily="49" charset="0"/>
+              </a:rPr>
+              <a:t> </a:t>
+            </a:r>
+            <a:r>
+              <a:rPr lang="en-US" dirty="0"/>
+              <a:t>on all cookie data and </a:t>
+            </a:r>
+            <a:r>
+              <a:rPr lang="en-US" dirty="0">
+                <a:latin typeface="Courier New" pitchFamily="49" charset="0"/>
+                <a:cs typeface="Courier New" pitchFamily="49" charset="0"/>
+              </a:rPr>
+              <a:t>GET</a:t>
+            </a:r>
+            <a:r>
+              <a:rPr lang="en-US" dirty="0"/>
+              <a:t> and </a:t>
+            </a:r>
+            <a:r>
+              <a:rPr lang="en-US" dirty="0">
+                <a:latin typeface="Courier New" pitchFamily="49" charset="0"/>
+                <a:cs typeface="Courier New" pitchFamily="49" charset="0"/>
+              </a:rPr>
+              <a:t>POST</a:t>
+            </a:r>
+            <a:r>
+              <a:rPr lang="en-US" dirty="0"/>
+              <a:t> parameters</a:t>
+            </a:r>
+          </a:p>
+          <a:p>
+            <a:pPr marL="292100" lvl="2" indent="-285750"/>
+            <a:r>
+              <a:rPr lang="en-US" dirty="0"/>
+              <a:t>Makes it easy to use form parameters in database queries </a:t>
+            </a:r>
+          </a:p>
+          <a:p>
+            <a:pPr marL="292100" lvl="2" indent="-285750"/>
+            <a:r>
+              <a:rPr lang="en-US" dirty="0"/>
+              <a:t>Causes a problem with other uses because all single quotes, double quotes and backslashes are </a:t>
+            </a:r>
+            <a:r>
+              <a:rPr lang="en-US" dirty="0">
                 <a:solidFill>
-                  <a:srgbClr val="FF0000"/>
+                  <a:srgbClr val="7030A0"/>
                 </a:solidFill>
-                <a:cs typeface="Courier New" pitchFamily="49" charset="0"/>
-              </a:rPr>
-              <a:t> </a:t>
-            </a:r>
-            <a:r>
-              <a:rPr lang="en-US" dirty="0"/>
-              <a:t>function, e.g.:</a:t>
-            </a:r>
-          </a:p>
-          <a:p>
-            <a:pPr lvl="0"/>
+              </a:rPr>
+              <a:t>escaped with backslashes</a:t>
+            </a:r>
+          </a:p>
+          <a:p>
+            <a:pPr marL="292100" lvl="2" indent="-285750"/>
+            <a:endParaRPr lang="en-US" dirty="0"/>
+          </a:p>
+          <a:p>
+            <a:pPr marL="292100" lvl="1"/>
+            <a:r>
+              <a:rPr lang="en-US" dirty="0"/>
+              <a:t>To get rid of the slashes uses the function </a:t>
+            </a:r>
+            <a:r>
+              <a:rPr lang="en-US" b="1" dirty="0" err="1">
+                <a:latin typeface="Courier New" pitchFamily="49" charset="0"/>
+                <a:cs typeface="Courier New" pitchFamily="49" charset="0"/>
+              </a:rPr>
+              <a:t>stripslashes</a:t>
+            </a:r>
+            <a:r>
+              <a:rPr lang="en-US" b="1" dirty="0">
+                <a:latin typeface="+mj-lt"/>
+                <a:cs typeface="Courier New" pitchFamily="49" charset="0"/>
+              </a:rPr>
+              <a:t>()</a:t>
+            </a:r>
+            <a:r>
+              <a:rPr lang="en-US" dirty="0">
+                <a:latin typeface="+mj-lt"/>
+                <a:cs typeface="Courier New" pitchFamily="49" charset="0"/>
+              </a:rPr>
+              <a:t>, e.g.:</a:t>
+            </a:r>
             <a:br>
               <a:rPr lang="en-US" dirty="0"/>
             </a:br>
             <a:r>
-              <a:rPr lang="en-US" sz="2400" dirty="0">
-                <a:latin typeface="Courier New" pitchFamily="49" charset="0"/>
-                <a:cs typeface="Courier New" pitchFamily="49" charset="0"/>
-              </a:rPr>
-              <a:t>$comments = nl2br($_POST['comments']);</a:t>
+              <a:rPr lang="en-US" dirty="0">
+                <a:latin typeface="Courier New" pitchFamily="49" charset="0"/>
+                <a:cs typeface="Courier New" pitchFamily="49" charset="0"/>
+              </a:rPr>
+              <a:t>$name = </a:t>
+            </a:r>
+            <a:r>
+              <a:rPr lang="en-US" dirty="0" err="1">
+                <a:latin typeface="Courier New" pitchFamily="49" charset="0"/>
+                <a:cs typeface="Courier New" pitchFamily="49" charset="0"/>
+              </a:rPr>
+              <a:t>stripslashes</a:t>
+            </a:r>
+            <a:r>
+              <a:rPr lang="en-US" dirty="0">
+                <a:latin typeface="Courier New" pitchFamily="49" charset="0"/>
+                <a:cs typeface="Courier New" pitchFamily="49" charset="0"/>
+              </a:rPr>
+              <a:t>($_POST['name']);</a:t>
             </a:r>
           </a:p>
         </p:txBody>
@@ -11313,7 +11526,7 @@
     </p:spTree>
     <p:extLst>
       <p:ext uri="{BB962C8B-B14F-4D97-AF65-F5344CB8AC3E}">
-        <p14:creationId xmlns:p14="http://schemas.microsoft.com/office/powerpoint/2010/main" val="2810859972"/>
+        <p14:creationId xmlns:p14="http://schemas.microsoft.com/office/powerpoint/2010/main" val="2700293880"/>
       </p:ext>
     </p:extLst>
   </p:cSld>
@@ -11357,7 +11570,7 @@
           <a:p>
             <a:r>
               <a:rPr lang="en-US"/>
-              <a:t>Multi-valued parameters</a:t>
+              <a:t>Handling newlines</a:t>
             </a:r>
           </a:p>
         </p:txBody>
@@ -11372,30 +11585,15 @@
             <p:ph idx="1"/>
           </p:nvPr>
         </p:nvSpPr>
-        <p:spPr>
-          <a:xfrm>
-            <a:off x="685800" y="1219200"/>
-            <a:ext cx="7772400" cy="4953000"/>
-          </a:xfrm>
-        </p:spPr>
-        <p:txBody>
-          <a:bodyPr>
-            <a:normAutofit fontScale="92500" lnSpcReduction="20000"/>
-          </a:bodyPr>
+        <p:spPr/>
+        <p:txBody>
+          <a:bodyPr/>
           <a:lstStyle/>
           <a:p>
             <a:pPr lvl="0"/>
             <a:r>
               <a:rPr lang="en-US" dirty="0"/>
-              <a:t>HTML selection lists and checkboxes can </a:t>
-            </a:r>
-            <a:r>
-              <a:rPr lang="en-US" dirty="0">
-                <a:solidFill>
-                  <a:srgbClr val="7030A0"/>
-                </a:solidFill>
-              </a:rPr>
-              <a:t>allow multiple selections</a:t>
+              <a:t>A user can enter text over multiple lines in a form element such as a text area</a:t>
             </a:r>
           </a:p>
           <a:p>
@@ -11406,194 +11604,43 @@
             <a:pPr lvl="0"/>
             <a:r>
               <a:rPr lang="en-US" dirty="0"/>
-              <a:t>To ensure that PHP </a:t>
-            </a:r>
-            <a:r>
-              <a:rPr lang="en-US" dirty="0">
-                <a:solidFill>
-                  <a:srgbClr val="7030A0"/>
-                </a:solidFill>
-              </a:rPr>
-              <a:t>recognizes the multiple values </a:t>
-            </a:r>
-            <a:r>
-              <a:rPr lang="en-US" dirty="0"/>
-              <a:t>that the browser passes to a form-processing script, </a:t>
-            </a:r>
-            <a:r>
-              <a:rPr lang="en-US" dirty="0">
-                <a:solidFill>
-                  <a:srgbClr val="C00000"/>
-                </a:solidFill>
-              </a:rPr>
-              <a:t>make the name of the field in HTML end with []</a:t>
-            </a:r>
-          </a:p>
-          <a:p>
-            <a:pPr lvl="0"/>
-            <a:endParaRPr lang="en-US" dirty="0"/>
-          </a:p>
-          <a:p>
-            <a:pPr lvl="0"/>
-            <a:r>
-              <a:rPr lang="en-US" b="1" dirty="0"/>
-              <a:t>Example:</a:t>
-            </a:r>
-            <a:br>
-              <a:rPr lang="en-US" dirty="0"/>
-            </a:br>
-            <a:r>
-              <a:rPr lang="en-US" dirty="0">
-                <a:latin typeface="Courier New" pitchFamily="49" charset="0"/>
-                <a:cs typeface="Courier New" pitchFamily="49" charset="0"/>
-              </a:rPr>
-              <a:t>&lt;select name="</a:t>
-            </a:r>
-            <a:r>
-              <a:rPr lang="en-US" dirty="0">
+              <a:t>To create the equivalent of these newlines in a webpage use the </a:t>
+            </a:r>
+            <a:r>
+              <a:rPr lang="en-US" b="1" dirty="0">
                 <a:solidFill>
                   <a:srgbClr val="FF0000"/>
                 </a:solidFill>
                 <a:latin typeface="Courier New" pitchFamily="49" charset="0"/>
                 <a:cs typeface="Courier New" pitchFamily="49" charset="0"/>
               </a:rPr>
-              <a:t>languages[]</a:t>
-            </a:r>
-            <a:r>
-              <a:rPr lang="en-US" dirty="0">
-                <a:latin typeface="Courier New" pitchFamily="49" charset="0"/>
-                <a:cs typeface="Courier New" pitchFamily="49" charset="0"/>
-              </a:rPr>
-              <a:t>"&gt;</a:t>
-            </a:r>
+              <a:t>nl2br()</a:t>
+            </a:r>
+            <a:r>
+              <a:rPr lang="en-US" b="1" dirty="0">
+                <a:solidFill>
+                  <a:srgbClr val="FF0000"/>
+                </a:solidFill>
+                <a:cs typeface="Courier New" pitchFamily="49" charset="0"/>
+              </a:rPr>
+              <a:t> </a:t>
+            </a:r>
+            <a:r>
+              <a:rPr lang="en-US" dirty="0"/>
+              <a:t>function, e.g.:</a:t>
+            </a:r>
+          </a:p>
+          <a:p>
+            <a:pPr lvl="0"/>
             <a:br>
-              <a:rPr lang="en-US" dirty="0">
-                <a:latin typeface="Courier New" pitchFamily="49" charset="0"/>
-                <a:cs typeface="Courier New" pitchFamily="49" charset="0"/>
-              </a:rPr>
+              <a:rPr lang="en-US" dirty="0"/>
             </a:br>
             <a:r>
-              <a:rPr lang="en-US" dirty="0">
-                <a:latin typeface="Courier New" pitchFamily="49" charset="0"/>
-                <a:cs typeface="Courier New" pitchFamily="49" charset="0"/>
-              </a:rPr>
-              <a:t>  &lt;input name = "c"&gt;C&lt;/input&gt;</a:t>
-            </a:r>
-            <a:br>
-              <a:rPr lang="en-US" dirty="0">
-                <a:latin typeface="Courier New" pitchFamily="49" charset="0"/>
-                <a:cs typeface="Courier New" pitchFamily="49" charset="0"/>
-              </a:rPr>
-            </a:br>
-            <a:r>
-              <a:rPr lang="en-US" dirty="0">
-                <a:latin typeface="Courier New" pitchFamily="49" charset="0"/>
-                <a:cs typeface="Courier New" pitchFamily="49" charset="0"/>
-              </a:rPr>
-              <a:t>  &lt;input name = "</a:t>
-            </a:r>
-            <a:r>
-              <a:rPr lang="en-US" dirty="0" err="1">
-                <a:latin typeface="Courier New" pitchFamily="49" charset="0"/>
-                <a:cs typeface="Courier New" pitchFamily="49" charset="0"/>
-              </a:rPr>
-              <a:t>c++</a:t>
-            </a:r>
-            <a:r>
-              <a:rPr lang="en-US" dirty="0">
-                <a:latin typeface="Courier New" pitchFamily="49" charset="0"/>
-                <a:cs typeface="Courier New" pitchFamily="49" charset="0"/>
-              </a:rPr>
-              <a:t>"&gt;C++&lt;/input&gt;  </a:t>
-            </a:r>
-            <a:br>
-              <a:rPr lang="en-US" dirty="0">
-                <a:latin typeface="Courier New" pitchFamily="49" charset="0"/>
-                <a:cs typeface="Courier New" pitchFamily="49" charset="0"/>
-              </a:rPr>
-            </a:br>
-            <a:r>
-              <a:rPr lang="en-US" dirty="0">
-                <a:latin typeface="Courier New" pitchFamily="49" charset="0"/>
-                <a:cs typeface="Courier New" pitchFamily="49" charset="0"/>
-              </a:rPr>
-              <a:t>  &lt;input name = "</a:t>
-            </a:r>
-            <a:r>
-              <a:rPr lang="en-US" dirty="0" err="1">
-                <a:latin typeface="Courier New" pitchFamily="49" charset="0"/>
-                <a:cs typeface="Courier New" pitchFamily="49" charset="0"/>
-              </a:rPr>
-              <a:t>php</a:t>
-            </a:r>
-            <a:r>
-              <a:rPr lang="en-US" dirty="0">
-                <a:latin typeface="Courier New" pitchFamily="49" charset="0"/>
-                <a:cs typeface="Courier New" pitchFamily="49" charset="0"/>
-              </a:rPr>
-              <a:t>"&gt;PHP&lt;/input&gt;</a:t>
-            </a:r>
-            <a:br>
-              <a:rPr lang="en-US" dirty="0">
-                <a:latin typeface="Courier New" pitchFamily="49" charset="0"/>
-                <a:cs typeface="Courier New" pitchFamily="49" charset="0"/>
-              </a:rPr>
-            </a:br>
-            <a:r>
-              <a:rPr lang="en-US" dirty="0">
-                <a:latin typeface="Courier New" pitchFamily="49" charset="0"/>
-                <a:cs typeface="Courier New" pitchFamily="49" charset="0"/>
-              </a:rPr>
-              <a:t>  &lt;input name = "</a:t>
-            </a:r>
-            <a:r>
-              <a:rPr lang="en-US" dirty="0" err="1">
-                <a:latin typeface="Courier New" pitchFamily="49" charset="0"/>
-                <a:cs typeface="Courier New" pitchFamily="49" charset="0"/>
-              </a:rPr>
-              <a:t>perl</a:t>
-            </a:r>
-            <a:r>
-              <a:rPr lang="en-US" dirty="0">
-                <a:latin typeface="Courier New" pitchFamily="49" charset="0"/>
-                <a:cs typeface="Courier New" pitchFamily="49" charset="0"/>
-              </a:rPr>
-              <a:t>"&gt;Perl&lt;/input&gt;</a:t>
-            </a:r>
-            <a:br>
-              <a:rPr lang="en-US" dirty="0">
-                <a:latin typeface="Courier New" pitchFamily="49" charset="0"/>
-                <a:cs typeface="Courier New" pitchFamily="49" charset="0"/>
-              </a:rPr>
-            </a:br>
-            <a:r>
-              <a:rPr lang="en-US" dirty="0">
-                <a:latin typeface="Courier New" pitchFamily="49" charset="0"/>
-                <a:cs typeface="Courier New" pitchFamily="49" charset="0"/>
-              </a:rPr>
-              <a:t>&lt;/select&gt;</a:t>
-            </a:r>
-          </a:p>
-          <a:p>
-            <a:pPr lvl="0"/>
-            <a:endParaRPr lang="en-US" dirty="0"/>
-          </a:p>
-          <a:p>
-            <a:pPr lvl="0"/>
-            <a:r>
-              <a:rPr lang="en-US" dirty="0"/>
-              <a:t>When the user submits the form, </a:t>
-            </a:r>
-            <a:r>
-              <a:rPr lang="en-US" b="1" dirty="0">
-                <a:latin typeface="Courier New" panose="02070309020205020404" pitchFamily="49" charset="0"/>
-                <a:cs typeface="Courier New" panose="02070309020205020404" pitchFamily="49" charset="0"/>
-              </a:rPr>
-              <a:t>$_POST['languages'] </a:t>
-            </a:r>
-            <a:r>
-              <a:rPr lang="en-US" dirty="0"/>
-              <a:t>contains an array instead of a string</a:t>
+              <a:rPr lang="en-US" sz="2400" dirty="0">
+                <a:latin typeface="Courier New" pitchFamily="49" charset="0"/>
+                <a:cs typeface="Courier New" pitchFamily="49" charset="0"/>
+              </a:rPr>
+              <a:t>$comments = nl2br($_POST['comments']);</a:t>
             </a:r>
           </a:p>
         </p:txBody>
@@ -11601,7 +11648,7 @@
     </p:spTree>
     <p:extLst>
       <p:ext uri="{BB962C8B-B14F-4D97-AF65-F5344CB8AC3E}">
-        <p14:creationId xmlns:p14="http://schemas.microsoft.com/office/powerpoint/2010/main" val="3990168806"/>
+        <p14:creationId xmlns:p14="http://schemas.microsoft.com/office/powerpoint/2010/main" val="2810859972"/>
       </p:ext>
     </p:extLst>
   </p:cSld>
@@ -11645,7 +11692,7 @@
           <a:p>
             <a:r>
               <a:rPr lang="en-US"/>
-              <a:t>Form Validation</a:t>
+              <a:t>Multi-valued parameters</a:t>
             </a:r>
           </a:p>
         </p:txBody>
@@ -11660,65 +11707,22 @@
             <p:ph idx="1"/>
           </p:nvPr>
         </p:nvSpPr>
-        <p:spPr/>
+        <p:spPr>
+          <a:xfrm>
+            <a:off x="685800" y="1219200"/>
+            <a:ext cx="7772400" cy="4953000"/>
+          </a:xfrm>
+        </p:spPr>
         <p:txBody>
           <a:bodyPr>
-            <a:normAutofit/>
+            <a:normAutofit fontScale="92500" lnSpcReduction="20000"/>
           </a:bodyPr>
           <a:lstStyle/>
           <a:p>
             <a:pPr lvl="0"/>
             <a:r>
-              <a:rPr lang="en-US" b="1" dirty="0"/>
-              <a:t>Need to </a:t>
-            </a:r>
-            <a:r>
-              <a:rPr lang="en-US" b="1" dirty="0">
-                <a:solidFill>
-                  <a:srgbClr val="FF0000"/>
-                </a:solidFill>
-              </a:rPr>
-              <a:t>validate user data </a:t>
-            </a:r>
-            <a:r>
-              <a:rPr lang="en-US" b="1" dirty="0"/>
-              <a:t>before storing or using it!</a:t>
-            </a:r>
-          </a:p>
-          <a:p>
-            <a:pPr lvl="0"/>
-            <a:endParaRPr lang="en-US" dirty="0"/>
-          </a:p>
-          <a:p>
-            <a:pPr lvl="0"/>
-            <a:r>
-              <a:rPr lang="en-US" dirty="0"/>
-              <a:t>Can use JavaScript, but…</a:t>
-            </a:r>
-          </a:p>
-          <a:p>
-            <a:pPr lvl="1"/>
-            <a:r>
-              <a:rPr lang="en-US" dirty="0"/>
-              <a:t>User can disable JavaScript</a:t>
-            </a:r>
-          </a:p>
-          <a:p>
-            <a:pPr lvl="1"/>
-            <a:r>
-              <a:rPr lang="en-US" dirty="0"/>
-              <a:t>Browser might not support it</a:t>
-            </a:r>
-          </a:p>
-          <a:p>
-            <a:pPr lvl="1"/>
-            <a:endParaRPr lang="en-US" dirty="0"/>
-          </a:p>
-          <a:p>
-            <a:pPr lvl="0"/>
-            <a:r>
-              <a:rPr lang="en-US" dirty="0"/>
-              <a:t>PHP provides </a:t>
+              <a:rPr lang="en-US" dirty="0"/>
+              <a:t>HTML selection lists and checkboxes can </a:t>
             </a:r>
             <a:r>
               <a:rPr lang="en-US" dirty="0">
@@ -11726,11 +11730,205 @@
                   <a:srgbClr val="7030A0"/>
                 </a:solidFill>
               </a:rPr>
-              <a:t>a more secure way </a:t>
-            </a:r>
-            <a:r>
-              <a:rPr lang="en-US" dirty="0"/>
-              <a:t>to do the validation</a:t>
+              <a:t>allow multiple selections</a:t>
+            </a:r>
+          </a:p>
+          <a:p>
+            <a:pPr lvl="0"/>
+            <a:endParaRPr lang="en-US" dirty="0"/>
+          </a:p>
+          <a:p>
+            <a:pPr lvl="0"/>
+            <a:r>
+              <a:rPr lang="en-US" dirty="0"/>
+              <a:t>To ensure that PHP </a:t>
+            </a:r>
+            <a:r>
+              <a:rPr lang="en-US" dirty="0">
+                <a:solidFill>
+                  <a:srgbClr val="7030A0"/>
+                </a:solidFill>
+              </a:rPr>
+              <a:t>recognizes the multiple values </a:t>
+            </a:r>
+            <a:r>
+              <a:rPr lang="en-US" dirty="0"/>
+              <a:t>that the browser passes to a form-processing script, </a:t>
+            </a:r>
+            <a:r>
+              <a:rPr lang="en-US" dirty="0">
+                <a:solidFill>
+                  <a:srgbClr val="C00000"/>
+                </a:solidFill>
+              </a:rPr>
+              <a:t>make the name of the field in HTML end with []</a:t>
+            </a:r>
+          </a:p>
+          <a:p>
+            <a:pPr lvl="0"/>
+            <a:endParaRPr lang="en-US" dirty="0"/>
+          </a:p>
+          <a:p>
+            <a:pPr lvl="0"/>
+            <a:r>
+              <a:rPr lang="en-US" b="1" dirty="0"/>
+              <a:t>Example:</a:t>
+            </a:r>
+            <a:br>
+              <a:rPr lang="en-US" dirty="0"/>
+            </a:br>
+            <a:r>
+              <a:rPr lang="en-US" dirty="0">
+                <a:latin typeface="Courier New" pitchFamily="49" charset="0"/>
+                <a:cs typeface="Courier New" pitchFamily="49" charset="0"/>
+              </a:rPr>
+              <a:t>&lt;select name="</a:t>
+            </a:r>
+            <a:r>
+              <a:rPr lang="en-US" dirty="0">
+                <a:solidFill>
+                  <a:srgbClr val="FF0000"/>
+                </a:solidFill>
+                <a:latin typeface="Courier New" pitchFamily="49" charset="0"/>
+                <a:cs typeface="Courier New" pitchFamily="49" charset="0"/>
+              </a:rPr>
+              <a:t>languages[]</a:t>
+            </a:r>
+            <a:r>
+              <a:rPr lang="en-US" dirty="0">
+                <a:latin typeface="Courier New" pitchFamily="49" charset="0"/>
+                <a:cs typeface="Courier New" pitchFamily="49" charset="0"/>
+              </a:rPr>
+              <a:t>"&gt;</a:t>
+            </a:r>
+            <a:br>
+              <a:rPr lang="en-US" dirty="0">
+                <a:latin typeface="Courier New" pitchFamily="49" charset="0"/>
+                <a:cs typeface="Courier New" pitchFamily="49" charset="0"/>
+              </a:rPr>
+            </a:br>
+            <a:r>
+              <a:rPr lang="en-US" dirty="0">
+                <a:latin typeface="Courier New" pitchFamily="49" charset="0"/>
+                <a:cs typeface="Courier New" pitchFamily="49" charset="0"/>
+              </a:rPr>
+              <a:t>  &lt;input name = "c"&gt;C&lt;/input&gt;</a:t>
+            </a:r>
+            <a:br>
+              <a:rPr lang="en-US" dirty="0">
+                <a:latin typeface="Courier New" pitchFamily="49" charset="0"/>
+                <a:cs typeface="Courier New" pitchFamily="49" charset="0"/>
+              </a:rPr>
+            </a:br>
+            <a:r>
+              <a:rPr lang="en-US" dirty="0">
+                <a:latin typeface="Courier New" pitchFamily="49" charset="0"/>
+                <a:cs typeface="Courier New" pitchFamily="49" charset="0"/>
+              </a:rPr>
+              <a:t>  &lt;input name = "</a:t>
+            </a:r>
+            <a:r>
+              <a:rPr lang="en-US" dirty="0" err="1">
+                <a:latin typeface="Courier New" pitchFamily="49" charset="0"/>
+                <a:cs typeface="Courier New" pitchFamily="49" charset="0"/>
+              </a:rPr>
+              <a:t>c++</a:t>
+            </a:r>
+            <a:r>
+              <a:rPr lang="en-US" dirty="0">
+                <a:latin typeface="Courier New" pitchFamily="49" charset="0"/>
+                <a:cs typeface="Courier New" pitchFamily="49" charset="0"/>
+              </a:rPr>
+              <a:t>"&gt;C++&lt;/input&gt;  </a:t>
+            </a:r>
+            <a:br>
+              <a:rPr lang="en-US" dirty="0">
+                <a:latin typeface="Courier New" pitchFamily="49" charset="0"/>
+                <a:cs typeface="Courier New" pitchFamily="49" charset="0"/>
+              </a:rPr>
+            </a:br>
+            <a:r>
+              <a:rPr lang="en-US" dirty="0">
+                <a:latin typeface="Courier New" pitchFamily="49" charset="0"/>
+                <a:cs typeface="Courier New" pitchFamily="49" charset="0"/>
+              </a:rPr>
+              <a:t>  &lt;input name = "</a:t>
+            </a:r>
+            <a:r>
+              <a:rPr lang="en-US" dirty="0" err="1">
+                <a:latin typeface="Courier New" pitchFamily="49" charset="0"/>
+                <a:cs typeface="Courier New" pitchFamily="49" charset="0"/>
+              </a:rPr>
+              <a:t>php</a:t>
+            </a:r>
+            <a:r>
+              <a:rPr lang="en-US" dirty="0">
+                <a:latin typeface="Courier New" pitchFamily="49" charset="0"/>
+                <a:cs typeface="Courier New" pitchFamily="49" charset="0"/>
+              </a:rPr>
+              <a:t>"&gt;PHP&lt;/input&gt;</a:t>
+            </a:r>
+            <a:br>
+              <a:rPr lang="en-US" dirty="0">
+                <a:latin typeface="Courier New" pitchFamily="49" charset="0"/>
+                <a:cs typeface="Courier New" pitchFamily="49" charset="0"/>
+              </a:rPr>
+            </a:br>
+            <a:r>
+              <a:rPr lang="en-US" dirty="0">
+                <a:latin typeface="Courier New" pitchFamily="49" charset="0"/>
+                <a:cs typeface="Courier New" pitchFamily="49" charset="0"/>
+              </a:rPr>
+              <a:t>  &lt;input name = "</a:t>
+            </a:r>
+            <a:r>
+              <a:rPr lang="en-US" dirty="0" err="1">
+                <a:latin typeface="Courier New" pitchFamily="49" charset="0"/>
+                <a:cs typeface="Courier New" pitchFamily="49" charset="0"/>
+              </a:rPr>
+              <a:t>perl</a:t>
+            </a:r>
+            <a:r>
+              <a:rPr lang="en-US" dirty="0">
+                <a:latin typeface="Courier New" pitchFamily="49" charset="0"/>
+                <a:cs typeface="Courier New" pitchFamily="49" charset="0"/>
+              </a:rPr>
+              <a:t>"&gt;Perl&lt;/input&gt;</a:t>
+            </a:r>
+            <a:br>
+              <a:rPr lang="en-US" dirty="0">
+                <a:latin typeface="Courier New" pitchFamily="49" charset="0"/>
+                <a:cs typeface="Courier New" pitchFamily="49" charset="0"/>
+              </a:rPr>
+            </a:br>
+            <a:r>
+              <a:rPr lang="en-US" dirty="0">
+                <a:latin typeface="Courier New" pitchFamily="49" charset="0"/>
+                <a:cs typeface="Courier New" pitchFamily="49" charset="0"/>
+              </a:rPr>
+              <a:t>&lt;/select&gt;</a:t>
+            </a:r>
+          </a:p>
+          <a:p>
+            <a:pPr lvl="0"/>
+            <a:endParaRPr lang="en-US" dirty="0"/>
+          </a:p>
+          <a:p>
+            <a:pPr lvl="0"/>
+            <a:r>
+              <a:rPr lang="en-US" dirty="0"/>
+              <a:t>When the user submits the form, </a:t>
+            </a:r>
+            <a:r>
+              <a:rPr lang="en-US" b="1" dirty="0">
+                <a:latin typeface="Courier New" panose="02070309020205020404" pitchFamily="49" charset="0"/>
+                <a:cs typeface="Courier New" panose="02070309020205020404" pitchFamily="49" charset="0"/>
+              </a:rPr>
+              <a:t>$_POST['languages'] </a:t>
+            </a:r>
+            <a:r>
+              <a:rPr lang="en-US" dirty="0"/>
+              <a:t>contains an array instead of a string</a:t>
             </a:r>
           </a:p>
         </p:txBody>
@@ -11738,7 +11936,7 @@
     </p:spTree>
     <p:extLst>
       <p:ext uri="{BB962C8B-B14F-4D97-AF65-F5344CB8AC3E}">
-        <p14:creationId xmlns:p14="http://schemas.microsoft.com/office/powerpoint/2010/main" val="3221917172"/>
+        <p14:creationId xmlns:p14="http://schemas.microsoft.com/office/powerpoint/2010/main" val="3990168806"/>
       </p:ext>
     </p:extLst>
   </p:cSld>
@@ -12389,62 +12587,49 @@
         </p:nvSpPr>
         <p:spPr/>
         <p:txBody>
+          <a:bodyPr/>
+          <a:lstStyle/>
+          <a:p>
+            <a:r>
+              <a:rPr lang="en-US"/>
+              <a:t>Form Validation</a:t>
+            </a:r>
+          </a:p>
+        </p:txBody>
+      </p:sp>
+      <p:sp>
+        <p:nvSpPr>
+          <p:cNvPr id="3" name="Text Placeholder 2"/>
+          <p:cNvSpPr>
+            <a:spLocks noGrp="1"/>
+          </p:cNvSpPr>
+          <p:nvPr>
+            <p:ph idx="1"/>
+          </p:nvPr>
+        </p:nvSpPr>
+        <p:spPr/>
+        <p:txBody>
           <a:bodyPr>
             <a:normAutofit/>
           </a:bodyPr>
           <a:lstStyle/>
           <a:p>
-            <a:r>
-              <a:rPr lang="en-US"/>
-              <a:t>Some important validation functions/operators</a:t>
-            </a:r>
-          </a:p>
-        </p:txBody>
-      </p:sp>
-      <p:sp>
-        <p:nvSpPr>
-          <p:cNvPr id="3" name="Text Placeholder 2"/>
-          <p:cNvSpPr>
-            <a:spLocks noGrp="1"/>
-          </p:cNvSpPr>
-          <p:nvPr>
-            <p:ph idx="1"/>
-          </p:nvPr>
-        </p:nvSpPr>
-        <p:spPr>
-          <a:xfrm>
-            <a:off x="685800" y="1219200"/>
-            <a:ext cx="7772400" cy="4572000"/>
-          </a:xfrm>
-        </p:spPr>
-        <p:txBody>
-          <a:bodyPr>
-            <a:noAutofit/>
-          </a:bodyPr>
-          <a:lstStyle/>
-          <a:p>
             <a:pPr lvl="0"/>
+            <a:r>
+              <a:rPr lang="en-US" b="1" dirty="0"/>
+              <a:t>Need to </a:t>
+            </a:r>
             <a:r>
               <a:rPr lang="en-US" b="1" dirty="0">
                 <a:solidFill>
                   <a:srgbClr val="FF0000"/>
                 </a:solidFill>
-                <a:latin typeface="Courier New" pitchFamily="49" charset="0"/>
-                <a:cs typeface="Courier New" pitchFamily="49" charset="0"/>
-              </a:rPr>
-              <a:t>empty()</a:t>
-            </a:r>
-            <a:r>
-              <a:rPr lang="en-US" b="1" dirty="0">
-                <a:solidFill>
-                  <a:srgbClr val="FF0000"/>
-                </a:solidFill>
-              </a:rPr>
-              <a:t> </a:t>
-            </a:r>
-            <a:r>
-              <a:rPr lang="en-US" dirty="0"/>
-              <a:t>:  tests whether a value was provided</a:t>
+              </a:rPr>
+              <a:t>validate user data </a:t>
+            </a:r>
+            <a:r>
+              <a:rPr lang="en-US" b="1" dirty="0"/>
+              <a:t>before storing or using it!</a:t>
             </a:r>
           </a:p>
           <a:p>
@@ -12454,229 +12639,45 @@
           <a:p>
             <a:pPr lvl="0"/>
             <a:r>
-              <a:rPr lang="en-US" b="1" dirty="0" err="1">
-                <a:solidFill>
-                  <a:srgbClr val="FF0000"/>
-                </a:solidFill>
-                <a:latin typeface="Courier New" pitchFamily="49" charset="0"/>
-                <a:cs typeface="Courier New" pitchFamily="49" charset="0"/>
-              </a:rPr>
-              <a:t>is_numeric</a:t>
-            </a:r>
-            <a:r>
-              <a:rPr lang="en-US" b="1" dirty="0">
-                <a:solidFill>
-                  <a:srgbClr val="FF0000"/>
-                </a:solidFill>
-                <a:latin typeface="Courier New" pitchFamily="49" charset="0"/>
-                <a:cs typeface="Courier New" pitchFamily="49" charset="0"/>
-              </a:rPr>
-              <a:t>()</a:t>
-            </a:r>
-            <a:r>
-              <a:rPr lang="en-US" b="1" dirty="0">
-                <a:solidFill>
-                  <a:srgbClr val="FF0000"/>
-                </a:solidFill>
-              </a:rPr>
-              <a:t> </a:t>
-            </a:r>
-            <a:r>
-              <a:rPr lang="en-US" dirty="0"/>
-              <a:t>: tests whether a value is a number</a:t>
-            </a:r>
+              <a:rPr lang="en-US" dirty="0"/>
+              <a:t>Can use JavaScript, but…</a:t>
+            </a:r>
+          </a:p>
+          <a:p>
+            <a:pPr lvl="1"/>
+            <a:r>
+              <a:rPr lang="en-US" dirty="0"/>
+              <a:t>User can disable JavaScript</a:t>
+            </a:r>
+          </a:p>
+          <a:p>
+            <a:pPr lvl="1"/>
+            <a:r>
+              <a:rPr lang="en-US" dirty="0"/>
+              <a:t>Browser might not support it</a:t>
+            </a:r>
+          </a:p>
+          <a:p>
+            <a:pPr lvl="1"/>
+            <a:endParaRPr lang="en-US" dirty="0"/>
           </a:p>
           <a:p>
             <a:pPr lvl="0"/>
-            <a:endParaRPr lang="en-US" dirty="0"/>
-          </a:p>
-          <a:p>
-            <a:pPr lvl="0"/>
-            <a:r>
-              <a:rPr lang="en-US" dirty="0"/>
-              <a:t>relational operators: </a:t>
+            <a:r>
+              <a:rPr lang="en-US" dirty="0"/>
+              <a:t>PHP provides </a:t>
             </a:r>
             <a:r>
               <a:rPr lang="en-US" dirty="0">
                 <a:solidFill>
-                  <a:srgbClr val="FF0000"/>
+                  <a:srgbClr val="7030A0"/>
                 </a:solidFill>
-                <a:latin typeface="Courier New" pitchFamily="49" charset="0"/>
-                <a:cs typeface="Courier New" pitchFamily="49" charset="0"/>
-              </a:rPr>
-              <a:t>!=</a:t>
-            </a:r>
-            <a:r>
-              <a:rPr lang="en-US" dirty="0">
-                <a:solidFill>
-                  <a:srgbClr val="FF0000"/>
-                </a:solidFill>
-              </a:rPr>
-              <a:t>, </a:t>
-            </a:r>
-            <a:r>
-              <a:rPr lang="en-US" dirty="0">
-                <a:solidFill>
-                  <a:srgbClr val="FF0000"/>
-                </a:solidFill>
-                <a:latin typeface="Courier New" pitchFamily="49" charset="0"/>
-                <a:cs typeface="Courier New" pitchFamily="49" charset="0"/>
-              </a:rPr>
-              <a:t>==</a:t>
-            </a:r>
-            <a:r>
-              <a:rPr lang="en-US" dirty="0">
-                <a:solidFill>
-                  <a:srgbClr val="FF0000"/>
-                </a:solidFill>
-              </a:rPr>
-              <a:t>, </a:t>
-            </a:r>
-            <a:r>
-              <a:rPr lang="en-US" dirty="0">
-                <a:solidFill>
-                  <a:srgbClr val="FF0000"/>
-                </a:solidFill>
-                <a:latin typeface="Courier New" pitchFamily="49" charset="0"/>
-                <a:cs typeface="Courier New" pitchFamily="49" charset="0"/>
-              </a:rPr>
-              <a:t>&gt;</a:t>
-            </a:r>
-            <a:r>
-              <a:rPr lang="en-US" dirty="0">
-                <a:solidFill>
-                  <a:srgbClr val="FF0000"/>
-                </a:solidFill>
-              </a:rPr>
-              <a:t>, </a:t>
-            </a:r>
-            <a:r>
-              <a:rPr lang="en-US" dirty="0">
-                <a:solidFill>
-                  <a:srgbClr val="FF0000"/>
-                </a:solidFill>
-                <a:latin typeface="Courier New" pitchFamily="49" charset="0"/>
-                <a:cs typeface="Courier New" pitchFamily="49" charset="0"/>
-              </a:rPr>
-              <a:t>&lt;</a:t>
-            </a:r>
-          </a:p>
-          <a:p>
-            <a:pPr lvl="0"/>
-            <a:endParaRPr lang="en-US" dirty="0"/>
-          </a:p>
-          <a:p>
-            <a:pPr lvl="0"/>
-            <a:r>
-              <a:rPr lang="en-US" b="1" dirty="0" err="1">
-                <a:solidFill>
-                  <a:srgbClr val="FF0000"/>
-                </a:solidFill>
-                <a:latin typeface="Courier New" pitchFamily="49" charset="0"/>
-                <a:cs typeface="Courier New" pitchFamily="49" charset="0"/>
-              </a:rPr>
-              <a:t>strpos</a:t>
-            </a:r>
-            <a:r>
-              <a:rPr lang="en-US" b="1" dirty="0">
-                <a:solidFill>
-                  <a:srgbClr val="FF0000"/>
-                </a:solidFill>
-                <a:latin typeface="Courier New" pitchFamily="49" charset="0"/>
-                <a:cs typeface="Courier New" pitchFamily="49" charset="0"/>
-              </a:rPr>
-              <a:t>(haystack, needle)</a:t>
-            </a:r>
-            <a:r>
-              <a:rPr lang="en-US" b="1" dirty="0">
-                <a:solidFill>
-                  <a:srgbClr val="FF0000"/>
-                </a:solidFill>
-                <a:cs typeface="Courier New" pitchFamily="49" charset="0"/>
-              </a:rPr>
-              <a:t> </a:t>
-            </a:r>
-            <a:r>
-              <a:rPr lang="en-US" dirty="0"/>
-              <a:t>: returns the position of  needle in haystack or false if needle is not found</a:t>
-            </a:r>
-          </a:p>
-          <a:p>
-            <a:pPr lvl="0"/>
-            <a:endParaRPr lang="en-US" dirty="0"/>
-          </a:p>
-          <a:p>
-            <a:pPr lvl="0"/>
-            <a:r>
-              <a:rPr lang="en-US" b="1" dirty="0" err="1">
-                <a:solidFill>
-                  <a:srgbClr val="FF0000"/>
-                </a:solidFill>
-                <a:latin typeface="Courier New" pitchFamily="49" charset="0"/>
-              </a:rPr>
-              <a:t>preg_match</a:t>
-            </a:r>
-            <a:r>
-              <a:rPr lang="en-US" b="1" dirty="0">
-                <a:solidFill>
-                  <a:srgbClr val="FF0000"/>
-                </a:solidFill>
-                <a:latin typeface="Courier New" pitchFamily="49" charset="0"/>
-              </a:rPr>
-              <a:t>(</a:t>
-            </a:r>
-            <a:r>
-              <a:rPr lang="en-US" b="1" dirty="0" err="1">
-                <a:solidFill>
-                  <a:srgbClr val="FF0000"/>
-                </a:solidFill>
-              </a:rPr>
-              <a:t>regex</a:t>
-            </a:r>
-            <a:r>
-              <a:rPr lang="en-US" b="1" dirty="0">
-                <a:solidFill>
-                  <a:srgbClr val="FF0000"/>
-                </a:solidFill>
-              </a:rPr>
-              <a:t>, </a:t>
-            </a:r>
-            <a:r>
-              <a:rPr lang="en-US" b="1" dirty="0" err="1">
-                <a:solidFill>
-                  <a:srgbClr val="FF0000"/>
-                </a:solidFill>
-              </a:rPr>
-              <a:t>str</a:t>
-            </a:r>
-            <a:r>
-              <a:rPr lang="en-US" b="1" dirty="0">
-                <a:solidFill>
-                  <a:srgbClr val="FF0000"/>
-                </a:solidFill>
-              </a:rPr>
-              <a:t> [,array]</a:t>
-            </a:r>
-            <a:r>
-              <a:rPr lang="en-US" b="1" dirty="0">
-                <a:solidFill>
-                  <a:srgbClr val="FF0000"/>
-                </a:solidFill>
-                <a:latin typeface="Courier New" pitchFamily="49" charset="0"/>
-              </a:rPr>
-              <a:t>)</a:t>
-            </a:r>
-            <a:r>
-              <a:rPr lang="en-US" b="1" dirty="0">
-                <a:solidFill>
-                  <a:srgbClr val="FF0000"/>
-                </a:solidFill>
-              </a:rPr>
-              <a:t> </a:t>
-            </a:r>
-            <a:r>
-              <a:rPr lang="en-US" dirty="0"/>
-              <a:t>: for testing regular expressions</a:t>
+              </a:rPr>
+              <a:t>a more secure way </a:t>
+            </a:r>
+            <a:r>
+              <a:rPr lang="en-US" dirty="0"/>
+              <a:t>to do the validation</a:t>
             </a:r>
           </a:p>
         </p:txBody>
@@ -12684,7 +12685,7 @@
     </p:spTree>
     <p:extLst>
       <p:ext uri="{BB962C8B-B14F-4D97-AF65-F5344CB8AC3E}">
-        <p14:creationId xmlns:p14="http://schemas.microsoft.com/office/powerpoint/2010/main" val="2395763358"/>
+        <p14:creationId xmlns:p14="http://schemas.microsoft.com/office/powerpoint/2010/main" val="3221917172"/>
       </p:ext>
     </p:extLst>
   </p:cSld>
@@ -12723,12 +12724,14 @@
         </p:nvSpPr>
         <p:spPr/>
         <p:txBody>
-          <a:bodyPr/>
+          <a:bodyPr>
+            <a:normAutofit/>
+          </a:bodyPr>
           <a:lstStyle/>
           <a:p>
             <a:r>
               <a:rPr lang="en-US"/>
-              <a:t>Validating with PHP</a:t>
+              <a:t>Some important validation functions/operators</a:t>
             </a:r>
           </a:p>
         </p:txBody>
@@ -12743,15 +12746,40 @@
             <p:ph idx="1"/>
           </p:nvPr>
         </p:nvSpPr>
-        <p:spPr/>
-        <p:txBody>
-          <a:bodyPr/>
+        <p:spPr>
+          <a:xfrm>
+            <a:off x="685800" y="1219200"/>
+            <a:ext cx="7772400" cy="4572000"/>
+          </a:xfrm>
+        </p:spPr>
+        <p:txBody>
+          <a:bodyPr>
+            <a:noAutofit/>
+          </a:bodyPr>
           <a:lstStyle/>
           <a:p>
             <a:pPr lvl="0"/>
             <a:r>
-              <a:rPr lang="en-US" dirty="0"/>
-              <a:t>Similar to validating with JavaScript, i.e.:</a:t>
+              <a:rPr lang="en-US" b="1" dirty="0">
+                <a:solidFill>
+                  <a:srgbClr val="FF0000"/>
+                </a:solidFill>
+                <a:latin typeface="Courier New" pitchFamily="49" charset="0"/>
+                <a:cs typeface="Courier New" pitchFamily="49" charset="0"/>
+              </a:rPr>
+              <a:t>empty()</a:t>
+            </a:r>
+            <a:r>
+              <a:rPr lang="en-US" b="1" dirty="0">
+                <a:solidFill>
+                  <a:srgbClr val="FF0000"/>
+                </a:solidFill>
+              </a:rPr>
+              <a:t> </a:t>
+            </a:r>
+            <a:r>
+              <a:rPr lang="en-US" dirty="0"/>
+              <a:t>:  tests whether a value was provided</a:t>
             </a:r>
           </a:p>
           <a:p>
@@ -12761,8 +12789,36 @@
           <a:p>
             <a:pPr lvl="0"/>
             <a:r>
-              <a:rPr lang="en-US" dirty="0"/>
-              <a:t>provide the user with error messages</a:t>
+              <a:rPr lang="en-US" b="1" dirty="0" err="1">
+                <a:solidFill>
+                  <a:srgbClr val="FF0000"/>
+                </a:solidFill>
+                <a:latin typeface="Courier New" pitchFamily="49" charset="0"/>
+                <a:cs typeface="Courier New" pitchFamily="49" charset="0"/>
+              </a:rPr>
+              <a:t>is_numeric</a:t>
+            </a:r>
+            <a:r>
+              <a:rPr lang="en-US" b="1" dirty="0">
+                <a:solidFill>
+                  <a:srgbClr val="FF0000"/>
+                </a:solidFill>
+                <a:latin typeface="Courier New" pitchFamily="49" charset="0"/>
+                <a:cs typeface="Courier New" pitchFamily="49" charset="0"/>
+              </a:rPr>
+              <a:t>()</a:t>
+            </a:r>
+            <a:r>
+              <a:rPr lang="en-US" b="1" dirty="0">
+                <a:solidFill>
+                  <a:srgbClr val="FF0000"/>
+                </a:solidFill>
+              </a:rPr>
+              <a:t> </a:t>
+            </a:r>
+            <a:r>
+              <a:rPr lang="en-US" dirty="0"/>
+              <a:t>: tests whether a value is a number</a:t>
             </a:r>
           </a:p>
           <a:p>
@@ -12771,14 +12827,199 @@
           </a:p>
           <a:p>
             <a:pPr lvl="0"/>
+            <a:r>
+              <a:rPr lang="en-US" dirty="0"/>
+              <a:t>relational operators: </a:t>
+            </a:r>
+            <a:r>
+              <a:rPr lang="en-US" dirty="0">
+                <a:solidFill>
+                  <a:srgbClr val="FF0000"/>
+                </a:solidFill>
+                <a:latin typeface="Courier New" pitchFamily="49" charset="0"/>
+                <a:cs typeface="Courier New" pitchFamily="49" charset="0"/>
+              </a:rPr>
+              <a:t>!=</a:t>
+            </a:r>
+            <a:r>
+              <a:rPr lang="en-US" dirty="0">
+                <a:solidFill>
+                  <a:srgbClr val="FF0000"/>
+                </a:solidFill>
+              </a:rPr>
+              <a:t>, </a:t>
+            </a:r>
+            <a:r>
+              <a:rPr lang="en-US" dirty="0">
+                <a:solidFill>
+                  <a:srgbClr val="FF0000"/>
+                </a:solidFill>
+                <a:latin typeface="Courier New" pitchFamily="49" charset="0"/>
+                <a:cs typeface="Courier New" pitchFamily="49" charset="0"/>
+              </a:rPr>
+              <a:t>==</a:t>
+            </a:r>
+            <a:r>
+              <a:rPr lang="en-US" dirty="0">
+                <a:solidFill>
+                  <a:srgbClr val="FF0000"/>
+                </a:solidFill>
+              </a:rPr>
+              <a:t>, </a:t>
+            </a:r>
+            <a:r>
+              <a:rPr lang="en-US" dirty="0">
+                <a:solidFill>
+                  <a:srgbClr val="FF0000"/>
+                </a:solidFill>
+                <a:latin typeface="Courier New" pitchFamily="49" charset="0"/>
+                <a:cs typeface="Courier New" pitchFamily="49" charset="0"/>
+              </a:rPr>
+              <a:t>&gt;</a:t>
+            </a:r>
+            <a:r>
+              <a:rPr lang="en-US" dirty="0">
+                <a:solidFill>
+                  <a:srgbClr val="FF0000"/>
+                </a:solidFill>
+              </a:rPr>
+              <a:t>, </a:t>
+            </a:r>
+            <a:r>
+              <a:rPr lang="en-US" dirty="0">
+                <a:solidFill>
+                  <a:srgbClr val="FF0000"/>
+                </a:solidFill>
+                <a:latin typeface="Courier New" pitchFamily="49" charset="0"/>
+                <a:cs typeface="Courier New" pitchFamily="49" charset="0"/>
+              </a:rPr>
+              <a:t>&lt;</a:t>
+            </a:r>
+          </a:p>
+          <a:p>
+            <a:pPr lvl="0"/>
             <a:endParaRPr lang="en-US" dirty="0"/>
+          </a:p>
+          <a:p>
+            <a:pPr lvl="0"/>
+            <a:r>
+              <a:rPr lang="en-US" b="1" dirty="0" err="1">
+                <a:solidFill>
+                  <a:srgbClr val="FF0000"/>
+                </a:solidFill>
+                <a:latin typeface="Courier New" pitchFamily="49" charset="0"/>
+                <a:cs typeface="Courier New" pitchFamily="49" charset="0"/>
+              </a:rPr>
+              <a:t>strpos</a:t>
+            </a:r>
+            <a:r>
+              <a:rPr lang="en-US" b="1" dirty="0">
+                <a:solidFill>
+                  <a:srgbClr val="FF0000"/>
+                </a:solidFill>
+                <a:latin typeface="Courier New" pitchFamily="49" charset="0"/>
+                <a:cs typeface="Courier New" pitchFamily="49" charset="0"/>
+              </a:rPr>
+              <a:t>(haystack, needle)</a:t>
+            </a:r>
+            <a:r>
+              <a:rPr lang="en-US" b="1" dirty="0">
+                <a:solidFill>
+                  <a:srgbClr val="FF0000"/>
+                </a:solidFill>
+                <a:cs typeface="Courier New" pitchFamily="49" charset="0"/>
+              </a:rPr>
+              <a:t> </a:t>
+            </a:r>
+            <a:r>
+              <a:rPr lang="en-US" dirty="0"/>
+              <a:t>: returns the position of  needle in haystack or false if needle is not found</a:t>
+            </a:r>
+          </a:p>
+          <a:p>
+            <a:pPr lvl="0"/>
+            <a:endParaRPr lang="en-US" dirty="0"/>
+          </a:p>
+          <a:p>
+            <a:pPr lvl="0"/>
+            <a:r>
+              <a:rPr lang="en-US" b="1" dirty="0" err="1">
+                <a:solidFill>
+                  <a:srgbClr val="FF0000"/>
+                </a:solidFill>
+                <a:latin typeface="Courier New" pitchFamily="49" charset="0"/>
+              </a:rPr>
+              <a:t>preg_match</a:t>
+            </a:r>
+            <a:r>
+              <a:rPr lang="en-US" b="1" dirty="0">
+                <a:solidFill>
+                  <a:srgbClr val="FF0000"/>
+                </a:solidFill>
+                <a:latin typeface="Courier New" pitchFamily="49" charset="0"/>
+              </a:rPr>
+              <a:t>(</a:t>
+            </a:r>
+            <a:r>
+              <a:rPr lang="en-US" b="1" dirty="0" err="1">
+                <a:solidFill>
+                  <a:srgbClr val="FF0000"/>
+                </a:solidFill>
+              </a:rPr>
+              <a:t>regex</a:t>
+            </a:r>
+            <a:r>
+              <a:rPr lang="en-US" b="1" dirty="0">
+                <a:solidFill>
+                  <a:srgbClr val="FF0000"/>
+                </a:solidFill>
+              </a:rPr>
+              <a:t>, </a:t>
+            </a:r>
+            <a:r>
+              <a:rPr lang="en-US" b="1" dirty="0" err="1">
+                <a:solidFill>
+                  <a:srgbClr val="FF0000"/>
+                </a:solidFill>
+              </a:rPr>
+              <a:t>str</a:t>
+            </a:r>
+            <a:r>
+              <a:rPr lang="en-US" b="1" dirty="0">
+                <a:solidFill>
+                  <a:srgbClr val="FF0000"/>
+                </a:solidFill>
+              </a:rPr>
+              <a:t> [,array]</a:t>
+            </a:r>
+            <a:r>
+              <a:rPr lang="en-US" b="1" dirty="0">
+                <a:solidFill>
+                  <a:srgbClr val="FF0000"/>
+                </a:solidFill>
+                <a:latin typeface="Courier New" pitchFamily="49" charset="0"/>
+              </a:rPr>
+              <a:t>)</a:t>
+            </a:r>
+            <a:r>
+              <a:rPr lang="en-US" b="1" dirty="0">
+                <a:solidFill>
+                  <a:srgbClr val="FF0000"/>
+                </a:solidFill>
+              </a:rPr>
+              <a:t> </a:t>
+            </a:r>
+            <a:r>
+              <a:rPr lang="en-US" dirty="0"/>
+              <a:t>: for testing regular expressions</a:t>
+            </a:r>
           </a:p>
         </p:txBody>
       </p:sp>
     </p:spTree>
     <p:extLst>
       <p:ext uri="{BB962C8B-B14F-4D97-AF65-F5344CB8AC3E}">
-        <p14:creationId xmlns:p14="http://schemas.microsoft.com/office/powerpoint/2010/main" val="629164792"/>
+        <p14:creationId xmlns:p14="http://schemas.microsoft.com/office/powerpoint/2010/main" val="2395763358"/>
       </p:ext>
     </p:extLst>
   </p:cSld>
@@ -12822,7 +13063,7 @@
           <a:p>
             <a:r>
               <a:rPr lang="en-US"/>
-              <a:t>Output buffering</a:t>
+              <a:t>Validating with PHP</a:t>
             </a:r>
           </a:p>
         </p:txBody>
@@ -12839,19 +13080,13 @@
         </p:nvSpPr>
         <p:spPr/>
         <p:txBody>
-          <a:bodyPr>
-            <a:normAutofit lnSpcReduction="10000"/>
-          </a:bodyPr>
+          <a:bodyPr/>
           <a:lstStyle/>
           <a:p>
             <a:pPr lvl="0"/>
             <a:r>
               <a:rPr lang="en-US" dirty="0"/>
-              <a:t>In a normal PHP script, </a:t>
-            </a:r>
-            <a:r>
-              <a:rPr lang="en-US" b="1" dirty="0"/>
-              <a:t>any echo statement is sent to the browser as soon as it is executed</a:t>
+              <a:t>Similar to validating with JavaScript, i.e.:</a:t>
             </a:r>
           </a:p>
           <a:p>
@@ -12862,124 +13097,7 @@
             <a:pPr lvl="0"/>
             <a:r>
               <a:rPr lang="en-US" dirty="0"/>
-              <a:t>With </a:t>
-            </a:r>
-            <a:r>
-              <a:rPr lang="en-US" b="1" i="1" dirty="0">
-                <a:solidFill>
-                  <a:srgbClr val="FF0000"/>
-                </a:solidFill>
-              </a:rPr>
-              <a:t>output buffering </a:t>
-            </a:r>
-            <a:r>
-              <a:rPr lang="en-US" dirty="0"/>
-              <a:t>the HTML and data will instead be put into a buffer</a:t>
-            </a:r>
-          </a:p>
-          <a:p>
-            <a:pPr lvl="0"/>
-            <a:endParaRPr lang="en-US" dirty="0"/>
-          </a:p>
-          <a:p>
-            <a:r>
-              <a:rPr lang="en-US" dirty="0"/>
-              <a:t>Turn on output buffering with the </a:t>
-            </a:r>
-            <a:r>
-              <a:rPr lang="en-US" b="1" dirty="0" err="1">
-                <a:solidFill>
-                  <a:srgbClr val="FF0000"/>
-                </a:solidFill>
-                <a:latin typeface="Courier New" pitchFamily="49" charset="0"/>
-                <a:cs typeface="Courier New" pitchFamily="49" charset="0"/>
-              </a:rPr>
-              <a:t>ob_start</a:t>
-            </a:r>
-            <a:r>
-              <a:rPr lang="en-US" b="1" dirty="0">
-                <a:solidFill>
-                  <a:srgbClr val="FF0000"/>
-                </a:solidFill>
-                <a:latin typeface="Courier New" pitchFamily="49" charset="0"/>
-                <a:cs typeface="Courier New" pitchFamily="49" charset="0"/>
-              </a:rPr>
-              <a:t>() </a:t>
-            </a:r>
-            <a:r>
-              <a:rPr lang="en-US" dirty="0"/>
-              <a:t>function</a:t>
-            </a:r>
-          </a:p>
-          <a:p>
-            <a:pPr marL="285750" lvl="1"/>
-            <a:r>
-              <a:rPr lang="en-US" dirty="0"/>
-              <a:t>All </a:t>
-            </a:r>
-            <a:r>
-              <a:rPr lang="en-US" dirty="0" err="1"/>
-              <a:t>echos</a:t>
-            </a:r>
-            <a:r>
-              <a:rPr lang="en-US" dirty="0"/>
-              <a:t> will send data into a buffer instead of to the browser</a:t>
-            </a:r>
-          </a:p>
-          <a:p>
-            <a:pPr marL="285750" lvl="1"/>
-            <a:r>
-              <a:rPr lang="en-US" dirty="0"/>
-              <a:t>HTTP calls (like </a:t>
-            </a:r>
-            <a:r>
-              <a:rPr lang="en-US" dirty="0">
-                <a:solidFill>
-                  <a:srgbClr val="002060"/>
-                </a:solidFill>
-                <a:latin typeface="Courier New" pitchFamily="49" charset="0"/>
-                <a:cs typeface="Courier New" pitchFamily="49" charset="0"/>
-              </a:rPr>
-              <a:t>header()</a:t>
-            </a:r>
-            <a:r>
-              <a:rPr lang="en-US" dirty="0">
-                <a:solidFill>
-                  <a:srgbClr val="002060"/>
-                </a:solidFill>
-                <a:cs typeface="Courier New" pitchFamily="49" charset="0"/>
-              </a:rPr>
-              <a:t> </a:t>
-            </a:r>
-            <a:r>
-              <a:rPr lang="en-US" dirty="0">
-                <a:cs typeface="Courier New" pitchFamily="49" charset="0"/>
-              </a:rPr>
-              <a:t>and </a:t>
-            </a:r>
-            <a:r>
-              <a:rPr lang="en-US" dirty="0" err="1">
-                <a:solidFill>
-                  <a:srgbClr val="002060"/>
-                </a:solidFill>
-                <a:latin typeface="Courier New" pitchFamily="49" charset="0"/>
-                <a:cs typeface="Courier New" pitchFamily="49" charset="0"/>
-              </a:rPr>
-              <a:t>setcookie</a:t>
-            </a:r>
-            <a:r>
-              <a:rPr lang="en-US" dirty="0">
-                <a:solidFill>
-                  <a:srgbClr val="002060"/>
-                </a:solidFill>
-                <a:latin typeface="Courier New" pitchFamily="49" charset="0"/>
-                <a:cs typeface="Courier New" pitchFamily="49" charset="0"/>
-              </a:rPr>
-              <a:t>() </a:t>
-            </a:r>
-            <a:r>
-              <a:rPr lang="en-US" dirty="0"/>
-              <a:t>) won't be buffered</a:t>
+              <a:t>provide the user with error messages</a:t>
             </a:r>
           </a:p>
           <a:p>
@@ -12995,7 +13113,7 @@
     </p:spTree>
     <p:extLst>
       <p:ext uri="{BB962C8B-B14F-4D97-AF65-F5344CB8AC3E}">
-        <p14:creationId xmlns:p14="http://schemas.microsoft.com/office/powerpoint/2010/main" val="3980555082"/>
+        <p14:creationId xmlns:p14="http://schemas.microsoft.com/office/powerpoint/2010/main" val="629164792"/>
       </p:ext>
     </p:extLst>
   </p:cSld>
@@ -13038,8 +13156,8 @@
           <a:lstStyle/>
           <a:p>
             <a:r>
-              <a:rPr lang="en-US" dirty="0"/>
-              <a:t>Output buffering (cont.)</a:t>
+              <a:rPr lang="en-US"/>
+              <a:t>Output buffering</a:t>
             </a:r>
           </a:p>
         </p:txBody>
@@ -13057,81 +13175,162 @@
         <p:spPr/>
         <p:txBody>
           <a:bodyPr>
-            <a:normAutofit/>
+            <a:normAutofit lnSpcReduction="10000"/>
           </a:bodyPr>
           <a:lstStyle/>
           <a:p>
             <a:pPr lvl="0"/>
             <a:r>
               <a:rPr lang="en-US" dirty="0"/>
-              <a:t>To discard the data in the buffer use the </a:t>
-            </a:r>
-            <a:r>
-              <a:rPr lang="en-US" dirty="0" err="1">
+              <a:t>In a normal PHP script, </a:t>
+            </a:r>
+            <a:r>
+              <a:rPr lang="en-US" b="1" dirty="0"/>
+              <a:t>any echo statement is sent to the browser as soon as it is executed</a:t>
+            </a:r>
+          </a:p>
+          <a:p>
+            <a:pPr lvl="0"/>
+            <a:endParaRPr lang="en-US" dirty="0"/>
+          </a:p>
+          <a:p>
+            <a:pPr lvl="0"/>
+            <a:r>
+              <a:rPr lang="en-US" dirty="0"/>
+              <a:t>With </a:t>
+            </a:r>
+            <a:r>
+              <a:rPr lang="en-US" b="1" i="1" dirty="0">
                 <a:solidFill>
                   <a:srgbClr val="FF0000"/>
                 </a:solidFill>
-                <a:latin typeface="Courier New" pitchFamily="49" charset="0"/>
-                <a:cs typeface="Courier New" pitchFamily="49" charset="0"/>
-              </a:rPr>
-              <a:t>ob_end_clean</a:t>
-            </a:r>
-            <a:r>
-              <a:rPr lang="en-US" dirty="0">
+              </a:rPr>
+              <a:t>output buffering </a:t>
+            </a:r>
+            <a:r>
+              <a:rPr lang="en-US" dirty="0"/>
+              <a:t>the HTML and data will instead be put into a buffer</a:t>
+            </a:r>
+          </a:p>
+          <a:p>
+            <a:pPr lvl="0"/>
+            <a:endParaRPr lang="en-US" dirty="0"/>
+          </a:p>
+          <a:p>
+            <a:r>
+              <a:rPr lang="en-US" dirty="0"/>
+              <a:t>Turn on output buffering with the </a:t>
+            </a:r>
+            <a:r>
+              <a:rPr lang="en-US" b="1" dirty="0" err="1">
                 <a:solidFill>
                   <a:srgbClr val="FF0000"/>
                 </a:solidFill>
                 <a:latin typeface="Courier New" pitchFamily="49" charset="0"/>
                 <a:cs typeface="Courier New" pitchFamily="49" charset="0"/>
               </a:rPr>
-              <a:t>() </a:t>
-            </a:r>
-            <a:r>
-              <a:rPr lang="en-US" dirty="0"/>
-              <a:t>function</a:t>
-            </a:r>
-          </a:p>
-          <a:p>
-            <a:pPr lvl="0"/>
-            <a:endParaRPr lang="en-US" dirty="0"/>
-          </a:p>
-          <a:p>
-            <a:pPr lvl="0"/>
-            <a:r>
-              <a:rPr lang="en-US" dirty="0"/>
-              <a:t>To send the buffer to the browser use the </a:t>
-            </a:r>
-            <a:r>
-              <a:rPr lang="en-US" dirty="0" err="1">
+              <a:t>ob_start</a:t>
+            </a:r>
+            <a:r>
+              <a:rPr lang="en-US" b="1" dirty="0">
                 <a:solidFill>
                   <a:srgbClr val="FF0000"/>
                 </a:solidFill>
                 <a:latin typeface="Courier New" pitchFamily="49" charset="0"/>
                 <a:cs typeface="Courier New" pitchFamily="49" charset="0"/>
               </a:rPr>
-              <a:t>ob_end_flush</a:t>
+              <a:t>() </a:t>
+            </a:r>
+            <a:r>
+              <a:rPr lang="en-US" dirty="0"/>
+              <a:t>function</a:t>
+            </a:r>
+          </a:p>
+          <a:p>
+            <a:pPr marL="285750" lvl="1"/>
+            <a:r>
+              <a:rPr lang="en-US" dirty="0"/>
+              <a:t>All </a:t>
+            </a:r>
+            <a:r>
+              <a:rPr lang="en-US" dirty="0" err="1"/>
+              <a:t>echos</a:t>
+            </a:r>
+            <a:r>
+              <a:rPr lang="en-US" dirty="0"/>
+              <a:t> will send data into a buffer instead of to the browser</a:t>
+            </a:r>
+          </a:p>
+          <a:p>
+            <a:pPr marL="285750" lvl="1"/>
+            <a:r>
+              <a:rPr lang="en-US" dirty="0"/>
+              <a:t>HTTP calls (like </a:t>
             </a:r>
             <a:r>
               <a:rPr lang="en-US" dirty="0">
                 <a:solidFill>
-                  <a:srgbClr val="FF0000"/>
+                  <a:srgbClr val="002060"/>
                 </a:solidFill>
                 <a:latin typeface="Courier New" pitchFamily="49" charset="0"/>
                 <a:cs typeface="Courier New" pitchFamily="49" charset="0"/>
               </a:rPr>
+              <a:t>header()</a:t>
+            </a:r>
+            <a:r>
+              <a:rPr lang="en-US" dirty="0">
+                <a:solidFill>
+                  <a:srgbClr val="002060"/>
+                </a:solidFill>
+                <a:cs typeface="Courier New" pitchFamily="49" charset="0"/>
+              </a:rPr>
+              <a:t> </a:t>
+            </a:r>
+            <a:r>
+              <a:rPr lang="en-US" dirty="0">
+                <a:cs typeface="Courier New" pitchFamily="49" charset="0"/>
+              </a:rPr>
+              <a:t>and </a:t>
+            </a:r>
+            <a:r>
+              <a:rPr lang="en-US" dirty="0" err="1">
+                <a:solidFill>
+                  <a:srgbClr val="002060"/>
+                </a:solidFill>
+                <a:latin typeface="Courier New" pitchFamily="49" charset="0"/>
+                <a:cs typeface="Courier New" pitchFamily="49" charset="0"/>
+              </a:rPr>
+              <a:t>setcookie</a:t>
+            </a:r>
+            <a:r>
+              <a:rPr lang="en-US" dirty="0">
+                <a:solidFill>
+                  <a:srgbClr val="002060"/>
+                </a:solidFill>
+                <a:latin typeface="Courier New" pitchFamily="49" charset="0"/>
+                <a:cs typeface="Courier New" pitchFamily="49" charset="0"/>
+              </a:rPr>
               <a:t>() </a:t>
             </a:r>
             <a:r>
               <a:rPr lang="en-US" dirty="0"/>
-              <a:t>function</a:t>
-            </a:r>
+              <a:t>) won't be buffered</a:t>
+            </a:r>
+          </a:p>
+          <a:p>
+            <a:pPr lvl="0"/>
+            <a:endParaRPr lang="en-US" dirty="0"/>
+          </a:p>
+          <a:p>
+            <a:pPr lvl="0"/>
+            <a:endParaRPr lang="en-US" dirty="0"/>
           </a:p>
         </p:txBody>
       </p:sp>
     </p:spTree>
     <p:extLst>
       <p:ext uri="{BB962C8B-B14F-4D97-AF65-F5344CB8AC3E}">
-        <p14:creationId xmlns:p14="http://schemas.microsoft.com/office/powerpoint/2010/main" val="2958336248"/>
+        <p14:creationId xmlns:p14="http://schemas.microsoft.com/office/powerpoint/2010/main" val="3980555082"/>
       </p:ext>
     </p:extLst>
   </p:cSld>
@@ -13165,7 +13364,7 @@
             <a:spLocks noGrp="1"/>
           </p:cNvSpPr>
           <p:nvPr>
-            <p:ph type="ctrTitle"/>
+            <p:ph type="title"/>
           </p:nvPr>
         </p:nvSpPr>
         <p:spPr/>
@@ -13175,7 +13374,91 @@
           <a:p>
             <a:r>
               <a:rPr lang="en-US" dirty="0"/>
-              <a:t>PHP Files</a:t>
+              <a:t>Output buffering (cont.)</a:t>
+            </a:r>
+          </a:p>
+        </p:txBody>
+      </p:sp>
+      <p:sp>
+        <p:nvSpPr>
+          <p:cNvPr id="3" name="Text Placeholder 2"/>
+          <p:cNvSpPr>
+            <a:spLocks noGrp="1"/>
+          </p:cNvSpPr>
+          <p:nvPr>
+            <p:ph idx="1"/>
+          </p:nvPr>
+        </p:nvSpPr>
+        <p:spPr/>
+        <p:txBody>
+          <a:bodyPr>
+            <a:normAutofit/>
+          </a:bodyPr>
+          <a:lstStyle/>
+          <a:p>
+            <a:pPr lvl="0"/>
+            <a:r>
+              <a:rPr lang="en-US" dirty="0"/>
+              <a:t>To discard the data in the buffer use the </a:t>
+            </a:r>
+            <a:r>
+              <a:rPr lang="en-US" dirty="0" err="1">
+                <a:solidFill>
+                  <a:srgbClr val="FF0000"/>
+                </a:solidFill>
+                <a:latin typeface="Courier New" pitchFamily="49" charset="0"/>
+                <a:cs typeface="Courier New" pitchFamily="49" charset="0"/>
+              </a:rPr>
+              <a:t>ob_end_clean</a:t>
+            </a:r>
+            <a:r>
+              <a:rPr lang="en-US" dirty="0">
+                <a:solidFill>
+                  <a:srgbClr val="FF0000"/>
+                </a:solidFill>
+                <a:latin typeface="Courier New" pitchFamily="49" charset="0"/>
+                <a:cs typeface="Courier New" pitchFamily="49" charset="0"/>
+              </a:rPr>
+              <a:t>() </a:t>
+            </a:r>
+            <a:r>
+              <a:rPr lang="en-US" dirty="0"/>
+              <a:t>function</a:t>
+            </a:r>
+          </a:p>
+          <a:p>
+            <a:pPr lvl="0"/>
+            <a:endParaRPr lang="en-US" dirty="0"/>
+          </a:p>
+          <a:p>
+            <a:pPr lvl="0"/>
+            <a:r>
+              <a:rPr lang="en-US" dirty="0"/>
+              <a:t>To send the buffer to the browser use the </a:t>
+            </a:r>
+            <a:r>
+              <a:rPr lang="en-US" dirty="0" err="1">
+                <a:solidFill>
+                  <a:srgbClr val="FF0000"/>
+                </a:solidFill>
+                <a:latin typeface="Courier New" pitchFamily="49" charset="0"/>
+                <a:cs typeface="Courier New" pitchFamily="49" charset="0"/>
+              </a:rPr>
+              <a:t>ob_end_flush</a:t>
+            </a:r>
+            <a:r>
+              <a:rPr lang="en-US" dirty="0">
+                <a:solidFill>
+                  <a:srgbClr val="FF0000"/>
+                </a:solidFill>
+                <a:latin typeface="Courier New" pitchFamily="49" charset="0"/>
+                <a:cs typeface="Courier New" pitchFamily="49" charset="0"/>
+              </a:rPr>
+              <a:t>() </a:t>
+            </a:r>
+            <a:r>
+              <a:rPr lang="en-US" dirty="0"/>
+              <a:t>function</a:t>
             </a:r>
           </a:p>
         </p:txBody>
@@ -13183,7 +13466,7 @@
     </p:spTree>
     <p:extLst>
       <p:ext uri="{BB962C8B-B14F-4D97-AF65-F5344CB8AC3E}">
-        <p14:creationId xmlns:p14="http://schemas.microsoft.com/office/powerpoint/2010/main" val="2132610751"/>
+        <p14:creationId xmlns:p14="http://schemas.microsoft.com/office/powerpoint/2010/main" val="2958336248"/>
       </p:ext>
     </p:extLst>
   </p:cSld>
@@ -13217,7 +13500,7 @@
             <a:spLocks noGrp="1"/>
           </p:cNvSpPr>
           <p:nvPr>
-            <p:ph type="title"/>
+            <p:ph type="ctrTitle"/>
           </p:nvPr>
         </p:nvSpPr>
         <p:spPr/>
@@ -13229,206 +13512,13 @@
               <a:rPr lang="en-US" dirty="0"/>
               <a:t>PHP Files</a:t>
             </a:r>
-          </a:p>
-        </p:txBody>
-      </p:sp>
-      <p:sp>
-        <p:nvSpPr>
-          <p:cNvPr id="3" name="Content Placeholder 2"/>
-          <p:cNvSpPr>
-            <a:spLocks noGrp="1"/>
-          </p:cNvSpPr>
-          <p:nvPr>
-            <p:ph idx="1"/>
-          </p:nvPr>
-        </p:nvSpPr>
-        <p:spPr>
-          <a:xfrm>
-            <a:off x="685800" y="1219200"/>
-            <a:ext cx="7772400" cy="4038600"/>
-          </a:xfrm>
-        </p:spPr>
-        <p:txBody>
-          <a:bodyPr>
-            <a:normAutofit fontScale="92500"/>
-          </a:bodyPr>
-          <a:lstStyle/>
-          <a:p>
-            <a:r>
-              <a:rPr lang="en-US" dirty="0"/>
-              <a:t>PHP can:</a:t>
-            </a:r>
-          </a:p>
-          <a:p>
-            <a:pPr marL="285750" lvl="1"/>
-            <a:r>
-              <a:rPr lang="en-US" sz="2200" dirty="0"/>
-              <a:t>Deal with any files on the server</a:t>
-            </a:r>
-          </a:p>
-          <a:p>
-            <a:pPr marL="285750" lvl="1"/>
-            <a:r>
-              <a:rPr lang="en-US" sz="2200" dirty="0"/>
-              <a:t>Deal with any files on the Internet, using either  http or ftp</a:t>
-            </a:r>
-          </a:p>
-          <a:p>
-            <a:endParaRPr lang="en-US" dirty="0"/>
-          </a:p>
-          <a:p>
-            <a:r>
-              <a:rPr lang="en-US" dirty="0"/>
-              <a:t>PHP associates a variable with a file, called the </a:t>
-            </a:r>
-            <a:r>
-              <a:rPr lang="en-US" b="1" i="1" dirty="0">
-                <a:solidFill>
-                  <a:srgbClr val="FF0000"/>
-                </a:solidFill>
-              </a:rPr>
-              <a:t>file variable</a:t>
-            </a:r>
-            <a:endParaRPr lang="en-US" b="1" dirty="0">
-              <a:solidFill>
-                <a:srgbClr val="FF0000"/>
-              </a:solidFill>
-            </a:endParaRPr>
-          </a:p>
-          <a:p>
-            <a:pPr marL="0" lvl="1" indent="0">
-              <a:buNone/>
-            </a:pPr>
-            <a:endParaRPr lang="en-US" sz="2200" dirty="0"/>
-          </a:p>
-          <a:p>
-            <a:pPr marL="0" lvl="1" indent="0">
-              <a:buNone/>
-            </a:pPr>
-            <a:r>
-              <a:rPr lang="en-US" sz="2200" dirty="0"/>
-              <a:t>A file has a file pointer (where to read or write), e.g.:</a:t>
-            </a:r>
-            <a:br>
-              <a:rPr lang="en-US" sz="2200" dirty="0"/>
-            </a:br>
-            <a:r>
-              <a:rPr lang="en-US" sz="2200" dirty="0">
-                <a:latin typeface="Courier New" pitchFamily="49" charset="0"/>
-              </a:rPr>
-              <a:t>$</a:t>
-            </a:r>
-            <a:r>
-              <a:rPr lang="en-US" sz="2200" dirty="0" err="1">
-                <a:latin typeface="Courier New" pitchFamily="49" charset="0"/>
-              </a:rPr>
-              <a:t>fptr</a:t>
-            </a:r>
-            <a:r>
-              <a:rPr lang="en-US" sz="2200" dirty="0">
-                <a:latin typeface="Courier New" pitchFamily="49" charset="0"/>
-              </a:rPr>
-              <a:t> = </a:t>
-            </a:r>
-            <a:r>
-              <a:rPr lang="en-US" sz="2200" dirty="0" err="1">
-                <a:latin typeface="Courier New" pitchFamily="49" charset="0"/>
-              </a:rPr>
-              <a:t>fopen</a:t>
-            </a:r>
-            <a:r>
-              <a:rPr lang="en-US" sz="2200" dirty="0">
-                <a:latin typeface="Courier New" pitchFamily="49" charset="0"/>
-              </a:rPr>
-              <a:t>(</a:t>
-            </a:r>
-            <a:r>
-              <a:rPr lang="en-US" sz="2200" dirty="0"/>
-              <a:t>filename, </a:t>
-            </a:r>
-            <a:r>
-              <a:rPr lang="en-US" sz="2200" dirty="0" err="1"/>
-              <a:t>use_indicator</a:t>
-            </a:r>
-            <a:r>
-              <a:rPr lang="en-US" sz="2200" dirty="0">
-                <a:latin typeface="Courier New" pitchFamily="49" charset="0"/>
-              </a:rPr>
-              <a:t>)</a:t>
-            </a:r>
-          </a:p>
-          <a:p>
-            <a:endParaRPr lang="en-US" dirty="0">
-              <a:latin typeface="Courier New" pitchFamily="49" charset="0"/>
-            </a:endParaRPr>
-          </a:p>
-          <a:p>
-            <a:r>
-              <a:rPr lang="en-US" b="1" i="1" dirty="0">
-                <a:solidFill>
-                  <a:srgbClr val="FF0000"/>
-                </a:solidFill>
-              </a:rPr>
-              <a:t>Use indicators</a:t>
-            </a:r>
-            <a:r>
-              <a:rPr lang="en-US" dirty="0"/>
-              <a:t>: </a:t>
-            </a:r>
-            <a:r>
-              <a:rPr lang="en-US" sz="2200" dirty="0">
-                <a:latin typeface="Courier New" pitchFamily="49" charset="0"/>
-              </a:rPr>
-              <a:t>r, r+,</a:t>
-            </a:r>
-            <a:r>
-              <a:rPr lang="en-US" sz="2200" dirty="0"/>
-              <a:t> </a:t>
-            </a:r>
-            <a:r>
-              <a:rPr lang="en-US" sz="2200" dirty="0">
-                <a:latin typeface="Courier New" pitchFamily="49" charset="0"/>
-              </a:rPr>
-              <a:t>w, w+, a, a+</a:t>
-            </a:r>
-            <a:endParaRPr lang="en-US" sz="2200" dirty="0"/>
-          </a:p>
-          <a:p>
-            <a:endParaRPr lang="en-US" dirty="0"/>
-          </a:p>
-          <a:p>
-            <a:endParaRPr lang="en-US" dirty="0"/>
-          </a:p>
-        </p:txBody>
-      </p:sp>
-      <p:sp>
-        <p:nvSpPr>
-          <p:cNvPr id="4" name="Slide Number Placeholder 3"/>
-          <p:cNvSpPr>
-            <a:spLocks noGrp="1"/>
-          </p:cNvSpPr>
-          <p:nvPr>
-            <p:ph type="sldNum" sz="quarter" idx="12"/>
-          </p:nvPr>
-        </p:nvSpPr>
-        <p:spPr/>
-        <p:txBody>
-          <a:bodyPr/>
-          <a:lstStyle/>
-          <a:p>
-            <a:fld id="{9648F39E-9C37-485F-AC97-16BB4BDF9F49}" type="slidenum">
-              <a:rPr kumimoji="0" lang="en-US" smtClean="0"/>
-              <a:pPr/>
-              <a:t>115</a:t>
-            </a:fld>
-            <a:endParaRPr kumimoji="0" lang="en-US"/>
           </a:p>
         </p:txBody>
       </p:sp>
     </p:spTree>
     <p:extLst>
       <p:ext uri="{BB962C8B-B14F-4D97-AF65-F5344CB8AC3E}">
-        <p14:creationId xmlns:p14="http://schemas.microsoft.com/office/powerpoint/2010/main" val="3628051465"/>
+        <p14:creationId xmlns:p14="http://schemas.microsoft.com/office/powerpoint/2010/main" val="2132610751"/>
       </p:ext>
     </p:extLst>
   </p:cSld>
@@ -13472,7 +13562,7 @@
           <a:p>
             <a:r>
               <a:rPr lang="en-US" dirty="0"/>
-              <a:t>PHP Files (cont.)</a:t>
+              <a:t>PHP Files</a:t>
             </a:r>
           </a:p>
         </p:txBody>
@@ -13487,207 +13577,159 @@
             <p:ph idx="1"/>
           </p:nvPr>
         </p:nvSpPr>
-        <p:spPr/>
-        <p:txBody>
-          <a:bodyPr/>
+        <p:spPr>
+          <a:xfrm>
+            <a:off x="685800" y="1219200"/>
+            <a:ext cx="7772400" cy="4038600"/>
+          </a:xfrm>
+        </p:spPr>
+        <p:txBody>
+          <a:bodyPr>
+            <a:normAutofit fontScale="92500"/>
+          </a:bodyPr>
           <a:lstStyle/>
           <a:p>
-            <a:pPr marL="6350" lvl="1" indent="0">
-              <a:spcBef>
-                <a:spcPts val="0"/>
-              </a:spcBef>
-              <a:buClr>
-                <a:schemeClr val="accent1"/>
-              </a:buClr>
-              <a:buSzPct val="80000"/>
-              <a:buNone/>
-            </a:pPr>
+            <a:r>
+              <a:rPr lang="en-US" dirty="0"/>
+              <a:t>PHP can:</a:t>
+            </a:r>
+          </a:p>
+          <a:p>
+            <a:pPr marL="285750" lvl="1"/>
             <a:r>
               <a:rPr lang="en-US" sz="2200" dirty="0"/>
-              <a:t>Since </a:t>
-            </a:r>
-            <a:r>
-              <a:rPr lang="en-US" sz="2200" dirty="0" err="1">
-                <a:latin typeface="Courier New" pitchFamily="49" charset="0"/>
-              </a:rPr>
-              <a:t>fopen</a:t>
-            </a:r>
+              <a:t>Deal with any files on the server</a:t>
+            </a:r>
+          </a:p>
+          <a:p>
+            <a:pPr marL="285750" lvl="1"/>
             <a:r>
               <a:rPr lang="en-US" sz="2200" dirty="0"/>
-              <a:t> could fail, use it with </a:t>
-            </a:r>
-            <a:r>
-              <a:rPr lang="en-US" sz="2200" dirty="0">
-                <a:latin typeface="Courier New" pitchFamily="49" charset="0"/>
-              </a:rPr>
-              <a:t>die</a:t>
-            </a:r>
-            <a:r>
-              <a:rPr lang="en-US" sz="2200" dirty="0">
-                <a:latin typeface="+mj-lt"/>
-              </a:rPr>
-              <a:t>, e.g.:</a:t>
-            </a:r>
-          </a:p>
-          <a:p>
-            <a:pPr marL="6350" lvl="1" indent="0">
-              <a:spcBef>
-                <a:spcPts val="0"/>
-              </a:spcBef>
-              <a:buClr>
-                <a:schemeClr val="accent1"/>
-              </a:buClr>
-              <a:buSzPct val="80000"/>
-              <a:buNone/>
-            </a:pPr>
-            <a:endParaRPr lang="en-US" sz="2200" dirty="0">
-              <a:latin typeface="+mj-lt"/>
-            </a:endParaRPr>
-          </a:p>
-          <a:p>
-            <a:pPr marL="6350" lvl="2" indent="0">
-              <a:spcBef>
-                <a:spcPts val="0"/>
-              </a:spcBef>
-              <a:buClr>
-                <a:schemeClr val="accent1"/>
-              </a:buClr>
-              <a:buSzPct val="80000"/>
-              <a:buNone/>
-            </a:pPr>
-            <a:r>
-              <a:rPr lang="en-US" sz="2200" dirty="0">
-                <a:latin typeface="Courier New" pitchFamily="49" charset="0"/>
-              </a:rPr>
-              <a:t>$file=</a:t>
-            </a:r>
-            <a:r>
-              <a:rPr lang="en-US" sz="2200" dirty="0" err="1">
-                <a:latin typeface="Courier New" pitchFamily="49" charset="0"/>
-              </a:rPr>
-              <a:t>fopen</a:t>
-            </a:r>
-            <a:r>
-              <a:rPr lang="en-US" sz="2200" dirty="0">
-                <a:latin typeface="Courier New" pitchFamily="49" charset="0"/>
-              </a:rPr>
-              <a:t>("</a:t>
-            </a:r>
-            <a:r>
-              <a:rPr lang="en-US" sz="2200" dirty="0" err="1">
-                <a:latin typeface="Courier New" pitchFamily="49" charset="0"/>
-              </a:rPr>
-              <a:t>welcome.txt","r</a:t>
-            </a:r>
-            <a:r>
-              <a:rPr lang="en-US" sz="2200" dirty="0">
-                <a:latin typeface="Courier New" pitchFamily="49" charset="0"/>
-              </a:rPr>
-              <a:t>") </a:t>
-            </a:r>
-          </a:p>
-          <a:p>
-            <a:pPr marL="6350" lvl="2" indent="0">
-              <a:spcBef>
-                <a:spcPts val="0"/>
-              </a:spcBef>
-              <a:buClr>
-                <a:schemeClr val="accent1"/>
-              </a:buClr>
-              <a:buSzPct val="80000"/>
-              <a:buNone/>
-            </a:pPr>
-            <a:r>
-              <a:rPr lang="en-US" sz="2200" b="1" dirty="0">
+              <a:t>Deal with any files on the Internet, using either  http or ftp</a:t>
+            </a:r>
+          </a:p>
+          <a:p>
+            <a:endParaRPr lang="en-US" dirty="0"/>
+          </a:p>
+          <a:p>
+            <a:r>
+              <a:rPr lang="en-US" dirty="0"/>
+              <a:t>PHP associates a variable with a file, called the </a:t>
+            </a:r>
+            <a:r>
+              <a:rPr lang="en-US" b="1" i="1" dirty="0">
                 <a:solidFill>
                   <a:srgbClr val="FF0000"/>
                 </a:solidFill>
-                <a:latin typeface="Courier New" pitchFamily="49" charset="0"/>
-              </a:rPr>
-              <a:t>      or die</a:t>
-            </a:r>
+              </a:rPr>
+              <a:t>file variable</a:t>
+            </a:r>
+            <a:endParaRPr lang="en-US" b="1" dirty="0">
+              <a:solidFill>
+                <a:srgbClr val="FF0000"/>
+              </a:solidFill>
+            </a:endParaRPr>
+          </a:p>
+          <a:p>
+            <a:pPr marL="0" lvl="1" indent="0">
+              <a:buNone/>
+            </a:pPr>
+            <a:endParaRPr lang="en-US" sz="2200" dirty="0"/>
+          </a:p>
+          <a:p>
+            <a:pPr marL="0" lvl="1" indent="0">
+              <a:buNone/>
+            </a:pPr>
+            <a:r>
+              <a:rPr lang="en-US" sz="2200" dirty="0"/>
+              <a:t>A file has a file pointer (where to read or write), e.g.:</a:t>
+            </a:r>
+            <a:br>
+              <a:rPr lang="en-US" sz="2200" dirty="0"/>
+            </a:br>
             <a:r>
               <a:rPr lang="en-US" sz="2200" dirty="0">
                 <a:latin typeface="Courier New" pitchFamily="49" charset="0"/>
               </a:rPr>
-              <a:t>("Unable to open file!");</a:t>
-            </a:r>
-          </a:p>
-          <a:p>
-            <a:endParaRPr lang="en-US" dirty="0"/>
-          </a:p>
-          <a:p>
-            <a:r>
-              <a:rPr lang="en-US" dirty="0"/>
-              <a:t>Use </a:t>
-            </a:r>
-            <a:r>
-              <a:rPr lang="en-US" dirty="0" err="1">
+              <a:t>$</a:t>
+            </a:r>
+            <a:r>
+              <a:rPr lang="en-US" sz="2200" dirty="0" err="1">
+                <a:latin typeface="Courier New" pitchFamily="49" charset="0"/>
+              </a:rPr>
+              <a:t>fptr</a:t>
+            </a:r>
+            <a:r>
+              <a:rPr lang="en-US" sz="2200" dirty="0">
+                <a:latin typeface="Courier New" pitchFamily="49" charset="0"/>
+              </a:rPr>
+              <a:t> = </a:t>
+            </a:r>
+            <a:r>
+              <a:rPr lang="en-US" sz="2200" dirty="0" err="1">
+                <a:latin typeface="Courier New" pitchFamily="49" charset="0"/>
+              </a:rPr>
+              <a:t>fopen</a:t>
+            </a:r>
+            <a:r>
+              <a:rPr lang="en-US" sz="2200" dirty="0">
+                <a:latin typeface="Courier New" pitchFamily="49" charset="0"/>
+              </a:rPr>
+              <a:t>(</a:t>
+            </a:r>
+            <a:r>
+              <a:rPr lang="en-US" sz="2200" dirty="0"/>
+              <a:t>filename, </a:t>
+            </a:r>
+            <a:r>
+              <a:rPr lang="en-US" sz="2200" dirty="0" err="1"/>
+              <a:t>use_indicator</a:t>
+            </a:r>
+            <a:r>
+              <a:rPr lang="en-US" sz="2200" dirty="0">
+                <a:latin typeface="Courier New" pitchFamily="49" charset="0"/>
+              </a:rPr>
+              <a:t>)</a:t>
+            </a:r>
+          </a:p>
+          <a:p>
+            <a:endParaRPr lang="en-US" dirty="0">
+              <a:latin typeface="Courier New" pitchFamily="49" charset="0"/>
+            </a:endParaRPr>
+          </a:p>
+          <a:p>
+            <a:r>
+              <a:rPr lang="en-US" b="1" i="1" dirty="0">
                 <a:solidFill>
                   <a:srgbClr val="FF0000"/>
                 </a:solidFill>
-                <a:latin typeface="Courier New" pitchFamily="49" charset="0"/>
-              </a:rPr>
-              <a:t>file_exists</a:t>
-            </a:r>
-            <a:r>
-              <a:rPr lang="en-US" dirty="0">
-                <a:latin typeface="Courier New" pitchFamily="49" charset="0"/>
-              </a:rPr>
-              <a:t>(</a:t>
-            </a:r>
-            <a:r>
-              <a:rPr lang="en-US" i="1" dirty="0"/>
-              <a:t>filename</a:t>
-            </a:r>
-            <a:r>
-              <a:rPr lang="en-US" dirty="0">
-                <a:latin typeface="Courier New" pitchFamily="49" charset="0"/>
-              </a:rPr>
-              <a:t>)</a:t>
-            </a:r>
-            <a:r>
-              <a:rPr lang="en-US" dirty="0"/>
-              <a:t> to determine whether file exists before trying to open it</a:t>
-            </a:r>
+              </a:rPr>
+              <a:t>Use indicators</a:t>
+            </a:r>
+            <a:r>
+              <a:rPr lang="en-US" dirty="0"/>
+              <a:t>: </a:t>
+            </a:r>
+            <a:r>
+              <a:rPr lang="en-US" sz="2200" dirty="0">
+                <a:latin typeface="Courier New" pitchFamily="49" charset="0"/>
+              </a:rPr>
+              <a:t>r, r+,</a:t>
+            </a:r>
+            <a:r>
+              <a:rPr lang="en-US" sz="2200" dirty="0"/>
+              <a:t> </a:t>
+            </a:r>
+            <a:r>
+              <a:rPr lang="en-US" sz="2200" dirty="0">
+                <a:latin typeface="Courier New" pitchFamily="49" charset="0"/>
+              </a:rPr>
+              <a:t>w, w+, a, a+</a:t>
+            </a:r>
+            <a:endParaRPr lang="en-US" sz="2200" dirty="0"/>
           </a:p>
           <a:p>
             <a:endParaRPr lang="en-US" dirty="0"/>
-          </a:p>
-          <a:p>
-            <a:r>
-              <a:rPr lang="en-US" dirty="0"/>
-              <a:t>Use </a:t>
-            </a:r>
-            <a:r>
-              <a:rPr lang="en-US" dirty="0" err="1">
-                <a:solidFill>
-                  <a:srgbClr val="FF0000"/>
-                </a:solidFill>
-                <a:latin typeface="Courier New" pitchFamily="49" charset="0"/>
-              </a:rPr>
-              <a:t>fclose</a:t>
-            </a:r>
-            <a:r>
-              <a:rPr lang="en-US" dirty="0">
-                <a:latin typeface="Courier New" pitchFamily="49" charset="0"/>
-              </a:rPr>
-              <a:t>(</a:t>
-            </a:r>
-            <a:r>
-              <a:rPr lang="en-US" i="1" dirty="0" err="1"/>
-              <a:t>file_var</a:t>
-            </a:r>
-            <a:r>
-              <a:rPr lang="en-US" dirty="0">
-                <a:latin typeface="Courier New" pitchFamily="49" charset="0"/>
-              </a:rPr>
-              <a:t>)</a:t>
-            </a:r>
-            <a:r>
-              <a:rPr lang="en-US" dirty="0"/>
-              <a:t> to close a file</a:t>
-            </a:r>
           </a:p>
           <a:p>
             <a:endParaRPr lang="en-US" dirty="0"/>
@@ -13721,7 +13763,7 @@
     </p:spTree>
     <p:extLst>
       <p:ext uri="{BB962C8B-B14F-4D97-AF65-F5344CB8AC3E}">
-        <p14:creationId xmlns:p14="http://schemas.microsoft.com/office/powerpoint/2010/main" val="2717375680"/>
+        <p14:creationId xmlns:p14="http://schemas.microsoft.com/office/powerpoint/2010/main" val="3628051465"/>
       </p:ext>
     </p:extLst>
   </p:cSld>
@@ -13765,7 +13807,7 @@
           <a:p>
             <a:r>
               <a:rPr lang="en-US" dirty="0"/>
-              <a:t>Reading Files</a:t>
+              <a:t>PHP Files (cont.)</a:t>
             </a:r>
           </a:p>
         </p:txBody>
@@ -13782,202 +13824,204 @@
         </p:nvSpPr>
         <p:spPr/>
         <p:txBody>
-          <a:bodyPr>
-            <a:normAutofit/>
-          </a:bodyPr>
+          <a:bodyPr/>
           <a:lstStyle/>
           <a:p>
-            <a:r>
-              <a:rPr lang="en-US" dirty="0"/>
-              <a:t>To </a:t>
-            </a:r>
-            <a:r>
-              <a:rPr lang="en-US" dirty="0">
-                <a:solidFill>
-                  <a:srgbClr val="7030A0"/>
-                </a:solidFill>
-              </a:rPr>
-              <a:t>read all or part of the file </a:t>
-            </a:r>
-            <a:r>
-              <a:rPr lang="en-US" dirty="0"/>
-              <a:t>into a string variable, use </a:t>
-            </a:r>
-            <a:r>
-              <a:rPr lang="en-US" b="1" dirty="0" err="1">
+            <a:pPr marL="6350" lvl="1" indent="0">
+              <a:spcBef>
+                <a:spcPts val="0"/>
+              </a:spcBef>
+              <a:buClr>
+                <a:schemeClr val="accent1"/>
+              </a:buClr>
+              <a:buSzPct val="80000"/>
+              <a:buNone/>
+            </a:pPr>
+            <a:r>
+              <a:rPr lang="en-US" sz="2200" dirty="0"/>
+              <a:t>Since </a:t>
+            </a:r>
+            <a:r>
+              <a:rPr lang="en-US" sz="2200" dirty="0" err="1">
+                <a:latin typeface="Courier New" pitchFamily="49" charset="0"/>
+              </a:rPr>
+              <a:t>fopen</a:t>
+            </a:r>
+            <a:r>
+              <a:rPr lang="en-US" sz="2200" dirty="0"/>
+              <a:t> could fail, use it with </a:t>
+            </a:r>
+            <a:r>
+              <a:rPr lang="en-US" sz="2200" dirty="0">
+                <a:latin typeface="Courier New" pitchFamily="49" charset="0"/>
+              </a:rPr>
+              <a:t>die</a:t>
+            </a:r>
+            <a:r>
+              <a:rPr lang="en-US" sz="2200" dirty="0">
+                <a:latin typeface="+mj-lt"/>
+              </a:rPr>
+              <a:t>, e.g.:</a:t>
+            </a:r>
+          </a:p>
+          <a:p>
+            <a:pPr marL="6350" lvl="1" indent="0">
+              <a:spcBef>
+                <a:spcPts val="0"/>
+              </a:spcBef>
+              <a:buClr>
+                <a:schemeClr val="accent1"/>
+              </a:buClr>
+              <a:buSzPct val="80000"/>
+              <a:buNone/>
+            </a:pPr>
+            <a:endParaRPr lang="en-US" sz="2200" dirty="0">
+              <a:latin typeface="+mj-lt"/>
+            </a:endParaRPr>
+          </a:p>
+          <a:p>
+            <a:pPr marL="6350" lvl="2" indent="0">
+              <a:spcBef>
+                <a:spcPts val="0"/>
+              </a:spcBef>
+              <a:buClr>
+                <a:schemeClr val="accent1"/>
+              </a:buClr>
+              <a:buSzPct val="80000"/>
+              <a:buNone/>
+            </a:pPr>
+            <a:r>
+              <a:rPr lang="en-US" sz="2200" dirty="0">
+                <a:latin typeface="Courier New" pitchFamily="49" charset="0"/>
+              </a:rPr>
+              <a:t>$file=</a:t>
+            </a:r>
+            <a:r>
+              <a:rPr lang="en-US" sz="2200" dirty="0" err="1">
+                <a:latin typeface="Courier New" pitchFamily="49" charset="0"/>
+              </a:rPr>
+              <a:t>fopen</a:t>
+            </a:r>
+            <a:r>
+              <a:rPr lang="en-US" sz="2200" dirty="0">
+                <a:latin typeface="Courier New" pitchFamily="49" charset="0"/>
+              </a:rPr>
+              <a:t>("</a:t>
+            </a:r>
+            <a:r>
+              <a:rPr lang="en-US" sz="2200" dirty="0" err="1">
+                <a:latin typeface="Courier New" pitchFamily="49" charset="0"/>
+              </a:rPr>
+              <a:t>welcome.txt","r</a:t>
+            </a:r>
+            <a:r>
+              <a:rPr lang="en-US" sz="2200" dirty="0">
+                <a:latin typeface="Courier New" pitchFamily="49" charset="0"/>
+              </a:rPr>
+              <a:t>") </a:t>
+            </a:r>
+          </a:p>
+          <a:p>
+            <a:pPr marL="6350" lvl="2" indent="0">
+              <a:spcBef>
+                <a:spcPts val="0"/>
+              </a:spcBef>
+              <a:buClr>
+                <a:schemeClr val="accent1"/>
+              </a:buClr>
+              <a:buSzPct val="80000"/>
+              <a:buNone/>
+            </a:pPr>
+            <a:r>
+              <a:rPr lang="en-US" sz="2200" b="1" dirty="0">
                 <a:solidFill>
                   <a:srgbClr val="FF0000"/>
                 </a:solidFill>
                 <a:latin typeface="Courier New" pitchFamily="49" charset="0"/>
               </a:rPr>
-              <a:t>fread</a:t>
-            </a:r>
-            <a:r>
-              <a:rPr lang="en-US" dirty="0"/>
-              <a:t>, e.g.:</a:t>
-            </a:r>
-            <a:br>
-              <a:rPr lang="en-US" dirty="0"/>
-            </a:br>
-            <a:r>
-              <a:rPr lang="en-US" dirty="0">
-                <a:latin typeface="Courier New" pitchFamily="49" charset="0"/>
-              </a:rPr>
-              <a:t>$</a:t>
+              <a:t>      or die</a:t>
+            </a:r>
+            <a:r>
+              <a:rPr lang="en-US" sz="2200" dirty="0">
+                <a:latin typeface="Courier New" pitchFamily="49" charset="0"/>
+              </a:rPr>
+              <a:t>("Unable to open file!");</a:t>
+            </a:r>
+          </a:p>
+          <a:p>
+            <a:endParaRPr lang="en-US" dirty="0"/>
+          </a:p>
+          <a:p>
+            <a:r>
+              <a:rPr lang="en-US" dirty="0"/>
+              <a:t>Use </a:t>
             </a:r>
             <a:r>
               <a:rPr lang="en-US" dirty="0" err="1">
-                <a:latin typeface="Courier New" pitchFamily="49" charset="0"/>
-              </a:rPr>
-              <a:t>str</a:t>
-            </a:r>
-            <a:r>
-              <a:rPr lang="en-US" dirty="0">
-                <a:latin typeface="Courier New" pitchFamily="49" charset="0"/>
-              </a:rPr>
-              <a:t> = </a:t>
-            </a:r>
-            <a:r>
-              <a:rPr lang="en-US" dirty="0" err="1">
-                <a:latin typeface="Courier New" pitchFamily="49" charset="0"/>
-              </a:rPr>
-              <a:t>fread</a:t>
-            </a:r>
-            <a:r>
-              <a:rPr lang="en-US" dirty="0">
-                <a:latin typeface="Courier New" pitchFamily="49" charset="0"/>
-              </a:rPr>
-              <a:t>(</a:t>
-            </a:r>
-            <a:r>
-              <a:rPr lang="en-US" i="1" dirty="0" err="1"/>
-              <a:t>file_var</a:t>
-            </a:r>
-            <a:r>
-              <a:rPr lang="en-US" dirty="0"/>
-              <a:t>, </a:t>
-            </a:r>
-            <a:r>
-              <a:rPr lang="en-US" i="1" dirty="0"/>
-              <a:t>#bytes</a:t>
-            </a:r>
-            <a:r>
-              <a:rPr lang="en-US" dirty="0">
-                <a:latin typeface="Courier New" pitchFamily="49" charset="0"/>
-              </a:rPr>
-              <a:t>)</a:t>
-            </a:r>
-          </a:p>
-          <a:p>
-            <a:pPr marL="6350" lvl="1" indent="0">
-              <a:buNone/>
-            </a:pPr>
-            <a:r>
-              <a:rPr lang="en-US" sz="2200" dirty="0"/>
-              <a:t>(note: to read the whole file, use  </a:t>
-            </a:r>
-            <a:r>
-              <a:rPr lang="en-US" sz="2200" dirty="0" err="1">
-                <a:latin typeface="Courier New" pitchFamily="49" charset="0"/>
-              </a:rPr>
-              <a:t>filesize</a:t>
-            </a:r>
-            <a:r>
-              <a:rPr lang="en-US" sz="2200" dirty="0">
-                <a:latin typeface="Courier New" pitchFamily="49" charset="0"/>
-              </a:rPr>
-              <a:t>(</a:t>
-            </a:r>
-            <a:r>
-              <a:rPr lang="en-US" sz="2200" i="1" dirty="0" err="1"/>
-              <a:t>file_name</a:t>
-            </a:r>
-            <a:r>
-              <a:rPr lang="en-US" sz="2200" dirty="0">
-                <a:latin typeface="Courier New" pitchFamily="49" charset="0"/>
-              </a:rPr>
-              <a:t>) </a:t>
-            </a:r>
-            <a:r>
-              <a:rPr lang="en-US" sz="2200" dirty="0"/>
-              <a:t>as the second parameter)</a:t>
-            </a:r>
-          </a:p>
-          <a:p>
-            <a:endParaRPr lang="en-US" dirty="0"/>
-          </a:p>
-          <a:p>
-            <a:r>
-              <a:rPr lang="en-US" dirty="0"/>
-              <a:t>To </a:t>
-            </a:r>
-            <a:r>
-              <a:rPr lang="en-US" dirty="0">
-                <a:solidFill>
-                  <a:srgbClr val="7030A0"/>
-                </a:solidFill>
-              </a:rPr>
-              <a:t>read all of the lines </a:t>
-            </a:r>
-            <a:r>
-              <a:rPr lang="en-US" dirty="0"/>
-              <a:t>of the file into an array, use </a:t>
-            </a:r>
-            <a:r>
-              <a:rPr lang="en-US" b="1" dirty="0">
                 <a:solidFill>
                   <a:srgbClr val="FF0000"/>
                 </a:solidFill>
                 <a:latin typeface="Courier New" pitchFamily="49" charset="0"/>
               </a:rPr>
-              <a:t>file</a:t>
-            </a:r>
-            <a:r>
-              <a:rPr lang="en-US" dirty="0"/>
-              <a:t>, e.g.:</a:t>
-            </a:r>
-            <a:br>
-              <a:rPr lang="en-US" sz="2200"/>
-            </a:br>
+              <a:t>file_exists</a:t>
+            </a:r>
             <a:r>
               <a:rPr lang="en-US" dirty="0">
                 <a:latin typeface="Courier New" pitchFamily="49" charset="0"/>
               </a:rPr>
-              <a:t>$</a:t>
-            </a:r>
-            <a:r>
-              <a:rPr lang="en-US" sz="2200">
-                <a:latin typeface="Courier New" pitchFamily="49" charset="0"/>
-              </a:rPr>
-              <a:t>file_lines</a:t>
-            </a:r>
-            <a:r>
-              <a:rPr lang="en-US" sz="2200" dirty="0">
-                <a:latin typeface="Courier New" pitchFamily="49" charset="0"/>
-              </a:rPr>
-              <a:t> = file(</a:t>
-            </a:r>
-            <a:r>
-              <a:rPr lang="en-US" sz="2200" dirty="0" err="1"/>
-              <a:t>file_name</a:t>
-            </a:r>
-            <a:r>
-              <a:rPr lang="en-US" sz="2200" dirty="0">
+              <a:t>(</a:t>
+            </a:r>
+            <a:r>
+              <a:rPr lang="en-US" i="1" dirty="0"/>
+              <a:t>filename</a:t>
+            </a:r>
+            <a:r>
+              <a:rPr lang="en-US" dirty="0">
                 <a:latin typeface="Courier New" pitchFamily="49" charset="0"/>
               </a:rPr>
               <a:t>)</a:t>
             </a:r>
-          </a:p>
-          <a:p>
+            <a:r>
+              <a:rPr lang="en-US" dirty="0"/>
+              <a:t> to determine whether file exists before trying to open it</a:t>
+            </a:r>
+          </a:p>
+          <a:p>
+            <a:endParaRPr lang="en-US" dirty="0"/>
+          </a:p>
+          <a:p>
+            <a:r>
+              <a:rPr lang="en-US" dirty="0"/>
+              <a:t>Use </a:t>
+            </a:r>
+            <a:r>
+              <a:rPr lang="en-US" dirty="0" err="1">
+                <a:solidFill>
+                  <a:srgbClr val="FF0000"/>
+                </a:solidFill>
+                <a:latin typeface="Courier New" pitchFamily="49" charset="0"/>
+              </a:rPr>
+              <a:t>fclose</a:t>
+            </a:r>
             <a:r>
               <a:rPr lang="en-US" dirty="0">
                 <a:latin typeface="Courier New" pitchFamily="49" charset="0"/>
               </a:rPr>
-              <a:t>(n</a:t>
-            </a:r>
-            <a:r>
-              <a:rPr lang="en-US" sz="2200" dirty="0"/>
-              <a:t>eed not open or close the file)</a:t>
+              <a:t>(</a:t>
+            </a:r>
+            <a:r>
+              <a:rPr lang="en-US" i="1" dirty="0" err="1"/>
+              <a:t>file_var</a:t>
+            </a:r>
+            <a:r>
+              <a:rPr lang="en-US" dirty="0">
+                <a:latin typeface="Courier New" pitchFamily="49" charset="0"/>
+              </a:rPr>
+              <a:t>)</a:t>
+            </a:r>
+            <a:r>
+              <a:rPr lang="en-US" dirty="0"/>
+              <a:t> to close a file</a:t>
             </a:r>
           </a:p>
           <a:p>
@@ -14012,7 +14056,7 @@
     </p:spTree>
     <p:extLst>
       <p:ext uri="{BB962C8B-B14F-4D97-AF65-F5344CB8AC3E}">
-        <p14:creationId xmlns:p14="http://schemas.microsoft.com/office/powerpoint/2010/main" val="735086651"/>
+        <p14:creationId xmlns:p14="http://schemas.microsoft.com/office/powerpoint/2010/main" val="2717375680"/>
       </p:ext>
     </p:extLst>
   </p:cSld>
@@ -14056,7 +14100,7 @@
           <a:p>
             <a:r>
               <a:rPr lang="en-US" dirty="0"/>
-              <a:t>Reading Files (cont.)</a:t>
+              <a:t>Reading Files</a:t>
             </a:r>
           </a:p>
         </p:txBody>
@@ -14071,15 +14115,10 @@
             <p:ph idx="1"/>
           </p:nvPr>
         </p:nvSpPr>
-        <p:spPr>
-          <a:xfrm>
-            <a:off x="685800" y="1219200"/>
-            <a:ext cx="7772400" cy="4419600"/>
-          </a:xfrm>
-        </p:spPr>
+        <p:spPr/>
         <p:txBody>
           <a:bodyPr>
-            <a:normAutofit fontScale="92500"/>
+            <a:normAutofit/>
           </a:bodyPr>
           <a:lstStyle/>
           <a:p>
@@ -14093,11 +14132,119 @@
                   <a:srgbClr val="7030A0"/>
                 </a:solidFill>
               </a:rPr>
-              <a:t>read</a:t>
-            </a:r>
-            <a:r>
-              <a:rPr lang="en-US" dirty="0"/>
-              <a:t> </a:t>
+              <a:t>read all or part of the file </a:t>
+            </a:r>
+            <a:r>
+              <a:rPr lang="en-US" dirty="0"/>
+              <a:t>into a string variable, use </a:t>
+            </a:r>
+            <a:r>
+              <a:rPr lang="en-US" b="1" dirty="0" err="1">
+                <a:solidFill>
+                  <a:srgbClr val="FF0000"/>
+                </a:solidFill>
+                <a:latin typeface="Courier New" pitchFamily="49" charset="0"/>
+              </a:rPr>
+              <a:t>fread</a:t>
+            </a:r>
+            <a:r>
+              <a:rPr lang="en-US" dirty="0"/>
+              <a:t>, e.g.:</a:t>
+            </a:r>
+            <a:br>
+              <a:rPr lang="en-US" dirty="0"/>
+            </a:br>
+            <a:r>
+              <a:rPr lang="en-US" dirty="0">
+                <a:latin typeface="Courier New" pitchFamily="49" charset="0"/>
+              </a:rPr>
+              <a:t>$</a:t>
+            </a:r>
+            <a:r>
+              <a:rPr lang="en-US" dirty="0" err="1">
+                <a:latin typeface="Courier New" pitchFamily="49" charset="0"/>
+              </a:rPr>
+              <a:t>str</a:t>
+            </a:r>
+            <a:r>
+              <a:rPr lang="en-US" dirty="0">
+                <a:latin typeface="Courier New" pitchFamily="49" charset="0"/>
+              </a:rPr>
+              <a:t> = </a:t>
+            </a:r>
+            <a:r>
+              <a:rPr lang="en-US" dirty="0" err="1">
+                <a:latin typeface="Courier New" pitchFamily="49" charset="0"/>
+              </a:rPr>
+              <a:t>fread</a:t>
+            </a:r>
+            <a:r>
+              <a:rPr lang="en-US" dirty="0">
+                <a:latin typeface="Courier New" pitchFamily="49" charset="0"/>
+              </a:rPr>
+              <a:t>(</a:t>
+            </a:r>
+            <a:r>
+              <a:rPr lang="en-US" i="1" dirty="0" err="1"/>
+              <a:t>file_var</a:t>
+            </a:r>
+            <a:r>
+              <a:rPr lang="en-US" dirty="0"/>
+              <a:t>, </a:t>
+            </a:r>
+            <a:r>
+              <a:rPr lang="en-US" i="1" dirty="0"/>
+              <a:t>#bytes</a:t>
+            </a:r>
+            <a:r>
+              <a:rPr lang="en-US" dirty="0">
+                <a:latin typeface="Courier New" pitchFamily="49" charset="0"/>
+              </a:rPr>
+              <a:t>)</a:t>
+            </a:r>
+          </a:p>
+          <a:p>
+            <a:pPr marL="6350" lvl="1" indent="0">
+              <a:buNone/>
+            </a:pPr>
+            <a:r>
+              <a:rPr lang="en-US" sz="2200" dirty="0"/>
+              <a:t>(note: to read the whole file, use  </a:t>
+            </a:r>
+            <a:r>
+              <a:rPr lang="en-US" sz="2200" dirty="0" err="1">
+                <a:latin typeface="Courier New" pitchFamily="49" charset="0"/>
+              </a:rPr>
+              <a:t>filesize</a:t>
+            </a:r>
+            <a:r>
+              <a:rPr lang="en-US" sz="2200" dirty="0">
+                <a:latin typeface="Courier New" pitchFamily="49" charset="0"/>
+              </a:rPr>
+              <a:t>(</a:t>
+            </a:r>
+            <a:r>
+              <a:rPr lang="en-US" sz="2200" i="1" dirty="0" err="1"/>
+              <a:t>file_name</a:t>
+            </a:r>
+            <a:r>
+              <a:rPr lang="en-US" sz="2200" dirty="0">
+                <a:latin typeface="Courier New" pitchFamily="49" charset="0"/>
+              </a:rPr>
+              <a:t>) </a:t>
+            </a:r>
+            <a:r>
+              <a:rPr lang="en-US" sz="2200" dirty="0"/>
+              <a:t>as the second parameter)</a:t>
+            </a:r>
+          </a:p>
+          <a:p>
+            <a:endParaRPr lang="en-US" dirty="0"/>
+          </a:p>
+          <a:p>
+            <a:r>
+              <a:rPr lang="en-US" dirty="0"/>
+              <a:t>To </a:t>
             </a:r>
             <a:r>
               <a:rPr lang="en-US" dirty="0">
@@ -14105,368 +14252,68 @@
                   <a:srgbClr val="7030A0"/>
                 </a:solidFill>
               </a:rPr>
-              <a:t>one line </a:t>
-            </a:r>
-            <a:r>
-              <a:rPr lang="en-US" dirty="0"/>
-              <a:t>from the file use </a:t>
-            </a:r>
-            <a:r>
-              <a:rPr lang="en-US" b="1" dirty="0" err="1">
+              <a:t>read all of the lines </a:t>
+            </a:r>
+            <a:r>
+              <a:rPr lang="en-US" dirty="0"/>
+              <a:t>of the file into an array, use </a:t>
+            </a:r>
+            <a:r>
+              <a:rPr lang="en-US" b="1" dirty="0">
                 <a:solidFill>
                   <a:srgbClr val="FF0000"/>
                 </a:solidFill>
-                <a:latin typeface="Courier New" panose="02070309020205020404" pitchFamily="49" charset="0"/>
-                <a:cs typeface="Courier New" panose="02070309020205020404" pitchFamily="49" charset="0"/>
-              </a:rPr>
-              <a:t>fgets</a:t>
-            </a:r>
-            <a:r>
-              <a:rPr lang="en-US" dirty="0"/>
-              <a:t>, e.g.:  </a:t>
+                <a:latin typeface="Courier New" pitchFamily="49" charset="0"/>
+              </a:rPr>
+              <a:t>file</a:t>
+            </a:r>
+            <a:r>
+              <a:rPr lang="en-US" dirty="0"/>
+              <a:t>, e.g.:</a:t>
             </a:r>
             <a:br>
-              <a:rPr lang="en-US" dirty="0"/>
+              <a:rPr lang="en-US" sz="2200"/>
             </a:br>
             <a:r>
               <a:rPr lang="en-US" dirty="0">
                 <a:latin typeface="Courier New" pitchFamily="49" charset="0"/>
               </a:rPr>
-              <a:t>$line = </a:t>
-            </a:r>
-            <a:r>
-              <a:rPr lang="en-US" dirty="0" err="1">
-                <a:latin typeface="Courier New" pitchFamily="49" charset="0"/>
-              </a:rPr>
-              <a:t>fgets</a:t>
-            </a:r>
+              <a:t>$</a:t>
+            </a:r>
+            <a:r>
+              <a:rPr lang="en-US" sz="2200">
+                <a:latin typeface="Courier New" pitchFamily="49" charset="0"/>
+              </a:rPr>
+              <a:t>file_lines</a:t>
+            </a:r>
+            <a:r>
+              <a:rPr lang="en-US" sz="2200" dirty="0">
+                <a:latin typeface="Courier New" pitchFamily="49" charset="0"/>
+              </a:rPr>
+              <a:t> = file(</a:t>
+            </a:r>
+            <a:r>
+              <a:rPr lang="en-US" sz="2200" dirty="0" err="1"/>
+              <a:t>file_name</a:t>
+            </a:r>
+            <a:r>
+              <a:rPr lang="en-US" sz="2200" dirty="0">
+                <a:latin typeface="Courier New" pitchFamily="49" charset="0"/>
+              </a:rPr>
+              <a:t>)</a:t>
+            </a:r>
+          </a:p>
+          <a:p>
             <a:r>
               <a:rPr lang="en-US" dirty="0">
                 <a:latin typeface="Courier New" pitchFamily="49" charset="0"/>
               </a:rPr>
-              <a:t>(</a:t>
-            </a:r>
-            <a:r>
-              <a:rPr lang="en-US" i="1" dirty="0" err="1"/>
-              <a:t>file_var</a:t>
-            </a:r>
-            <a:r>
-              <a:rPr lang="en-US" dirty="0"/>
-              <a:t>, </a:t>
-            </a:r>
-            <a:r>
-              <a:rPr lang="en-US" i="1" dirty="0"/>
-              <a:t>#bytes</a:t>
-            </a:r>
-            <a:r>
-              <a:rPr lang="en-US" dirty="0">
-                <a:latin typeface="Courier New" pitchFamily="49" charset="0"/>
-              </a:rPr>
-              <a:t>)</a:t>
-            </a:r>
-          </a:p>
-          <a:p>
-            <a:pPr marL="342900" indent="-342900">
-              <a:buFont typeface="Arial" panose="020B0604020202020204" pitchFamily="34" charset="0"/>
-              <a:buChar char="•"/>
-            </a:pPr>
-            <a:r>
-              <a:rPr lang="en-US" sz="1900" dirty="0"/>
-              <a:t>It reads characters until </a:t>
-            </a:r>
-            <a:r>
-              <a:rPr lang="en-US" sz="1900" dirty="0" err="1">
-                <a:latin typeface="Courier New" pitchFamily="49" charset="0"/>
-                <a:cs typeface="Courier New" pitchFamily="49" charset="0"/>
-              </a:rPr>
-              <a:t>eoln</a:t>
-            </a:r>
-            <a:r>
-              <a:rPr lang="en-US" sz="1900" dirty="0"/>
-              <a:t>, </a:t>
-            </a:r>
-            <a:r>
-              <a:rPr lang="en-US" sz="1900" dirty="0" err="1">
-                <a:latin typeface="Courier New" pitchFamily="49" charset="0"/>
-                <a:cs typeface="Courier New" pitchFamily="49" charset="0"/>
-              </a:rPr>
-              <a:t>eof</a:t>
-            </a:r>
-            <a:r>
-              <a:rPr lang="en-US" sz="1900" dirty="0"/>
-              <a:t>, or </a:t>
-            </a:r>
-            <a:r>
-              <a:rPr lang="en-US" sz="1900" i="1" dirty="0"/>
-              <a:t>#bytes</a:t>
-            </a:r>
-            <a:r>
-              <a:rPr lang="en-US" sz="1900" dirty="0"/>
-              <a:t>- chars been read</a:t>
-            </a:r>
-          </a:p>
-          <a:p>
-            <a:pPr lvl="1"/>
-            <a:endParaRPr lang="en-US" sz="2200" dirty="0"/>
-          </a:p>
-          <a:p>
-            <a:r>
-              <a:rPr lang="en-US" dirty="0"/>
-              <a:t>To </a:t>
-            </a:r>
-            <a:r>
-              <a:rPr lang="en-US" dirty="0">
-                <a:solidFill>
-                  <a:srgbClr val="7030A0"/>
-                </a:solidFill>
-              </a:rPr>
-              <a:t>read</a:t>
-            </a:r>
-            <a:r>
-              <a:rPr lang="en-US" dirty="0"/>
-              <a:t> </a:t>
-            </a:r>
-            <a:r>
-              <a:rPr lang="en-US" dirty="0">
-                <a:solidFill>
-                  <a:srgbClr val="7030A0"/>
-                </a:solidFill>
-              </a:rPr>
-              <a:t>one character </a:t>
-            </a:r>
-            <a:r>
-              <a:rPr lang="en-US" dirty="0"/>
-              <a:t>at a time use </a:t>
-            </a:r>
-            <a:r>
-              <a:rPr lang="en-US" b="1" dirty="0" err="1">
-                <a:solidFill>
-                  <a:srgbClr val="FF0000"/>
-                </a:solidFill>
-                <a:latin typeface="Courier New" panose="02070309020205020404" pitchFamily="49" charset="0"/>
-                <a:cs typeface="Courier New" panose="02070309020205020404" pitchFamily="49" charset="0"/>
-              </a:rPr>
-              <a:t>fgetc</a:t>
-            </a:r>
-            <a:r>
-              <a:rPr lang="en-US" dirty="0"/>
-              <a:t>, e.g.:</a:t>
-            </a:r>
-            <a:br>
-              <a:rPr lang="en-US" dirty="0"/>
-            </a:br>
-            <a:r>
-              <a:rPr lang="en-US" dirty="0">
-                <a:latin typeface="Courier New" pitchFamily="49" charset="0"/>
-              </a:rPr>
-              <a:t>$</a:t>
-            </a:r>
-            <a:r>
-              <a:rPr lang="en-US" dirty="0" err="1">
-                <a:latin typeface="Courier New" pitchFamily="49" charset="0"/>
-              </a:rPr>
-              <a:t>ch</a:t>
-            </a:r>
-            <a:r>
-              <a:rPr lang="en-US" dirty="0">
-                <a:latin typeface="Courier New" pitchFamily="49" charset="0"/>
-              </a:rPr>
-              <a:t> = </a:t>
-            </a:r>
-            <a:r>
-              <a:rPr lang="en-US" dirty="0" err="1">
-                <a:latin typeface="Courier New" pitchFamily="49" charset="0"/>
-              </a:rPr>
-              <a:t>fgetc</a:t>
-            </a:r>
-            <a:r>
-              <a:rPr lang="en-US" dirty="0">
-                <a:latin typeface="Courier New" pitchFamily="49" charset="0"/>
-              </a:rPr>
-              <a:t>(</a:t>
-            </a:r>
-            <a:r>
-              <a:rPr lang="en-US" i="1" dirty="0" err="1"/>
-              <a:t>file_var</a:t>
-            </a:r>
-            <a:r>
-              <a:rPr lang="en-US" dirty="0">
-                <a:latin typeface="Courier New" pitchFamily="49" charset="0"/>
-              </a:rPr>
-              <a:t>)</a:t>
-            </a:r>
-          </a:p>
-          <a:p>
-            <a:endParaRPr lang="en-US" sz="2200" dirty="0">
-              <a:latin typeface="Courier New" pitchFamily="49" charset="0"/>
-            </a:endParaRPr>
-          </a:p>
-          <a:p>
+              <a:t>(n</a:t>
+            </a:r>
             <a:r>
               <a:rPr lang="en-US" sz="2200" dirty="0"/>
-              <a:t>You can </a:t>
-            </a:r>
-            <a:r>
-              <a:rPr lang="en-US" sz="2200" dirty="0">
-                <a:solidFill>
-                  <a:srgbClr val="7030A0"/>
-                </a:solidFill>
-              </a:rPr>
-              <a:t>control reading lines </a:t>
-            </a:r>
-            <a:r>
-              <a:rPr lang="en-US" sz="2200" dirty="0"/>
-              <a:t>or characters with </a:t>
-            </a:r>
-            <a:r>
-              <a:rPr lang="en-US" sz="2200" dirty="0" err="1"/>
-              <a:t>eof</a:t>
-            </a:r>
-            <a:r>
-              <a:rPr lang="en-US" sz="2200" dirty="0"/>
-              <a:t> detection using </a:t>
-            </a:r>
-            <a:r>
-              <a:rPr lang="en-US" sz="2200" b="1" dirty="0" err="1">
-                <a:solidFill>
-                  <a:srgbClr val="FF0000"/>
-                </a:solidFill>
-                <a:latin typeface="Courier New" panose="02070309020205020404" pitchFamily="49" charset="0"/>
-                <a:ea typeface="+mn-ea"/>
-                <a:cs typeface="Courier New" panose="02070309020205020404" pitchFamily="49" charset="0"/>
-              </a:rPr>
-              <a:t>feof</a:t>
-            </a:r>
-            <a:r>
-              <a:rPr lang="en-US" sz="2200" dirty="0"/>
-              <a:t> (</a:t>
-            </a:r>
-            <a:r>
-              <a:rPr lang="en-US" sz="2200" dirty="0">
-                <a:latin typeface="Courier New" pitchFamily="49" charset="0"/>
-              </a:rPr>
-              <a:t>TRUE</a:t>
-            </a:r>
-            <a:r>
-              <a:rPr lang="en-US" sz="2200" dirty="0"/>
-              <a:t> for </a:t>
-            </a:r>
-            <a:r>
-              <a:rPr lang="en-US" sz="2200" dirty="0" err="1"/>
-              <a:t>eof</a:t>
-            </a:r>
-            <a:r>
-              <a:rPr lang="en-US" sz="2200" dirty="0"/>
-              <a:t>; </a:t>
-            </a:r>
-            <a:r>
-              <a:rPr lang="en-US" sz="2200" dirty="0">
-                <a:latin typeface="Courier New" pitchFamily="49" charset="0"/>
-              </a:rPr>
-              <a:t>FALSE</a:t>
-            </a:r>
-            <a:r>
-              <a:rPr lang="en-US" sz="2200" dirty="0"/>
-              <a:t> otherwise), e.g.:</a:t>
-            </a:r>
-          </a:p>
-          <a:p>
-            <a:pPr marL="228600" lvl="2">
-              <a:buNone/>
-            </a:pPr>
-            <a:r>
-              <a:rPr lang="en-US" sz="2200" dirty="0"/>
-              <a:t>  </a:t>
-            </a:r>
-            <a:r>
-              <a:rPr lang="en-US" sz="2200" dirty="0">
-                <a:latin typeface="Courier New" pitchFamily="49" charset="0"/>
-              </a:rPr>
-              <a:t>while(!</a:t>
-            </a:r>
-            <a:r>
-              <a:rPr lang="en-US" sz="2200" dirty="0" err="1">
-                <a:latin typeface="Courier New" pitchFamily="49" charset="0"/>
-              </a:rPr>
-              <a:t>feof</a:t>
-            </a:r>
-            <a:r>
-              <a:rPr lang="en-US" sz="2200" dirty="0">
-                <a:latin typeface="Courier New" pitchFamily="49" charset="0"/>
-              </a:rPr>
-              <a:t>($</a:t>
-            </a:r>
-            <a:r>
-              <a:rPr lang="en-US" sz="2200" dirty="0" err="1">
-                <a:latin typeface="Courier New" pitchFamily="49" charset="0"/>
-              </a:rPr>
-              <a:t>file_var</a:t>
-            </a:r>
-            <a:r>
-              <a:rPr lang="en-US" sz="2200" dirty="0">
-                <a:latin typeface="Courier New" pitchFamily="49" charset="0"/>
-              </a:rPr>
-              <a:t>)) {</a:t>
-            </a:r>
-          </a:p>
-          <a:p>
-            <a:pPr marL="228600" lvl="2">
-              <a:buNone/>
-            </a:pPr>
-            <a:r>
-              <a:rPr lang="en-US" sz="2200" dirty="0">
-                <a:latin typeface="Courier New" pitchFamily="49" charset="0"/>
-              </a:rPr>
-              <a:t>     $</a:t>
-            </a:r>
-            <a:r>
-              <a:rPr lang="en-US" sz="2200" dirty="0" err="1">
-                <a:latin typeface="Courier New" pitchFamily="49" charset="0"/>
-              </a:rPr>
-              <a:t>ch</a:t>
-            </a:r>
-            <a:r>
-              <a:rPr lang="en-US" sz="2200" dirty="0">
-                <a:latin typeface="Courier New" pitchFamily="49" charset="0"/>
-              </a:rPr>
-              <a:t> = </a:t>
-            </a:r>
-            <a:r>
-              <a:rPr lang="en-US" sz="2200" dirty="0" err="1">
-                <a:latin typeface="Courier New" pitchFamily="49" charset="0"/>
-              </a:rPr>
-              <a:t>fgetc</a:t>
-            </a:r>
-            <a:r>
-              <a:rPr lang="en-US" sz="2200" dirty="0">
-                <a:latin typeface="Courier New" pitchFamily="49" charset="0"/>
-              </a:rPr>
-              <a:t>($</a:t>
-            </a:r>
-            <a:r>
-              <a:rPr lang="en-US" sz="2200" dirty="0" err="1">
-                <a:latin typeface="Courier New" pitchFamily="49" charset="0"/>
-              </a:rPr>
-              <a:t>file_var</a:t>
-            </a:r>
-            <a:r>
-              <a:rPr lang="en-US" sz="2200" dirty="0">
-                <a:latin typeface="Courier New" pitchFamily="49" charset="0"/>
-              </a:rPr>
-              <a:t>);</a:t>
-            </a:r>
-          </a:p>
-          <a:p>
-            <a:pPr marL="228600" lvl="2">
-              <a:buNone/>
-            </a:pPr>
-            <a:r>
-              <a:rPr lang="en-US" sz="2200" dirty="0">
-                <a:latin typeface="Courier New" pitchFamily="49" charset="0"/>
-              </a:rPr>
-              <a:t> }</a:t>
-            </a:r>
-            <a:endParaRPr lang="en-US" sz="2200" dirty="0"/>
+              <a:t>eed not open or close the file)</a:t>
+            </a:r>
           </a:p>
           <a:p>
             <a:endParaRPr lang="en-US" dirty="0"/>
@@ -14500,7 +14347,7 @@
     </p:spTree>
     <p:extLst>
       <p:ext uri="{BB962C8B-B14F-4D97-AF65-F5344CB8AC3E}">
-        <p14:creationId xmlns:p14="http://schemas.microsoft.com/office/powerpoint/2010/main" val="3012880146"/>
+        <p14:creationId xmlns:p14="http://schemas.microsoft.com/office/powerpoint/2010/main" val="735086651"/>
       </p:ext>
     </p:extLst>
   </p:cSld>
@@ -14544,7 +14391,7 @@
           <a:p>
             <a:r>
               <a:rPr lang="en-US" dirty="0"/>
-              <a:t>Writing Files</a:t>
+              <a:t>Reading Files (cont.)</a:t>
             </a:r>
           </a:p>
         </p:txBody>
@@ -14559,16 +14406,45 @@
             <p:ph idx="1"/>
           </p:nvPr>
         </p:nvSpPr>
-        <p:spPr/>
+        <p:spPr>
+          <a:xfrm>
+            <a:off x="685800" y="1219200"/>
+            <a:ext cx="7772400" cy="4419600"/>
+          </a:xfrm>
+        </p:spPr>
         <p:txBody>
           <a:bodyPr>
-            <a:normAutofit/>
+            <a:normAutofit fontScale="92500"/>
           </a:bodyPr>
           <a:lstStyle/>
           <a:p>
             <a:r>
               <a:rPr lang="en-US" dirty="0"/>
-              <a:t>To write to files, use </a:t>
+              <a:t>To </a:t>
+            </a:r>
+            <a:r>
+              <a:rPr lang="en-US" dirty="0">
+                <a:solidFill>
+                  <a:srgbClr val="7030A0"/>
+                </a:solidFill>
+              </a:rPr>
+              <a:t>read</a:t>
+            </a:r>
+            <a:r>
+              <a:rPr lang="en-US" dirty="0"/>
+              <a:t> </a:t>
+            </a:r>
+            <a:r>
+              <a:rPr lang="en-US" dirty="0">
+                <a:solidFill>
+                  <a:srgbClr val="7030A0"/>
+                </a:solidFill>
+              </a:rPr>
+              <a:t>one line </a:t>
+            </a:r>
+            <a:r>
+              <a:rPr lang="en-US" dirty="0"/>
+              <a:t>from the file use </a:t>
             </a:r>
             <a:r>
               <a:rPr lang="en-US" b="1" dirty="0" err="1">
@@ -14578,106 +14454,354 @@
                 <a:latin typeface="Courier New" panose="02070309020205020404" pitchFamily="49" charset="0"/>
                 <a:cs typeface="Courier New" panose="02070309020205020404" pitchFamily="49" charset="0"/>
               </a:rPr>
-              <a:t>fwrite</a:t>
-            </a:r>
-            <a:r>
-              <a:rPr lang="en-US" dirty="0"/>
-              <a:t>, e.g.:</a:t>
-            </a:r>
-          </a:p>
-          <a:p>
+              <a:t>fgets</a:t>
+            </a:r>
+            <a:r>
+              <a:rPr lang="en-US" dirty="0"/>
+              <a:t>, e.g.:  </a:t>
+            </a:r>
+            <a:br>
+              <a:rPr lang="en-US" dirty="0"/>
+            </a:br>
             <a:r>
               <a:rPr lang="en-US" dirty="0">
                 <a:latin typeface="Courier New" pitchFamily="49" charset="0"/>
               </a:rPr>
-              <a:t>$</a:t>
+              <a:t>$line = </a:t>
             </a:r>
             <a:r>
               <a:rPr lang="en-US" dirty="0" err="1">
                 <a:latin typeface="Courier New" pitchFamily="49" charset="0"/>
               </a:rPr>
-              <a:t>bytes_written</a:t>
+              <a:t>fgets</a:t>
             </a:r>
             <a:r>
               <a:rPr lang="en-US" dirty="0">
                 <a:latin typeface="Courier New" pitchFamily="49" charset="0"/>
               </a:rPr>
-              <a:t> = </a:t>
-            </a:r>
-            <a:r>
-              <a:rPr lang="en-US" dirty="0" err="1">
-                <a:latin typeface="Courier New" pitchFamily="49" charset="0"/>
-              </a:rPr>
-              <a:t>fwrite</a:t>
+              <a:t>(</a:t>
+            </a:r>
+            <a:r>
+              <a:rPr lang="en-US" i="1" dirty="0" err="1"/>
+              <a:t>file_var</a:t>
+            </a:r>
+            <a:r>
+              <a:rPr lang="en-US" dirty="0"/>
+              <a:t>, </a:t>
+            </a:r>
+            <a:r>
+              <a:rPr lang="en-US" i="1" dirty="0"/>
+              <a:t>#bytes</a:t>
             </a:r>
             <a:r>
               <a:rPr lang="en-US" dirty="0">
                 <a:latin typeface="Courier New" pitchFamily="49" charset="0"/>
               </a:rPr>
-              <a:t>(</a:t>
-            </a:r>
-            <a:r>
-              <a:rPr lang="en-US" i="1" dirty="0" err="1"/>
-              <a:t>file_va</a:t>
-            </a:r>
-            <a:r>
-              <a:rPr lang="en-US" dirty="0" err="1"/>
-              <a:t>r</a:t>
-            </a:r>
-            <a:r>
-              <a:rPr lang="en-US" dirty="0"/>
+              <a:t>)</a:t>
+            </a:r>
+          </a:p>
+          <a:p>
+            <a:pPr marL="342900" indent="-342900">
+              <a:buFont typeface="Arial" panose="020B0604020202020204" pitchFamily="34" charset="0"/>
+              <a:buChar char="•"/>
+            </a:pPr>
+            <a:r>
+              <a:rPr lang="en-US" sz="1900" dirty="0"/>
+              <a:t>It reads characters until </a:t>
+            </a:r>
+            <a:r>
+              <a:rPr lang="en-US" sz="1900" dirty="0" err="1">
+                <a:latin typeface="Courier New" pitchFamily="49" charset="0"/>
+                <a:cs typeface="Courier New" pitchFamily="49" charset="0"/>
+              </a:rPr>
+              <a:t>eoln</a:t>
+            </a:r>
+            <a:r>
+              <a:rPr lang="en-US" sz="1900" dirty="0"/>
               <a:t>, </a:t>
             </a:r>
             <a:r>
-              <a:rPr lang="en-US" i="1" dirty="0"/>
-              <a:t>string</a:t>
+              <a:rPr lang="en-US" sz="1900" dirty="0" err="1">
+                <a:latin typeface="Courier New" pitchFamily="49" charset="0"/>
+                <a:cs typeface="Courier New" pitchFamily="49" charset="0"/>
+              </a:rPr>
+              <a:t>eof</a:t>
+            </a:r>
+            <a:r>
+              <a:rPr lang="en-US" sz="1900" dirty="0"/>
+              <a:t>, or </a:t>
+            </a:r>
+            <a:r>
+              <a:rPr lang="en-US" sz="1900" i="1" dirty="0"/>
+              <a:t>#bytes</a:t>
+            </a:r>
+            <a:r>
+              <a:rPr lang="en-US" sz="1900" dirty="0"/>
+              <a:t>- chars been read</a:t>
+            </a:r>
+          </a:p>
+          <a:p>
+            <a:pPr lvl="1"/>
+            <a:endParaRPr lang="en-US" sz="2200" dirty="0"/>
+          </a:p>
+          <a:p>
+            <a:r>
+              <a:rPr lang="en-US" dirty="0"/>
+              <a:t>To </a:t>
             </a:r>
             <a:r>
               <a:rPr lang="en-US" dirty="0">
-                <a:latin typeface="Courier New" pitchFamily="49" charset="0"/>
-              </a:rPr>
-              <a:t>)</a:t>
-            </a:r>
-          </a:p>
-          <a:p>
-            <a:endParaRPr lang="en-US" dirty="0">
-              <a:latin typeface="Courier New" pitchFamily="49" charset="0"/>
-            </a:endParaRPr>
-          </a:p>
-          <a:p>
-            <a:r>
-              <a:rPr lang="en-US" dirty="0" err="1">
-                <a:latin typeface="Courier New" pitchFamily="49" charset="0"/>
-              </a:rPr>
-              <a:t>fwrite</a:t>
-            </a:r>
-            <a:r>
-              <a:rPr lang="en-US" dirty="0"/>
-              <a:t> returns the number of bytes it wrote</a:t>
-            </a:r>
-          </a:p>
-          <a:p>
-            <a:endParaRPr lang="en-US" dirty="0"/>
-          </a:p>
-          <a:p>
-            <a:r>
-              <a:rPr lang="en-US" dirty="0"/>
-              <a:t>Files can be locked (to avoid interference from concurrent accesses) with </a:t>
-            </a:r>
-            <a:r>
-              <a:rPr lang="en-US" b="1" dirty="0">
+                <a:solidFill>
+                  <a:srgbClr val="7030A0"/>
+                </a:solidFill>
+              </a:rPr>
+              <a:t>read</a:t>
+            </a:r>
+            <a:r>
+              <a:rPr lang="en-US" dirty="0"/>
+              <a:t> </a:t>
+            </a:r>
+            <a:r>
+              <a:rPr lang="en-US" dirty="0">
+                <a:solidFill>
+                  <a:srgbClr val="7030A0"/>
+                </a:solidFill>
+              </a:rPr>
+              <a:t>one character </a:t>
+            </a:r>
+            <a:r>
+              <a:rPr lang="en-US" dirty="0"/>
+              <a:t>at a time use </a:t>
+            </a:r>
+            <a:r>
+              <a:rPr lang="en-US" b="1" dirty="0" err="1">
                 <a:solidFill>
                   <a:srgbClr val="FF0000"/>
                 </a:solidFill>
-                <a:latin typeface="Courier New" pitchFamily="49" charset="0"/>
-              </a:rPr>
-              <a:t>flock</a:t>
-            </a:r>
-            <a:endParaRPr lang="en-US" b="1" dirty="0">
-              <a:solidFill>
-                <a:srgbClr val="FF0000"/>
-              </a:solidFill>
+                <a:latin typeface="Courier New" panose="02070309020205020404" pitchFamily="49" charset="0"/>
+                <a:cs typeface="Courier New" panose="02070309020205020404" pitchFamily="49" charset="0"/>
+              </a:rPr>
+              <a:t>fgetc</a:t>
+            </a:r>
+            <a:r>
+              <a:rPr lang="en-US" dirty="0"/>
+              <a:t>, e.g.:</a:t>
+            </a:r>
+            <a:br>
+              <a:rPr lang="en-US" dirty="0"/>
+            </a:br>
+            <a:r>
+              <a:rPr lang="en-US" dirty="0">
+                <a:latin typeface="Courier New" pitchFamily="49" charset="0"/>
+              </a:rPr>
+              <a:t>$</a:t>
+            </a:r>
+            <a:r>
+              <a:rPr lang="en-US" dirty="0" err="1">
+                <a:latin typeface="Courier New" pitchFamily="49" charset="0"/>
+              </a:rPr>
+              <a:t>ch</a:t>
+            </a:r>
+            <a:r>
+              <a:rPr lang="en-US" dirty="0">
+                <a:latin typeface="Courier New" pitchFamily="49" charset="0"/>
+              </a:rPr>
+              <a:t> = </a:t>
+            </a:r>
+            <a:r>
+              <a:rPr lang="en-US" dirty="0" err="1">
+                <a:latin typeface="Courier New" pitchFamily="49" charset="0"/>
+              </a:rPr>
+              <a:t>fgetc</a:t>
+            </a:r>
+            <a:r>
+              <a:rPr lang="en-US" dirty="0">
+                <a:latin typeface="Courier New" pitchFamily="49" charset="0"/>
+              </a:rPr>
+              <a:t>(</a:t>
+            </a:r>
+            <a:r>
+              <a:rPr lang="en-US" i="1" dirty="0" err="1"/>
+              <a:t>file_var</a:t>
+            </a:r>
+            <a:r>
+              <a:rPr lang="en-US" dirty="0">
+                <a:latin typeface="Courier New" pitchFamily="49" charset="0"/>
+              </a:rPr>
+              <a:t>)</a:t>
+            </a:r>
+          </a:p>
+          <a:p>
+            <a:endParaRPr lang="en-US" sz="2200" dirty="0">
+              <a:latin typeface="Courier New" pitchFamily="49" charset="0"/>
             </a:endParaRPr>
+          </a:p>
+          <a:p>
+            <a:r>
+              <a:rPr lang="en-US" sz="2200" dirty="0"/>
+              <a:t>You can </a:t>
+            </a:r>
+            <a:r>
+              <a:rPr lang="en-US" sz="2200" dirty="0">
+                <a:solidFill>
+                  <a:srgbClr val="7030A0"/>
+                </a:solidFill>
+              </a:rPr>
+              <a:t>control reading lines </a:t>
+            </a:r>
+            <a:r>
+              <a:rPr lang="en-US" sz="2200" dirty="0"/>
+              <a:t>or characters with </a:t>
+            </a:r>
+            <a:r>
+              <a:rPr lang="en-US" sz="2200" dirty="0" err="1"/>
+              <a:t>eof</a:t>
+            </a:r>
+            <a:r>
+              <a:rPr lang="en-US" sz="2200" dirty="0"/>
+              <a:t> detection using </a:t>
+            </a:r>
+            <a:r>
+              <a:rPr lang="en-US" sz="2200" b="1" dirty="0" err="1">
+                <a:solidFill>
+                  <a:srgbClr val="FF0000"/>
+                </a:solidFill>
+                <a:latin typeface="Courier New" panose="02070309020205020404" pitchFamily="49" charset="0"/>
+                <a:ea typeface="+mn-ea"/>
+                <a:cs typeface="Courier New" panose="02070309020205020404" pitchFamily="49" charset="0"/>
+              </a:rPr>
+              <a:t>feof</a:t>
+            </a:r>
+            <a:r>
+              <a:rPr lang="en-US" sz="2200" dirty="0"/>
+              <a:t> (</a:t>
+            </a:r>
+            <a:r>
+              <a:rPr lang="en-US" sz="2200" dirty="0">
+                <a:latin typeface="Courier New" pitchFamily="49" charset="0"/>
+              </a:rPr>
+              <a:t>TRUE</a:t>
+            </a:r>
+            <a:r>
+              <a:rPr lang="en-US" sz="2200" dirty="0"/>
+              <a:t> for </a:t>
+            </a:r>
+            <a:r>
+              <a:rPr lang="en-US" sz="2200" dirty="0" err="1"/>
+              <a:t>eof</a:t>
+            </a:r>
+            <a:r>
+              <a:rPr lang="en-US" sz="2200" dirty="0"/>
+              <a:t>; </a:t>
+            </a:r>
+            <a:r>
+              <a:rPr lang="en-US" sz="2200" dirty="0">
+                <a:latin typeface="Courier New" pitchFamily="49" charset="0"/>
+              </a:rPr>
+              <a:t>FALSE</a:t>
+            </a:r>
+            <a:r>
+              <a:rPr lang="en-US" sz="2200" dirty="0"/>
+              <a:t> otherwise), e.g.:</a:t>
+            </a:r>
+          </a:p>
+          <a:p>
+            <a:pPr marL="228600" lvl="2">
+              <a:buNone/>
+            </a:pPr>
+            <a:r>
+              <a:rPr lang="en-US" sz="2200" dirty="0"/>
+              <a:t>  </a:t>
+            </a:r>
+            <a:r>
+              <a:rPr lang="en-US" sz="2200" dirty="0">
+                <a:latin typeface="Courier New" pitchFamily="49" charset="0"/>
+              </a:rPr>
+              <a:t>while(!</a:t>
+            </a:r>
+            <a:r>
+              <a:rPr lang="en-US" sz="2200" dirty="0" err="1">
+                <a:latin typeface="Courier New" pitchFamily="49" charset="0"/>
+              </a:rPr>
+              <a:t>feof</a:t>
+            </a:r>
+            <a:r>
+              <a:rPr lang="en-US" sz="2200" dirty="0">
+                <a:latin typeface="Courier New" pitchFamily="49" charset="0"/>
+              </a:rPr>
+              <a:t>($</a:t>
+            </a:r>
+            <a:r>
+              <a:rPr lang="en-US" sz="2200" dirty="0" err="1">
+                <a:latin typeface="Courier New" pitchFamily="49" charset="0"/>
+              </a:rPr>
+              <a:t>file_var</a:t>
+            </a:r>
+            <a:r>
+              <a:rPr lang="en-US" sz="2200" dirty="0">
+                <a:latin typeface="Courier New" pitchFamily="49" charset="0"/>
+              </a:rPr>
+              <a:t>)) {</a:t>
+            </a:r>
+          </a:p>
+          <a:p>
+            <a:pPr marL="228600" lvl="2">
+              <a:buNone/>
+            </a:pPr>
+            <a:r>
+              <a:rPr lang="en-US" sz="2200" dirty="0">
+                <a:latin typeface="Courier New" pitchFamily="49" charset="0"/>
+              </a:rPr>
+              <a:t>     $</a:t>
+            </a:r>
+            <a:r>
+              <a:rPr lang="en-US" sz="2200" dirty="0" err="1">
+                <a:latin typeface="Courier New" pitchFamily="49" charset="0"/>
+              </a:rPr>
+              <a:t>ch</a:t>
+            </a:r>
+            <a:r>
+              <a:rPr lang="en-US" sz="2200" dirty="0">
+                <a:latin typeface="Courier New" pitchFamily="49" charset="0"/>
+              </a:rPr>
+              <a:t> = </a:t>
+            </a:r>
+            <a:r>
+              <a:rPr lang="en-US" sz="2200" dirty="0" err="1">
+                <a:latin typeface="Courier New" pitchFamily="49" charset="0"/>
+              </a:rPr>
+              <a:t>fgetc</a:t>
+            </a:r>
+            <a:r>
+              <a:rPr lang="en-US" sz="2200" dirty="0">
+                <a:latin typeface="Courier New" pitchFamily="49" charset="0"/>
+              </a:rPr>
+              <a:t>($</a:t>
+            </a:r>
+            <a:r>
+              <a:rPr lang="en-US" sz="2200" dirty="0" err="1">
+                <a:latin typeface="Courier New" pitchFamily="49" charset="0"/>
+              </a:rPr>
+              <a:t>file_var</a:t>
+            </a:r>
+            <a:r>
+              <a:rPr lang="en-US" sz="2200" dirty="0">
+                <a:latin typeface="Courier New" pitchFamily="49" charset="0"/>
+              </a:rPr>
+              <a:t>);</a:t>
+            </a:r>
+          </a:p>
+          <a:p>
+            <a:pPr marL="228600" lvl="2">
+              <a:buNone/>
+            </a:pPr>
+            <a:r>
+              <a:rPr lang="en-US" sz="2200" dirty="0">
+                <a:latin typeface="Courier New" pitchFamily="49" charset="0"/>
+              </a:rPr>
+              <a:t> }</a:t>
+            </a:r>
+            <a:endParaRPr lang="en-US" sz="2200" dirty="0"/>
           </a:p>
           <a:p>
             <a:endParaRPr lang="en-US" dirty="0"/>
@@ -14711,7 +14835,7 @@
     </p:spTree>
     <p:extLst>
       <p:ext uri="{BB962C8B-B14F-4D97-AF65-F5344CB8AC3E}">
-        <p14:creationId xmlns:p14="http://schemas.microsoft.com/office/powerpoint/2010/main" val="1471334864"/>
+        <p14:creationId xmlns:p14="http://schemas.microsoft.com/office/powerpoint/2010/main" val="3012880146"/>
       </p:ext>
     </p:extLst>
   </p:cSld>
@@ -15332,7 +15456,7 @@
             <a:spLocks noGrp="1"/>
           </p:cNvSpPr>
           <p:nvPr>
-            <p:ph type="ctrTitle"/>
+            <p:ph type="title"/>
           </p:nvPr>
         </p:nvSpPr>
         <p:spPr/>
@@ -15342,15 +15466,174 @@
           <a:p>
             <a:r>
               <a:rPr lang="en-US" dirty="0"/>
-              <a:t>Maintaining State</a:t>
-            </a:r>
+              <a:t>Writing Files</a:t>
+            </a:r>
+          </a:p>
+        </p:txBody>
+      </p:sp>
+      <p:sp>
+        <p:nvSpPr>
+          <p:cNvPr id="3" name="Content Placeholder 2"/>
+          <p:cNvSpPr>
+            <a:spLocks noGrp="1"/>
+          </p:cNvSpPr>
+          <p:nvPr>
+            <p:ph idx="1"/>
+          </p:nvPr>
+        </p:nvSpPr>
+        <p:spPr/>
+        <p:txBody>
+          <a:bodyPr>
+            <a:normAutofit/>
+          </a:bodyPr>
+          <a:lstStyle/>
+          <a:p>
+            <a:r>
+              <a:rPr lang="en-US" dirty="0"/>
+              <a:t>To write to files, use </a:t>
+            </a:r>
+            <a:r>
+              <a:rPr lang="en-US" b="1" dirty="0" err="1">
+                <a:solidFill>
+                  <a:srgbClr val="FF0000"/>
+                </a:solidFill>
+                <a:latin typeface="Courier New" panose="02070309020205020404" pitchFamily="49" charset="0"/>
+                <a:cs typeface="Courier New" panose="02070309020205020404" pitchFamily="49" charset="0"/>
+              </a:rPr>
+              <a:t>fwrite</a:t>
+            </a:r>
+            <a:r>
+              <a:rPr lang="en-US" dirty="0"/>
+              <a:t>, e.g.:</a:t>
+            </a:r>
+          </a:p>
+          <a:p>
+            <a:r>
+              <a:rPr lang="en-US" dirty="0">
+                <a:latin typeface="Courier New" pitchFamily="49" charset="0"/>
+              </a:rPr>
+              <a:t>$</a:t>
+            </a:r>
+            <a:r>
+              <a:rPr lang="en-US" dirty="0" err="1">
+                <a:latin typeface="Courier New" pitchFamily="49" charset="0"/>
+              </a:rPr>
+              <a:t>bytes_written</a:t>
+            </a:r>
+            <a:r>
+              <a:rPr lang="en-US" dirty="0">
+                <a:latin typeface="Courier New" pitchFamily="49" charset="0"/>
+              </a:rPr>
+              <a:t> = </a:t>
+            </a:r>
+            <a:r>
+              <a:rPr lang="en-US" dirty="0" err="1">
+                <a:latin typeface="Courier New" pitchFamily="49" charset="0"/>
+              </a:rPr>
+              <a:t>fwrite</a:t>
+            </a:r>
+            <a:r>
+              <a:rPr lang="en-US" dirty="0">
+                <a:latin typeface="Courier New" pitchFamily="49" charset="0"/>
+              </a:rPr>
+              <a:t>(</a:t>
+            </a:r>
+            <a:r>
+              <a:rPr lang="en-US" i="1" dirty="0" err="1"/>
+              <a:t>file_va</a:t>
+            </a:r>
+            <a:r>
+              <a:rPr lang="en-US" dirty="0" err="1"/>
+              <a:t>r</a:t>
+            </a:r>
+            <a:r>
+              <a:rPr lang="en-US" dirty="0"/>
+              <a:t>, </a:t>
+            </a:r>
+            <a:r>
+              <a:rPr lang="en-US" i="1" dirty="0"/>
+              <a:t>string</a:t>
+            </a:r>
+            <a:r>
+              <a:rPr lang="en-US" dirty="0">
+                <a:latin typeface="Courier New" pitchFamily="49" charset="0"/>
+              </a:rPr>
+              <a:t>)</a:t>
+            </a:r>
+          </a:p>
+          <a:p>
+            <a:endParaRPr lang="en-US" dirty="0">
+              <a:latin typeface="Courier New" pitchFamily="49" charset="0"/>
+            </a:endParaRPr>
+          </a:p>
+          <a:p>
+            <a:r>
+              <a:rPr lang="en-US" dirty="0" err="1">
+                <a:latin typeface="Courier New" pitchFamily="49" charset="0"/>
+              </a:rPr>
+              <a:t>fwrite</a:t>
+            </a:r>
+            <a:r>
+              <a:rPr lang="en-US" dirty="0"/>
+              <a:t> returns the number of bytes it wrote</a:t>
+            </a:r>
+          </a:p>
+          <a:p>
+            <a:endParaRPr lang="en-US" dirty="0"/>
+          </a:p>
+          <a:p>
+            <a:r>
+              <a:rPr lang="en-US" dirty="0"/>
+              <a:t>Files can be locked (to avoid interference from concurrent accesses) with </a:t>
+            </a:r>
+            <a:r>
+              <a:rPr lang="en-US" b="1" dirty="0">
+                <a:solidFill>
+                  <a:srgbClr val="FF0000"/>
+                </a:solidFill>
+                <a:latin typeface="Courier New" pitchFamily="49" charset="0"/>
+              </a:rPr>
+              <a:t>flock</a:t>
+            </a:r>
+            <a:endParaRPr lang="en-US" b="1" dirty="0">
+              <a:solidFill>
+                <a:srgbClr val="FF0000"/>
+              </a:solidFill>
+            </a:endParaRPr>
+          </a:p>
+          <a:p>
+            <a:endParaRPr lang="en-US" dirty="0"/>
+          </a:p>
+        </p:txBody>
+      </p:sp>
+      <p:sp>
+        <p:nvSpPr>
+          <p:cNvPr id="4" name="Slide Number Placeholder 3"/>
+          <p:cNvSpPr>
+            <a:spLocks noGrp="1"/>
+          </p:cNvSpPr>
+          <p:nvPr>
+            <p:ph type="sldNum" sz="quarter" idx="12"/>
+          </p:nvPr>
+        </p:nvSpPr>
+        <p:spPr/>
+        <p:txBody>
+          <a:bodyPr/>
+          <a:lstStyle/>
+          <a:p>
+            <a:fld id="{9648F39E-9C37-485F-AC97-16BB4BDF9F49}" type="slidenum">
+              <a:rPr kumimoji="0" lang="en-US" smtClean="0"/>
+              <a:pPr/>
+              <a:t>120</a:t>
+            </a:fld>
+            <a:endParaRPr kumimoji="0" lang="en-US"/>
           </a:p>
         </p:txBody>
       </p:sp>
     </p:spTree>
     <p:extLst>
       <p:ext uri="{BB962C8B-B14F-4D97-AF65-F5344CB8AC3E}">
-        <p14:creationId xmlns:p14="http://schemas.microsoft.com/office/powerpoint/2010/main" val="4259005583"/>
+        <p14:creationId xmlns:p14="http://schemas.microsoft.com/office/powerpoint/2010/main" val="1471334864"/>
       </p:ext>
     </p:extLst>
   </p:cSld>
@@ -15384,7 +15667,7 @@
             <a:spLocks noGrp="1"/>
           </p:cNvSpPr>
           <p:nvPr>
-            <p:ph type="title"/>
+            <p:ph type="ctrTitle"/>
           </p:nvPr>
         </p:nvSpPr>
         <p:spPr/>
@@ -15393,115 +15676,8 @@
           <a:lstStyle/>
           <a:p>
             <a:r>
-              <a:rPr lang="en-US"/>
+              <a:rPr lang="en-US" dirty="0"/>
               <a:t>Maintaining State</a:t>
-            </a:r>
-          </a:p>
-        </p:txBody>
-      </p:sp>
-      <p:sp>
-        <p:nvSpPr>
-          <p:cNvPr id="3" name="Text Placeholder 2"/>
-          <p:cNvSpPr>
-            <a:spLocks noGrp="1"/>
-          </p:cNvSpPr>
-          <p:nvPr>
-            <p:ph idx="1"/>
-          </p:nvPr>
-        </p:nvSpPr>
-        <p:spPr/>
-        <p:txBody>
-          <a:bodyPr>
-            <a:normAutofit fontScale="92500" lnSpcReduction="20000"/>
-          </a:bodyPr>
-          <a:lstStyle/>
-          <a:p>
-            <a:pPr lvl="0"/>
-            <a:r>
-              <a:rPr lang="en-US" dirty="0"/>
-              <a:t>HTTP is a </a:t>
-            </a:r>
-            <a:r>
-              <a:rPr lang="en-US" b="1" i="1" dirty="0">
-                <a:solidFill>
-                  <a:srgbClr val="FF0000"/>
-                </a:solidFill>
-              </a:rPr>
-              <a:t>stateless protocol</a:t>
-            </a:r>
-          </a:p>
-          <a:p>
-            <a:pPr lvl="0"/>
-            <a:endParaRPr lang="en-US" b="1" i="1" dirty="0">
-              <a:solidFill>
-                <a:srgbClr val="FF0000"/>
-              </a:solidFill>
-            </a:endParaRPr>
-          </a:p>
-          <a:p>
-            <a:pPr lvl="0"/>
-            <a:r>
-              <a:rPr lang="en-US" dirty="0"/>
-              <a:t>Once a web server completes a client's request the </a:t>
-            </a:r>
-            <a:r>
-              <a:rPr lang="en-US" b="1" dirty="0"/>
-              <a:t>connection goes away</a:t>
-            </a:r>
-          </a:p>
-          <a:p>
-            <a:pPr lvl="0"/>
-            <a:endParaRPr lang="en-US" dirty="0"/>
-          </a:p>
-          <a:p>
-            <a:pPr lvl="0"/>
-            <a:r>
-              <a:rPr lang="en-US" dirty="0"/>
-              <a:t>No way for a server to recognize that a sequence of requests all </a:t>
-            </a:r>
-            <a:r>
-              <a:rPr lang="en-US" dirty="0">
-                <a:solidFill>
-                  <a:srgbClr val="7030A0"/>
-                </a:solidFill>
-              </a:rPr>
-              <a:t>originates from the same client</a:t>
-            </a:r>
-          </a:p>
-          <a:p>
-            <a:pPr lvl="0"/>
-            <a:endParaRPr lang="en-US" dirty="0"/>
-          </a:p>
-          <a:p>
-            <a:pPr lvl="0"/>
-            <a:r>
-              <a:rPr lang="en-US" dirty="0"/>
-              <a:t>Why would we want to maintain state?</a:t>
-            </a:r>
-          </a:p>
-          <a:p>
-            <a:pPr lvl="0"/>
-            <a:endParaRPr lang="en-US" dirty="0"/>
-          </a:p>
-          <a:p>
-            <a:pPr lvl="0"/>
-            <a:r>
-              <a:rPr lang="en-US" dirty="0"/>
-              <a:t>PHP has two main methods for tracking data:</a:t>
-            </a:r>
-          </a:p>
-          <a:p>
-            <a:pPr marL="285750" lvl="1"/>
-            <a:r>
-              <a:rPr lang="en-US" dirty="0"/>
-              <a:t>Cookies</a:t>
-            </a:r>
-          </a:p>
-          <a:p>
-            <a:pPr marL="285750" lvl="1"/>
-            <a:r>
-              <a:rPr lang="en-US" dirty="0"/>
-              <a:t>Sessions</a:t>
             </a:r>
           </a:p>
         </p:txBody>
@@ -15509,7 +15685,7 @@
     </p:spTree>
     <p:extLst>
       <p:ext uri="{BB962C8B-B14F-4D97-AF65-F5344CB8AC3E}">
-        <p14:creationId xmlns:p14="http://schemas.microsoft.com/office/powerpoint/2010/main" val="2028966894"/>
+        <p14:creationId xmlns:p14="http://schemas.microsoft.com/office/powerpoint/2010/main" val="4259005583"/>
       </p:ext>
     </p:extLst>
   </p:cSld>
@@ -15552,15 +15728,15 @@
           <a:lstStyle/>
           <a:p>
             <a:r>
-              <a:rPr lang="en-US" dirty="0"/>
-              <a:t>Cookies</a:t>
-            </a:r>
-          </a:p>
-        </p:txBody>
-      </p:sp>
-      <p:sp>
-        <p:nvSpPr>
-          <p:cNvPr id="3" name="Content Placeholder 2"/>
+              <a:rPr lang="en-US"/>
+              <a:t>Maintaining State</a:t>
+            </a:r>
+          </a:p>
+        </p:txBody>
+      </p:sp>
+      <p:sp>
+        <p:nvSpPr>
+          <p:cNvPr id="3" name="Text Placeholder 2"/>
           <p:cNvSpPr>
             <a:spLocks noGrp="1"/>
           </p:cNvSpPr>
@@ -15571,16 +15747,14 @@
         <p:spPr/>
         <p:txBody>
           <a:bodyPr>
-            <a:normAutofit fontScale="92500"/>
+            <a:normAutofit fontScale="92500" lnSpcReduction="20000"/>
           </a:bodyPr>
           <a:lstStyle/>
           <a:p>
-            <a:pPr>
-              <a:defRPr/>
-            </a:pPr>
-            <a:r>
-              <a:rPr lang="en-US" dirty="0"/>
-              <a:t>A </a:t>
+            <a:pPr lvl="0"/>
+            <a:r>
+              <a:rPr lang="en-US" dirty="0"/>
+              <a:t>HTTP is a </a:t>
             </a:r>
             <a:r>
               <a:rPr lang="en-US" b="1" i="1" dirty="0">
@@ -15588,19 +15762,37 @@
                   <a:srgbClr val="FF0000"/>
                 </a:solidFill>
               </a:rPr>
-              <a:t>cookie</a:t>
-            </a:r>
-            <a:r>
-              <a:rPr lang="en-US" dirty="0">
-                <a:solidFill>
-                  <a:srgbClr val="FF0000"/>
-                </a:solidFill>
-              </a:rPr>
-              <a:t> </a:t>
-            </a:r>
-            <a:r>
-              <a:rPr lang="en-US" dirty="0"/>
-              <a:t>is a </a:t>
+              <a:t>stateless protocol</a:t>
+            </a:r>
+          </a:p>
+          <a:p>
+            <a:pPr lvl="0"/>
+            <a:endParaRPr lang="en-US" b="1" i="1" dirty="0">
+              <a:solidFill>
+                <a:srgbClr val="FF0000"/>
+              </a:solidFill>
+            </a:endParaRPr>
+          </a:p>
+          <a:p>
+            <a:pPr lvl="0"/>
+            <a:r>
+              <a:rPr lang="en-US" dirty="0"/>
+              <a:t>Once a web server completes a client's request the </a:t>
+            </a:r>
+            <a:r>
+              <a:rPr lang="en-US" b="1" dirty="0"/>
+              <a:t>connection goes away</a:t>
+            </a:r>
+          </a:p>
+          <a:p>
+            <a:pPr lvl="0"/>
+            <a:endParaRPr lang="en-US" dirty="0"/>
+          </a:p>
+          <a:p>
+            <a:pPr lvl="0"/>
+            <a:r>
+              <a:rPr lang="en-US" dirty="0"/>
+              <a:t>No way for a server to recognize that a sequence of requests all </a:t>
             </a:r>
             <a:r>
               <a:rPr lang="en-US" dirty="0">
@@ -15608,221 +15800,51 @@
                   <a:srgbClr val="7030A0"/>
                 </a:solidFill>
               </a:rPr>
-              <a:t>name/value pair </a:t>
-            </a:r>
-            <a:r>
-              <a:rPr lang="en-US" dirty="0"/>
-              <a:t>that is passed between a browser and a server in the HTTP header </a:t>
-            </a:r>
-          </a:p>
-          <a:p>
-            <a:pPr>
-              <a:defRPr/>
-            </a:pPr>
+              <a:t>originates from the same client</a:t>
+            </a:r>
+          </a:p>
+          <a:p>
+            <a:pPr lvl="0"/>
             <a:endParaRPr lang="en-US" dirty="0"/>
           </a:p>
           <a:p>
-            <a:pPr>
-              <a:defRPr/>
-            </a:pPr>
-            <a:r>
-              <a:rPr lang="en-US" dirty="0"/>
-              <a:t>In PHP, cookies are created with </a:t>
-            </a:r>
-            <a:r>
-              <a:rPr lang="en-US" sz="2400" b="1" dirty="0" err="1">
-                <a:solidFill>
-                  <a:srgbClr val="FF0000"/>
-                </a:solidFill>
-                <a:latin typeface="Courier New" pitchFamily="49" charset="0"/>
-                <a:cs typeface="Courier New" pitchFamily="49" charset="0"/>
-              </a:rPr>
-              <a:t>setcookie</a:t>
-            </a:r>
-            <a:br>
-              <a:rPr lang="en-US" sz="2400" dirty="0">
-                <a:latin typeface="Courier New" pitchFamily="49" charset="0"/>
-                <a:cs typeface="Courier New" pitchFamily="49" charset="0"/>
-              </a:rPr>
-            </a:br>
-            <a:r>
-              <a:rPr lang="en-US" sz="2800" dirty="0" err="1">
-                <a:latin typeface="Courier New" pitchFamily="49" charset="0"/>
-              </a:rPr>
-              <a:t>setcookie</a:t>
-            </a:r>
-            <a:r>
-              <a:rPr lang="en-US" sz="2800" dirty="0">
-                <a:latin typeface="Courier New" pitchFamily="49" charset="0"/>
-              </a:rPr>
-              <a:t>(</a:t>
-            </a:r>
-            <a:r>
-              <a:rPr lang="en-US" i="1" dirty="0" err="1"/>
-              <a:t>cookie_name</a:t>
-            </a:r>
-            <a:r>
-              <a:rPr lang="en-US" dirty="0"/>
-              <a:t>, </a:t>
-            </a:r>
-            <a:r>
-              <a:rPr lang="en-US" i="1" dirty="0" err="1"/>
-              <a:t>cookie_value</a:t>
-            </a:r>
-            <a:r>
-              <a:rPr lang="en-US" dirty="0"/>
-              <a:t>, </a:t>
-            </a:r>
-            <a:r>
-              <a:rPr lang="en-US" i="1" dirty="0"/>
-              <a:t>lifetime</a:t>
-            </a:r>
-            <a:r>
-              <a:rPr lang="en-US" sz="2800" dirty="0">
-                <a:latin typeface="Courier New" pitchFamily="49" charset="0"/>
-              </a:rPr>
-              <a:t>)</a:t>
-            </a:r>
-          </a:p>
-          <a:p>
-            <a:pPr>
-              <a:defRPr/>
-            </a:pPr>
-            <a:endParaRPr lang="en-US" sz="2800" dirty="0">
-              <a:latin typeface="Courier New" pitchFamily="49" charset="0"/>
-            </a:endParaRPr>
-          </a:p>
-          <a:p>
-            <a:pPr>
-              <a:defRPr/>
-            </a:pPr>
-            <a:r>
-              <a:rPr lang="en-US" b="1" dirty="0"/>
-              <a:t>Example: </a:t>
-            </a:r>
-            <a:br>
-              <a:rPr lang="en-US" dirty="0"/>
-            </a:br>
-            <a:r>
-              <a:rPr lang="en-US" sz="2400" dirty="0" err="1">
-                <a:latin typeface="Courier New" pitchFamily="49" charset="0"/>
-              </a:rPr>
-              <a:t>setcookie</a:t>
-            </a:r>
-            <a:r>
-              <a:rPr lang="en-US" sz="2400" dirty="0">
-                <a:latin typeface="Courier New" pitchFamily="49" charset="0"/>
-              </a:rPr>
-              <a:t>(</a:t>
-            </a:r>
-            <a:r>
-              <a:rPr lang="en-US" sz="2400" dirty="0">
-                <a:latin typeface="Courier New" pitchFamily="49" charset="0"/>
-                <a:cs typeface="Courier New" pitchFamily="49" charset="0"/>
-              </a:rPr>
-              <a:t>"</a:t>
-            </a:r>
-            <a:r>
-              <a:rPr lang="en-US" sz="2400" dirty="0">
-                <a:latin typeface="Courier New" pitchFamily="49" charset="0"/>
-              </a:rPr>
-              <a:t>voted</a:t>
-            </a:r>
-            <a:r>
-              <a:rPr lang="en-US" sz="2400" dirty="0">
-                <a:latin typeface="Courier New" pitchFamily="49" charset="0"/>
-                <a:cs typeface="Courier New" pitchFamily="49" charset="0"/>
-              </a:rPr>
-              <a:t>"</a:t>
-            </a:r>
-            <a:r>
-              <a:rPr lang="en-US" sz="2400" dirty="0">
-                <a:latin typeface="Courier New" pitchFamily="49" charset="0"/>
-              </a:rPr>
-              <a:t>, </a:t>
-            </a:r>
-            <a:r>
-              <a:rPr lang="en-US" sz="2400" dirty="0">
-                <a:latin typeface="Courier New" pitchFamily="49" charset="0"/>
-                <a:cs typeface="Courier New" pitchFamily="49" charset="0"/>
-              </a:rPr>
-              <a:t>"</a:t>
-            </a:r>
-            <a:r>
-              <a:rPr lang="en-US" sz="2400" dirty="0">
-                <a:latin typeface="Courier New" pitchFamily="49" charset="0"/>
-              </a:rPr>
-              <a:t>true</a:t>
-            </a:r>
-            <a:r>
-              <a:rPr lang="en-US" sz="2400" dirty="0">
-                <a:latin typeface="Courier New" pitchFamily="49" charset="0"/>
-                <a:cs typeface="Courier New" pitchFamily="49" charset="0"/>
-              </a:rPr>
-              <a:t>"</a:t>
-            </a:r>
-            <a:r>
-              <a:rPr lang="en-US" sz="2400" dirty="0">
-                <a:latin typeface="Courier New" pitchFamily="49" charset="0"/>
-              </a:rPr>
-              <a:t>, time() + 86400);</a:t>
-            </a:r>
-          </a:p>
-          <a:p>
-            <a:pPr>
-              <a:defRPr/>
-            </a:pPr>
-            <a:endParaRPr lang="en-US" sz="2800" dirty="0">
-              <a:latin typeface="Courier New" pitchFamily="49" charset="0"/>
-            </a:endParaRPr>
-          </a:p>
-          <a:p>
-            <a:pPr>
-              <a:defRPr/>
-            </a:pPr>
-            <a:r>
-              <a:rPr lang="en-US" dirty="0"/>
-              <a:t>Cookies are implicitly deleted when their lifetimes are over</a:t>
-            </a:r>
-          </a:p>
-          <a:p>
-            <a:pPr>
-              <a:defRPr/>
-            </a:pPr>
-            <a:endParaRPr lang="en-US" sz="2800" dirty="0">
-              <a:latin typeface="Courier New" pitchFamily="49" charset="0"/>
-            </a:endParaRPr>
-          </a:p>
-        </p:txBody>
-      </p:sp>
-      <p:sp>
-        <p:nvSpPr>
-          <p:cNvPr id="4" name="Slide Number Placeholder 3"/>
-          <p:cNvSpPr>
-            <a:spLocks noGrp="1"/>
-          </p:cNvSpPr>
-          <p:nvPr>
-            <p:ph type="sldNum" sz="quarter" idx="12"/>
-          </p:nvPr>
-        </p:nvSpPr>
-        <p:spPr/>
-        <p:txBody>
-          <a:bodyPr/>
-          <a:lstStyle/>
-          <a:p>
-            <a:fld id="{9648F39E-9C37-485F-AC97-16BB4BDF9F49}" type="slidenum">
-              <a:rPr kumimoji="0" lang="en-US" smtClean="0"/>
-              <a:pPr/>
-              <a:t>122</a:t>
-            </a:fld>
-            <a:endParaRPr kumimoji="0" lang="en-US"/>
+            <a:pPr lvl="0"/>
+            <a:r>
+              <a:rPr lang="en-US" dirty="0"/>
+              <a:t>Why would we want to maintain state?</a:t>
+            </a:r>
+          </a:p>
+          <a:p>
+            <a:pPr lvl="0"/>
+            <a:endParaRPr lang="en-US" dirty="0"/>
+          </a:p>
+          <a:p>
+            <a:pPr lvl="0"/>
+            <a:r>
+              <a:rPr lang="en-US" dirty="0"/>
+              <a:t>PHP has two main methods for tracking data:</a:t>
+            </a:r>
+          </a:p>
+          <a:p>
+            <a:pPr marL="285750" lvl="1"/>
+            <a:r>
+              <a:rPr lang="en-US" dirty="0"/>
+              <a:t>Cookies</a:t>
+            </a:r>
+          </a:p>
+          <a:p>
+            <a:pPr marL="285750" lvl="1"/>
+            <a:r>
+              <a:rPr lang="en-US" dirty="0"/>
+              <a:t>Sessions</a:t>
+            </a:r>
           </a:p>
         </p:txBody>
       </p:sp>
     </p:spTree>
     <p:extLst>
       <p:ext uri="{BB962C8B-B14F-4D97-AF65-F5344CB8AC3E}">
-        <p14:creationId xmlns:p14="http://schemas.microsoft.com/office/powerpoint/2010/main" val="3016656538"/>
+        <p14:creationId xmlns:p14="http://schemas.microsoft.com/office/powerpoint/2010/main" val="2028966894"/>
       </p:ext>
     </p:extLst>
   </p:cSld>
@@ -15866,7 +15888,7 @@
           <a:p>
             <a:r>
               <a:rPr lang="en-US" dirty="0"/>
-              <a:t>Cookies (cont.)</a:t>
+              <a:t>Cookies</a:t>
             </a:r>
           </a:p>
         </p:txBody>
@@ -15881,153 +15903,230 @@
             <p:ph idx="1"/>
           </p:nvPr>
         </p:nvSpPr>
-        <p:spPr>
-          <a:xfrm>
-            <a:off x="685800" y="1219200"/>
-            <a:ext cx="7772400" cy="4800600"/>
-          </a:xfrm>
-        </p:spPr>
+        <p:spPr/>
         <p:txBody>
           <a:bodyPr>
-            <a:normAutofit fontScale="92500" lnSpcReduction="20000"/>
+            <a:normAutofit fontScale="92500"/>
           </a:bodyPr>
           <a:lstStyle/>
           <a:p>
-            <a:pPr lvl="0"/>
-            <a:r>
-              <a:rPr lang="en-US" dirty="0"/>
-              <a:t>Few notes about cookies:</a:t>
-            </a:r>
-          </a:p>
-          <a:p>
-            <a:pPr lvl="0"/>
-            <a:endParaRPr lang="en-US" dirty="0"/>
-          </a:p>
-          <a:p>
-            <a:pPr marL="342900" lvl="0" indent="-342900">
-              <a:buFont typeface="Arial" panose="020B0604020202020204" pitchFamily="34" charset="0"/>
-              <a:buChar char="•"/>
+            <a:pPr>
+              <a:defRPr/>
             </a:pPr>
+            <a:r>
+              <a:rPr lang="en-US" dirty="0"/>
+              <a:t>A </a:t>
+            </a:r>
+            <a:r>
+              <a:rPr lang="en-US" b="1" i="1" dirty="0">
+                <a:solidFill>
+                  <a:srgbClr val="FF0000"/>
+                </a:solidFill>
+              </a:rPr>
+              <a:t>cookie</a:t>
+            </a:r>
+            <a:r>
+              <a:rPr lang="en-US" dirty="0">
+                <a:solidFill>
+                  <a:srgbClr val="FF0000"/>
+                </a:solidFill>
+              </a:rPr>
+              <a:t> </a:t>
+            </a:r>
+            <a:r>
+              <a:rPr lang="en-US" dirty="0"/>
+              <a:t>is a </a:t>
+            </a:r>
             <a:r>
               <a:rPr lang="en-US" dirty="0">
                 <a:solidFill>
                   <a:srgbClr val="7030A0"/>
                 </a:solidFill>
               </a:rPr>
-              <a:t>Cookies are stored in a Web browser </a:t>
-            </a:r>
-            <a:r>
-              <a:rPr lang="en-US" dirty="0"/>
-              <a:t>but only the site that originally sent a cookie can read it</a:t>
-            </a:r>
-          </a:p>
-          <a:p>
-            <a:pPr marL="342900" lvl="0" indent="-342900">
-              <a:buFont typeface="Arial" panose="020B0604020202020204" pitchFamily="34" charset="0"/>
-              <a:buChar char="•"/>
-            </a:pPr>
-            <a:endParaRPr lang="en-US" dirty="0"/>
-          </a:p>
-          <a:p>
-            <a:pPr marL="342900" lvl="0" indent="-342900">
-              <a:buFont typeface="Arial" panose="020B0604020202020204" pitchFamily="34" charset="0"/>
-              <a:buChar char="•"/>
-            </a:pPr>
-            <a:r>
-              <a:rPr lang="en-US" dirty="0">
-                <a:solidFill>
-                  <a:srgbClr val="7030A0"/>
-                </a:solidFill>
-              </a:rPr>
-              <a:t>Cookies are read by a site </a:t>
-            </a:r>
-            <a:r>
-              <a:rPr lang="en-US" dirty="0"/>
-              <a:t>when the page on that site is requested by the web browser </a:t>
-            </a:r>
-          </a:p>
-          <a:p>
-            <a:pPr marL="342900" lvl="0" indent="-342900">
-              <a:buFont typeface="Arial" panose="020B0604020202020204" pitchFamily="34" charset="0"/>
-              <a:buChar char="•"/>
-            </a:pPr>
-            <a:endParaRPr lang="en-US" dirty="0"/>
-          </a:p>
-          <a:p>
-            <a:pPr marL="342900" lvl="0" indent="-342900">
-              <a:buFont typeface="Arial" panose="020B0604020202020204" pitchFamily="34" charset="0"/>
-              <a:buChar char="•"/>
-            </a:pPr>
-            <a:r>
-              <a:rPr lang="en-US" dirty="0"/>
-              <a:t>Cookies are generally </a:t>
-            </a:r>
-            <a:r>
-              <a:rPr lang="en-US" dirty="0">
-                <a:solidFill>
-                  <a:srgbClr val="7030A0"/>
-                </a:solidFill>
-              </a:rPr>
-              <a:t>limited to about 4kb </a:t>
-            </a:r>
-            <a:r>
-              <a:rPr lang="en-US" dirty="0"/>
-              <a:t>of total data </a:t>
-            </a:r>
-          </a:p>
-          <a:p>
-            <a:pPr marL="342900" lvl="0" indent="-342900">
-              <a:buFont typeface="Arial" panose="020B0604020202020204" pitchFamily="34" charset="0"/>
-              <a:buChar char="•"/>
-            </a:pPr>
-            <a:endParaRPr lang="en-US" dirty="0"/>
-          </a:p>
-          <a:p>
-            <a:pPr marL="342900" lvl="0" indent="-342900">
-              <a:buFont typeface="Arial" panose="020B0604020202020204" pitchFamily="34" charset="0"/>
-              <a:buChar char="•"/>
-            </a:pPr>
-            <a:r>
-              <a:rPr lang="en-US" dirty="0"/>
-              <a:t>Cookies </a:t>
-            </a:r>
-            <a:r>
-              <a:rPr lang="en-US" b="1" dirty="0"/>
-              <a:t>must be created before </a:t>
-            </a:r>
-            <a:r>
-              <a:rPr lang="en-US" dirty="0"/>
-              <a:t>any other HTML is created by the script</a:t>
-            </a:r>
-          </a:p>
-          <a:p>
-            <a:pPr marL="342900" indent="-342900">
-              <a:buFont typeface="Arial" panose="020B0604020202020204" pitchFamily="34" charset="0"/>
-              <a:buChar char="•"/>
+              <a:t>name/value pair </a:t>
+            </a:r>
+            <a:r>
+              <a:rPr lang="en-US" dirty="0"/>
+              <a:t>that is passed between a browser and a server in the HTTP header </a:t>
+            </a:r>
+          </a:p>
+          <a:p>
+            <a:pPr>
               <a:defRPr/>
             </a:pPr>
             <a:endParaRPr lang="en-US" dirty="0"/>
           </a:p>
           <a:p>
-            <a:pPr marL="342900" indent="-342900">
-              <a:buFont typeface="Arial" panose="020B0604020202020204" pitchFamily="34" charset="0"/>
-              <a:buChar char="•"/>
+            <a:pPr>
               <a:defRPr/>
             </a:pPr>
             <a:r>
               <a:rPr lang="en-US" dirty="0"/>
-              <a:t>Cookies are obtained in a script the same way form values are gotten, using the </a:t>
+              <a:t>In PHP, cookies are created with </a:t>
+            </a:r>
+            <a:r>
+              <a:rPr lang="en-US" sz="2400" b="1" dirty="0" err="1">
+                <a:solidFill>
+                  <a:srgbClr val="FF0000"/>
+                </a:solidFill>
+                <a:latin typeface="Courier New" pitchFamily="49" charset="0"/>
+                <a:cs typeface="Courier New" pitchFamily="49" charset="0"/>
+              </a:rPr>
+              <a:t>setcookie</a:t>
+            </a:r>
+            <a:br>
+              <a:rPr lang="en-US" sz="2400" dirty="0">
+                <a:latin typeface="Courier New" pitchFamily="49" charset="0"/>
+                <a:cs typeface="Courier New" pitchFamily="49" charset="0"/>
+              </a:rPr>
+            </a:br>
+            <a:r>
+              <a:rPr lang="en-US" sz="2800" dirty="0" err="1">
+                <a:latin typeface="Courier New" pitchFamily="49" charset="0"/>
+              </a:rPr>
+              <a:t>setcookie</a:t>
             </a:r>
             <a:r>
               <a:rPr lang="en-US" sz="2800" dirty="0">
                 <a:latin typeface="Courier New" pitchFamily="49" charset="0"/>
               </a:rPr>
-              <a:t>$_COOKIES</a:t>
-            </a:r>
-            <a:r>
-              <a:rPr lang="en-US" dirty="0"/>
-              <a:t> array</a:t>
-            </a:r>
+              <a:t>(</a:t>
+            </a:r>
+            <a:r>
+              <a:rPr lang="en-US" i="1" dirty="0" err="1"/>
+              <a:t>cookie_name</a:t>
+            </a:r>
+            <a:r>
+              <a:rPr lang="en-US" dirty="0"/>
+              <a:t>, </a:t>
+            </a:r>
+            <a:r>
+              <a:rPr lang="en-US" i="1" dirty="0" err="1"/>
+              <a:t>cookie_value</a:t>
+            </a:r>
+            <a:r>
+              <a:rPr lang="en-US" dirty="0"/>
+              <a:t>, </a:t>
+            </a:r>
+            <a:r>
+              <a:rPr lang="en-US" i="1" dirty="0"/>
+              <a:t>lifetime</a:t>
+            </a:r>
+            <a:r>
+              <a:rPr lang="en-US" sz="2800" dirty="0">
+                <a:latin typeface="Courier New" pitchFamily="49" charset="0"/>
+              </a:rPr>
+              <a:t>)</a:t>
+            </a:r>
+          </a:p>
+          <a:p>
+            <a:pPr>
+              <a:defRPr/>
+            </a:pPr>
+            <a:endParaRPr lang="en-US" sz="2800" dirty="0">
+              <a:latin typeface="Courier New" pitchFamily="49" charset="0"/>
+            </a:endParaRPr>
+          </a:p>
+          <a:p>
+            <a:pPr>
+              <a:defRPr/>
+            </a:pPr>
+            <a:r>
+              <a:rPr lang="en-US" b="1" dirty="0"/>
+              <a:t>Example: </a:t>
+            </a:r>
+            <a:br>
+              <a:rPr lang="en-US" dirty="0"/>
+            </a:br>
+            <a:r>
+              <a:rPr lang="en-US" sz="2400" dirty="0" err="1">
+                <a:latin typeface="Courier New" pitchFamily="49" charset="0"/>
+              </a:rPr>
+              <a:t>setcookie</a:t>
+            </a:r>
+            <a:r>
+              <a:rPr lang="en-US" sz="2400" dirty="0">
+                <a:latin typeface="Courier New" pitchFamily="49" charset="0"/>
+              </a:rPr>
+              <a:t>(</a:t>
+            </a:r>
+            <a:r>
+              <a:rPr lang="en-US" sz="2400" dirty="0">
+                <a:latin typeface="Courier New" pitchFamily="49" charset="0"/>
+                <a:cs typeface="Courier New" pitchFamily="49" charset="0"/>
+              </a:rPr>
+              <a:t>"</a:t>
+            </a:r>
+            <a:r>
+              <a:rPr lang="en-US" sz="2400" dirty="0">
+                <a:latin typeface="Courier New" pitchFamily="49" charset="0"/>
+              </a:rPr>
+              <a:t>voted</a:t>
+            </a:r>
+            <a:r>
+              <a:rPr lang="en-US" sz="2400" dirty="0">
+                <a:latin typeface="Courier New" pitchFamily="49" charset="0"/>
+                <a:cs typeface="Courier New" pitchFamily="49" charset="0"/>
+              </a:rPr>
+              <a:t>"</a:t>
+            </a:r>
+            <a:r>
+              <a:rPr lang="en-US" sz="2400" dirty="0">
+                <a:latin typeface="Courier New" pitchFamily="49" charset="0"/>
+              </a:rPr>
+              <a:t>, </a:t>
+            </a:r>
+            <a:r>
+              <a:rPr lang="en-US" sz="2400" dirty="0">
+                <a:latin typeface="Courier New" pitchFamily="49" charset="0"/>
+                <a:cs typeface="Courier New" pitchFamily="49" charset="0"/>
+              </a:rPr>
+              <a:t>"</a:t>
+            </a:r>
+            <a:r>
+              <a:rPr lang="en-US" sz="2400" dirty="0">
+                <a:latin typeface="Courier New" pitchFamily="49" charset="0"/>
+              </a:rPr>
+              <a:t>true</a:t>
+            </a:r>
+            <a:r>
+              <a:rPr lang="en-US" sz="2400" dirty="0">
+                <a:latin typeface="Courier New" pitchFamily="49" charset="0"/>
+                <a:cs typeface="Courier New" pitchFamily="49" charset="0"/>
+              </a:rPr>
+              <a:t>"</a:t>
+            </a:r>
+            <a:r>
+              <a:rPr lang="en-US" sz="2400" dirty="0">
+                <a:latin typeface="Courier New" pitchFamily="49" charset="0"/>
+              </a:rPr>
+              <a:t>, time() + 86400);</a:t>
+            </a:r>
+          </a:p>
+          <a:p>
+            <a:pPr>
+              <a:defRPr/>
+            </a:pPr>
+            <a:endParaRPr lang="en-US" sz="2800" dirty="0">
+              <a:latin typeface="Courier New" pitchFamily="49" charset="0"/>
+            </a:endParaRPr>
+          </a:p>
+          <a:p>
+            <a:pPr>
+              <a:defRPr/>
+            </a:pPr>
+            <a:r>
+              <a:rPr lang="en-US" dirty="0"/>
+              <a:t>Cookies are implicitly deleted when their lifetimes are over</a:t>
+            </a:r>
+          </a:p>
+          <a:p>
+            <a:pPr>
+              <a:defRPr/>
+            </a:pPr>
+            <a:endParaRPr lang="en-US" sz="2800" dirty="0">
+              <a:latin typeface="Courier New" pitchFamily="49" charset="0"/>
+            </a:endParaRPr>
           </a:p>
         </p:txBody>
       </p:sp>
@@ -16058,7 +16157,7 @@
     </p:spTree>
     <p:extLst>
       <p:ext uri="{BB962C8B-B14F-4D97-AF65-F5344CB8AC3E}">
-        <p14:creationId xmlns:p14="http://schemas.microsoft.com/office/powerpoint/2010/main" val="2060425214"/>
+        <p14:creationId xmlns:p14="http://schemas.microsoft.com/office/powerpoint/2010/main" val="3016656538"/>
       </p:ext>
     </p:extLst>
   </p:cSld>
@@ -16101,15 +16200,15 @@
           <a:lstStyle/>
           <a:p>
             <a:r>
-              <a:rPr lang="en-US"/>
-              <a:t>Accessing cookies</a:t>
-            </a:r>
-          </a:p>
-        </p:txBody>
-      </p:sp>
-      <p:sp>
-        <p:nvSpPr>
-          <p:cNvPr id="3" name="Text Placeholder 2"/>
+              <a:rPr lang="en-US" dirty="0"/>
+              <a:t>Cookies (cont.)</a:t>
+            </a:r>
+          </a:p>
+        </p:txBody>
+      </p:sp>
+      <p:sp>
+        <p:nvSpPr>
+          <p:cNvPr id="3" name="Content Placeholder 2"/>
           <p:cNvSpPr>
             <a:spLocks noGrp="1"/>
           </p:cNvSpPr>
@@ -16117,60 +16216,22 @@
             <p:ph idx="1"/>
           </p:nvPr>
         </p:nvSpPr>
-        <p:spPr/>
+        <p:spPr>
+          <a:xfrm>
+            <a:off x="685800" y="1219200"/>
+            <a:ext cx="7772400" cy="4800600"/>
+          </a:xfrm>
+        </p:spPr>
         <p:txBody>
           <a:bodyPr>
-            <a:normAutofit/>
+            <a:normAutofit fontScale="92500" lnSpcReduction="20000"/>
           </a:bodyPr>
           <a:lstStyle/>
           <a:p>
             <a:pPr lvl="0"/>
             <a:r>
               <a:rPr lang="en-US" dirty="0"/>
-              <a:t>When the browser sends a cookie back to the server, you can access the cookie through </a:t>
-            </a:r>
-            <a:r>
-              <a:rPr lang="en-US" dirty="0">
-                <a:latin typeface="Courier New"/>
-              </a:rPr>
-              <a:t>$_COOKIE </a:t>
-            </a:r>
-            <a:r>
-              <a:rPr lang="en-US" dirty="0"/>
-              <a:t>array.</a:t>
-            </a:r>
-          </a:p>
-          <a:p>
-            <a:pPr marL="285750" lvl="1"/>
-            <a:r>
-              <a:rPr lang="en-US" dirty="0"/>
-              <a:t>Key is the cookie name</a:t>
-            </a:r>
-          </a:p>
-          <a:p>
-            <a:pPr marL="285750" lvl="1"/>
-            <a:r>
-              <a:rPr lang="en-US" dirty="0"/>
-              <a:t>Value is the cookie's value field</a:t>
-            </a:r>
-          </a:p>
-          <a:p>
-            <a:pPr lvl="1"/>
-            <a:endParaRPr lang="en-US" dirty="0"/>
-          </a:p>
-          <a:p>
-            <a:pPr lvl="0"/>
-            <a:r>
-              <a:rPr lang="en-US" dirty="0"/>
-              <a:t>A cookie is </a:t>
-            </a:r>
-            <a:r>
-              <a:rPr lang="en-US" b="1" dirty="0"/>
-              <a:t>never accessible immediately </a:t>
-            </a:r>
-            <a:r>
-              <a:rPr lang="en-US" dirty="0"/>
-              <a:t>after it's been set</a:t>
+              <a:t>Few notes about cookies:</a:t>
             </a:r>
           </a:p>
           <a:p>
@@ -16178,22 +16239,161 @@
             <a:endParaRPr lang="en-US" dirty="0"/>
           </a:p>
           <a:p>
-            <a:pPr lvl="0"/>
-            <a:r>
-              <a:rPr lang="en-US" b="1" dirty="0">
+            <a:pPr marL="342900" lvl="0" indent="-342900">
+              <a:buFont typeface="Arial" panose="020B0604020202020204" pitchFamily="34" charset="0"/>
+              <a:buChar char="•"/>
+            </a:pPr>
+            <a:r>
+              <a:rPr lang="en-US" dirty="0">
                 <a:solidFill>
-                  <a:srgbClr val="C00000"/>
+                  <a:srgbClr val="7030A0"/>
                 </a:solidFill>
               </a:rPr>
-              <a:t>The page must be requested or reloaded for the cookie to be available</a:t>
-            </a:r>
+              <a:t>Cookies are stored in a Web browser </a:t>
+            </a:r>
+            <a:r>
+              <a:rPr lang="en-US" dirty="0"/>
+              <a:t>but only the site that originally sent a cookie can read it</a:t>
+            </a:r>
+          </a:p>
+          <a:p>
+            <a:pPr marL="342900" lvl="0" indent="-342900">
+              <a:buFont typeface="Arial" panose="020B0604020202020204" pitchFamily="34" charset="0"/>
+              <a:buChar char="•"/>
+            </a:pPr>
+            <a:endParaRPr lang="en-US" dirty="0"/>
+          </a:p>
+          <a:p>
+            <a:pPr marL="342900" lvl="0" indent="-342900">
+              <a:buFont typeface="Arial" panose="020B0604020202020204" pitchFamily="34" charset="0"/>
+              <a:buChar char="•"/>
+            </a:pPr>
+            <a:r>
+              <a:rPr lang="en-US" dirty="0">
+                <a:solidFill>
+                  <a:srgbClr val="7030A0"/>
+                </a:solidFill>
+              </a:rPr>
+              <a:t>Cookies are read by a site </a:t>
+            </a:r>
+            <a:r>
+              <a:rPr lang="en-US" dirty="0"/>
+              <a:t>when the page on that site is requested by the web browser </a:t>
+            </a:r>
+          </a:p>
+          <a:p>
+            <a:pPr marL="342900" lvl="0" indent="-342900">
+              <a:buFont typeface="Arial" panose="020B0604020202020204" pitchFamily="34" charset="0"/>
+              <a:buChar char="•"/>
+            </a:pPr>
+            <a:endParaRPr lang="en-US" dirty="0"/>
+          </a:p>
+          <a:p>
+            <a:pPr marL="342900" lvl="0" indent="-342900">
+              <a:buFont typeface="Arial" panose="020B0604020202020204" pitchFamily="34" charset="0"/>
+              <a:buChar char="•"/>
+            </a:pPr>
+            <a:r>
+              <a:rPr lang="en-US" dirty="0"/>
+              <a:t>Cookies are generally </a:t>
+            </a:r>
+            <a:r>
+              <a:rPr lang="en-US" dirty="0">
+                <a:solidFill>
+                  <a:srgbClr val="7030A0"/>
+                </a:solidFill>
+              </a:rPr>
+              <a:t>limited to about 4kb </a:t>
+            </a:r>
+            <a:r>
+              <a:rPr lang="en-US" dirty="0"/>
+              <a:t>of total data </a:t>
+            </a:r>
+          </a:p>
+          <a:p>
+            <a:pPr marL="342900" lvl="0" indent="-342900">
+              <a:buFont typeface="Arial" panose="020B0604020202020204" pitchFamily="34" charset="0"/>
+              <a:buChar char="•"/>
+            </a:pPr>
+            <a:endParaRPr lang="en-US" dirty="0"/>
+          </a:p>
+          <a:p>
+            <a:pPr marL="342900" lvl="0" indent="-342900">
+              <a:buFont typeface="Arial" panose="020B0604020202020204" pitchFamily="34" charset="0"/>
+              <a:buChar char="•"/>
+            </a:pPr>
+            <a:r>
+              <a:rPr lang="en-US" dirty="0"/>
+              <a:t>Cookies </a:t>
+            </a:r>
+            <a:r>
+              <a:rPr lang="en-US" b="1" dirty="0"/>
+              <a:t>must be created before </a:t>
+            </a:r>
+            <a:r>
+              <a:rPr lang="en-US" dirty="0"/>
+              <a:t>any other HTML is created by the script</a:t>
+            </a:r>
+          </a:p>
+          <a:p>
+            <a:pPr marL="342900" indent="-342900">
+              <a:buFont typeface="Arial" panose="020B0604020202020204" pitchFamily="34" charset="0"/>
+              <a:buChar char="•"/>
+              <a:defRPr/>
+            </a:pPr>
+            <a:endParaRPr lang="en-US" dirty="0"/>
+          </a:p>
+          <a:p>
+            <a:pPr marL="342900" indent="-342900">
+              <a:buFont typeface="Arial" panose="020B0604020202020204" pitchFamily="34" charset="0"/>
+              <a:buChar char="•"/>
+              <a:defRPr/>
+            </a:pPr>
+            <a:r>
+              <a:rPr lang="en-US" dirty="0"/>
+              <a:t>Cookies are obtained in a script the same way form values are gotten, using the </a:t>
+            </a:r>
+            <a:r>
+              <a:rPr lang="en-US" sz="2800" dirty="0">
+                <a:latin typeface="Courier New" pitchFamily="49" charset="0"/>
+              </a:rPr>
+              <a:t>$_COOKIES</a:t>
+            </a:r>
+            <a:r>
+              <a:rPr lang="en-US" dirty="0"/>
+              <a:t> array</a:t>
+            </a:r>
+          </a:p>
+        </p:txBody>
+      </p:sp>
+      <p:sp>
+        <p:nvSpPr>
+          <p:cNvPr id="4" name="Slide Number Placeholder 3"/>
+          <p:cNvSpPr>
+            <a:spLocks noGrp="1"/>
+          </p:cNvSpPr>
+          <p:nvPr>
+            <p:ph type="sldNum" sz="quarter" idx="12"/>
+          </p:nvPr>
+        </p:nvSpPr>
+        <p:spPr/>
+        <p:txBody>
+          <a:bodyPr/>
+          <a:lstStyle/>
+          <a:p>
+            <a:fld id="{9648F39E-9C37-485F-AC97-16BB4BDF9F49}" type="slidenum">
+              <a:rPr kumimoji="0" lang="en-US" smtClean="0"/>
+              <a:pPr/>
+              <a:t>124</a:t>
+            </a:fld>
+            <a:endParaRPr kumimoji="0" lang="en-US"/>
           </a:p>
         </p:txBody>
       </p:sp>
     </p:spTree>
     <p:extLst>
       <p:ext uri="{BB962C8B-B14F-4D97-AF65-F5344CB8AC3E}">
-        <p14:creationId xmlns:p14="http://schemas.microsoft.com/office/powerpoint/2010/main" val="2729852047"/>
+        <p14:creationId xmlns:p14="http://schemas.microsoft.com/office/powerpoint/2010/main" val="2060425214"/>
       </p:ext>
     </p:extLst>
   </p:cSld>
@@ -16237,7 +16437,7 @@
           <a:p>
             <a:r>
               <a:rPr lang="en-US"/>
-              <a:t>Deleting cookies</a:t>
+              <a:t>Accessing cookies</a:t>
             </a:r>
           </a:p>
         </p:txBody>
@@ -16262,71 +16462,73 @@
             <a:pPr lvl="0"/>
             <a:r>
               <a:rPr lang="en-US" dirty="0"/>
-              <a:t>You can use the </a:t>
-            </a:r>
-            <a:r>
-              <a:rPr lang="en-US" sz="2919" dirty="0" err="1">
+              <a:t>When the browser sends a cookie back to the server, you can access the cookie through </a:t>
+            </a:r>
+            <a:r>
+              <a:rPr lang="en-US" dirty="0">
                 <a:latin typeface="Courier New"/>
-                <a:cs typeface="Courier New"/>
-              </a:rPr>
-              <a:t>setcookie</a:t>
-            </a:r>
-            <a:r>
-              <a:rPr lang="en-US" dirty="0"/>
-              <a:t>() function to delete a cookie</a:t>
+              </a:rPr>
+              <a:t>$_COOKIE </a:t>
+            </a:r>
+            <a:r>
+              <a:rPr lang="en-US" dirty="0"/>
+              <a:t>array.</a:t>
+            </a:r>
+          </a:p>
+          <a:p>
+            <a:pPr marL="285750" lvl="1"/>
+            <a:r>
+              <a:rPr lang="en-US" dirty="0"/>
+              <a:t>Key is the cookie name</a:t>
+            </a:r>
+          </a:p>
+          <a:p>
+            <a:pPr marL="285750" lvl="1"/>
+            <a:r>
+              <a:rPr lang="en-US" dirty="0"/>
+              <a:t>Value is the cookie's value field</a:t>
             </a:r>
           </a:p>
           <a:p>
             <a:pPr lvl="1"/>
-            <a:r>
-              <a:rPr lang="en-US" dirty="0"/>
-              <a:t>It requires only one value, name</a:t>
-            </a:r>
-          </a:p>
-          <a:p>
-            <a:pPr lvl="1"/>
-            <a:r>
-              <a:rPr lang="en-US" dirty="0"/>
-              <a:t>Set the remaining parameters to blank or for expiration, a time in the past</a:t>
-            </a:r>
-          </a:p>
-          <a:p>
-            <a:pPr lvl="1"/>
-            <a:r>
-              <a:rPr lang="en-US" dirty="0"/>
-              <a:t>Example:</a:t>
-            </a:r>
-            <a:br>
-              <a:rPr lang="en-US" dirty="0"/>
-            </a:br>
-            <a:r>
-              <a:rPr lang="en-US" sz="2100" dirty="0" err="1">
-                <a:latin typeface="Courier New" pitchFamily="49" charset="0"/>
-                <a:cs typeface="Courier New" pitchFamily="49" charset="0"/>
-              </a:rPr>
-              <a:t>setcookie</a:t>
-            </a:r>
-            <a:r>
-              <a:rPr lang="en-US" sz="2100" dirty="0">
-                <a:latin typeface="Courier New" pitchFamily="49" charset="0"/>
-                <a:cs typeface="Courier New" pitchFamily="49" charset="0"/>
-              </a:rPr>
-              <a:t>('user', '', time()-3600);</a:t>
-            </a:r>
-          </a:p>
-          <a:p>
-            <a:pPr lvl="1"/>
-            <a:endParaRPr lang="en-US" sz="2100" dirty="0">
-              <a:latin typeface="Courier New" pitchFamily="49" charset="0"/>
-              <a:cs typeface="Courier New" pitchFamily="49" charset="0"/>
-            </a:endParaRPr>
+            <a:endParaRPr lang="en-US" dirty="0"/>
+          </a:p>
+          <a:p>
+            <a:pPr lvl="0"/>
+            <a:r>
+              <a:rPr lang="en-US" dirty="0"/>
+              <a:t>A cookie is </a:t>
+            </a:r>
+            <a:r>
+              <a:rPr lang="en-US" b="1" dirty="0"/>
+              <a:t>never accessible immediately </a:t>
+            </a:r>
+            <a:r>
+              <a:rPr lang="en-US" dirty="0"/>
+              <a:t>after it's been set</a:t>
+            </a:r>
+          </a:p>
+          <a:p>
+            <a:pPr lvl="0"/>
+            <a:endParaRPr lang="en-US" dirty="0"/>
+          </a:p>
+          <a:p>
+            <a:pPr lvl="0"/>
+            <a:r>
+              <a:rPr lang="en-US" b="1" dirty="0">
+                <a:solidFill>
+                  <a:srgbClr val="C00000"/>
+                </a:solidFill>
+              </a:rPr>
+              <a:t>The page must be requested or reloaded for the cookie to be available</a:t>
+            </a:r>
           </a:p>
         </p:txBody>
       </p:sp>
     </p:spTree>
     <p:extLst>
       <p:ext uri="{BB962C8B-B14F-4D97-AF65-F5344CB8AC3E}">
-        <p14:creationId xmlns:p14="http://schemas.microsoft.com/office/powerpoint/2010/main" val="745871252"/>
+        <p14:creationId xmlns:p14="http://schemas.microsoft.com/office/powerpoint/2010/main" val="2729852047"/>
       </p:ext>
     </p:extLst>
   </p:cSld>
@@ -16370,7 +16572,7 @@
           <a:p>
             <a:r>
               <a:rPr lang="en-US"/>
-              <a:t>Sessions</a:t>
+              <a:t>Deleting cookies</a:t>
             </a:r>
           </a:p>
         </p:txBody>
@@ -16388,95 +16590,78 @@
         <p:spPr/>
         <p:txBody>
           <a:bodyPr>
-            <a:normAutofit lnSpcReduction="10000"/>
+            <a:normAutofit/>
           </a:bodyPr>
           <a:lstStyle/>
           <a:p>
             <a:pPr lvl="0"/>
             <a:r>
-              <a:rPr lang="en-US" b="1" i="1" dirty="0">
-                <a:solidFill>
-                  <a:srgbClr val="FF0000"/>
-                </a:solidFill>
-              </a:rPr>
-              <a:t>Sessions</a:t>
-            </a:r>
-            <a:r>
-              <a:rPr lang="en-US" dirty="0">
-                <a:solidFill>
-                  <a:srgbClr val="FF0000"/>
-                </a:solidFill>
-              </a:rPr>
-              <a:t> </a:t>
-            </a:r>
-            <a:r>
-              <a:rPr lang="en-US" dirty="0"/>
-              <a:t>provide a way to track data for a user over a series of pages</a:t>
-            </a:r>
-          </a:p>
-          <a:p>
-            <a:pPr lvl="0"/>
-            <a:endParaRPr lang="en-US" dirty="0"/>
-          </a:p>
-          <a:p>
-            <a:pPr lvl="0"/>
-            <a:r>
-              <a:rPr lang="en-US" dirty="0"/>
-              <a:t>When you </a:t>
-            </a:r>
-            <a:r>
-              <a:rPr lang="en-US" dirty="0">
-                <a:solidFill>
-                  <a:srgbClr val="7030A0"/>
-                </a:solidFill>
-              </a:rPr>
-              <a:t>start a session</a:t>
-            </a:r>
-            <a:r>
-              <a:rPr lang="en-US" dirty="0"/>
-              <a:t>, PHP generates a random session ID -- a reference to that particular session and its stored data</a:t>
-            </a:r>
-          </a:p>
-          <a:p>
-            <a:pPr lvl="0"/>
-            <a:endParaRPr lang="en-US" dirty="0"/>
-          </a:p>
-          <a:p>
-            <a:pPr lvl="0"/>
-            <a:r>
-              <a:rPr lang="en-US" b="1" dirty="0"/>
-              <a:t>Session ID is sent to the Web browser as a cookie</a:t>
-            </a:r>
-          </a:p>
-          <a:p>
-            <a:pPr lvl="0"/>
-            <a:endParaRPr lang="en-US" dirty="0"/>
-          </a:p>
-          <a:p>
-            <a:pPr lvl="0"/>
-            <a:r>
-              <a:rPr lang="en-US" dirty="0"/>
-              <a:t>Subsequent PHP pages will </a:t>
-            </a:r>
-            <a:r>
-              <a:rPr lang="en-US" dirty="0">
-                <a:solidFill>
-                  <a:srgbClr val="C00000"/>
-                </a:solidFill>
-              </a:rPr>
-              <a:t>use this cookie </a:t>
-            </a:r>
-            <a:r>
-              <a:rPr lang="en-US" dirty="0"/>
-              <a:t>to retrieve the session ID and access the session information</a:t>
-            </a:r>
+              <a:rPr lang="en-US" dirty="0"/>
+              <a:t>You can use the </a:t>
+            </a:r>
+            <a:r>
+              <a:rPr lang="en-US" sz="2919" dirty="0" err="1">
+                <a:latin typeface="Courier New"/>
+                <a:cs typeface="Courier New"/>
+              </a:rPr>
+              <a:t>setcookie</a:t>
+            </a:r>
+            <a:r>
+              <a:rPr lang="en-US" dirty="0"/>
+              <a:t>() function to delete a cookie</a:t>
+            </a:r>
+          </a:p>
+          <a:p>
+            <a:pPr lvl="1"/>
+            <a:r>
+              <a:rPr lang="en-US" dirty="0"/>
+              <a:t>It requires only one value, name</a:t>
+            </a:r>
+          </a:p>
+          <a:p>
+            <a:pPr lvl="1"/>
+            <a:r>
+              <a:rPr lang="en-US" dirty="0"/>
+              <a:t>Set the remaining parameters to blank or for expiration, a time in the past</a:t>
+            </a:r>
+          </a:p>
+          <a:p>
+            <a:pPr lvl="1"/>
+            <a:r>
+              <a:rPr lang="en-US" dirty="0"/>
+              <a:t>Example:</a:t>
+            </a:r>
+            <a:br>
+              <a:rPr lang="en-US" dirty="0"/>
+            </a:br>
+            <a:r>
+              <a:rPr lang="en-US" sz="2100" dirty="0" err="1">
+                <a:latin typeface="Courier New" pitchFamily="49" charset="0"/>
+                <a:cs typeface="Courier New" pitchFamily="49" charset="0"/>
+              </a:rPr>
+              <a:t>setcookie</a:t>
+            </a:r>
+            <a:r>
+              <a:rPr lang="en-US" sz="2100" dirty="0">
+                <a:latin typeface="Courier New" pitchFamily="49" charset="0"/>
+                <a:cs typeface="Courier New" pitchFamily="49" charset="0"/>
+              </a:rPr>
+              <a:t>('user', '', time()-3600);</a:t>
+            </a:r>
+          </a:p>
+          <a:p>
+            <a:pPr lvl="1"/>
+            <a:endParaRPr lang="en-US" sz="2100" dirty="0">
+              <a:latin typeface="Courier New" pitchFamily="49" charset="0"/>
+              <a:cs typeface="Courier New" pitchFamily="49" charset="0"/>
+            </a:endParaRPr>
           </a:p>
         </p:txBody>
       </p:sp>
     </p:spTree>
     <p:extLst>
       <p:ext uri="{BB962C8B-B14F-4D97-AF65-F5344CB8AC3E}">
-        <p14:creationId xmlns:p14="http://schemas.microsoft.com/office/powerpoint/2010/main" val="17432125"/>
+        <p14:creationId xmlns:p14="http://schemas.microsoft.com/office/powerpoint/2010/main" val="745871252"/>
       </p:ext>
     </p:extLst>
   </p:cSld>
@@ -16520,7 +16705,7 @@
           <a:p>
             <a:r>
               <a:rPr lang="en-US"/>
-              <a:t>Creating a session</a:t>
+              <a:t>Sessions</a:t>
             </a:r>
           </a:p>
         </p:txBody>
@@ -16538,46 +16723,30 @@
         <p:spPr/>
         <p:txBody>
           <a:bodyPr>
-            <a:normAutofit/>
+            <a:normAutofit lnSpcReduction="10000"/>
           </a:bodyPr>
           <a:lstStyle/>
           <a:p>
             <a:pPr lvl="0"/>
             <a:r>
-              <a:rPr lang="en-US" dirty="0"/>
-              <a:t>Create a session using the </a:t>
-            </a:r>
-            <a:r>
-              <a:rPr lang="en-US" b="1" dirty="0" err="1">
+              <a:rPr lang="en-US" b="1" i="1" dirty="0">
                 <a:solidFill>
                   <a:srgbClr val="FF0000"/>
                 </a:solidFill>
-                <a:latin typeface="Courier New"/>
-                <a:cs typeface="Courier New"/>
-              </a:rPr>
-              <a:t>session_start</a:t>
-            </a:r>
-            <a:r>
-              <a:rPr lang="en-US" b="1" dirty="0">
+              </a:rPr>
+              <a:t>Sessions</a:t>
+            </a:r>
+            <a:r>
+              <a:rPr lang="en-US" dirty="0">
                 <a:solidFill>
                   <a:srgbClr val="FF0000"/>
                 </a:solidFill>
-                <a:latin typeface="Courier New"/>
-                <a:cs typeface="Courier New"/>
-              </a:rPr>
-              <a:t>()</a:t>
-            </a:r>
-            <a:r>
-              <a:rPr lang="en-US" b="1" dirty="0">
-                <a:solidFill>
-                  <a:srgbClr val="FF0000"/>
-                </a:solidFill>
               </a:rPr>
               <a:t> </a:t>
             </a:r>
             <a:r>
               <a:rPr lang="en-US" dirty="0"/>
-              <a:t>function</a:t>
+              <a:t>provide a way to track data for a user over a series of pages</a:t>
             </a:r>
           </a:p>
           <a:p>
@@ -16588,7 +16757,7 @@
             <a:pPr lvl="0"/>
             <a:r>
               <a:rPr lang="en-US" dirty="0"/>
-              <a:t>This </a:t>
+              <a:t>When you </a:t>
             </a:r>
             <a:r>
               <a:rPr lang="en-US" dirty="0">
@@ -16596,15 +16765,11 @@
                   <a:srgbClr val="7030A0"/>
                 </a:solidFill>
               </a:rPr>
-              <a:t>function sends a cookie </a:t>
-            </a:r>
-            <a:r>
-              <a:rPr lang="en-US" dirty="0"/>
-              <a:t>so it </a:t>
-            </a:r>
-            <a:r>
-              <a:rPr lang="en-US" b="1" dirty="0"/>
-              <a:t>must be called prior to any HTML or white space</a:t>
+              <a:t>start a session</a:t>
+            </a:r>
+            <a:r>
+              <a:rPr lang="en-US" dirty="0"/>
+              <a:t>, PHP generates a random session ID -- a reference to that particular session and its stored data</a:t>
             </a:r>
           </a:p>
           <a:p>
@@ -16614,42 +16779,31 @@
           <a:p>
             <a:pPr lvl="0"/>
             <a:r>
-              <a:rPr lang="en-US" dirty="0"/>
-              <a:t>The first time a session is started a random session ID is generated and a </a:t>
+              <a:rPr lang="en-US" b="1" dirty="0"/>
+              <a:t>Session ID is sent to the Web browser as a cookie</a:t>
+            </a:r>
+          </a:p>
+          <a:p>
+            <a:pPr lvl="0"/>
+            <a:endParaRPr lang="en-US" dirty="0"/>
+          </a:p>
+          <a:p>
+            <a:pPr lvl="0"/>
+            <a:r>
+              <a:rPr lang="en-US" dirty="0"/>
+              <a:t>Subsequent PHP pages will </a:t>
             </a:r>
             <a:r>
               <a:rPr lang="en-US" dirty="0">
                 <a:solidFill>
-                  <a:srgbClr val="7030A0"/>
+                  <a:srgbClr val="C00000"/>
                 </a:solidFill>
               </a:rPr>
-              <a:t>cookie</a:t>
-            </a:r>
-            <a:r>
-              <a:rPr lang="en-US" dirty="0"/>
-              <a:t> is sent to the Web browser with the name </a:t>
-            </a:r>
-            <a:r>
-              <a:rPr lang="en-US" b="1" dirty="0">
-                <a:solidFill>
-                  <a:srgbClr val="FF0000"/>
-                </a:solidFill>
-                <a:latin typeface="Courier New" pitchFamily="49" charset="0"/>
-                <a:cs typeface="Courier New" pitchFamily="49" charset="0"/>
-              </a:rPr>
-              <a:t>PHPSESSID</a:t>
-            </a:r>
-            <a:r>
-              <a:rPr lang="en-US" dirty="0">
-                <a:solidFill>
-                  <a:srgbClr val="FF0000"/>
-                </a:solidFill>
-              </a:rPr>
-              <a:t> </a:t>
-            </a:r>
-            <a:r>
-              <a:rPr lang="en-US" dirty="0"/>
-              <a:t>and a value</a:t>
+              <a:t>use this cookie </a:t>
+            </a:r>
+            <a:r>
+              <a:rPr lang="en-US" dirty="0"/>
+              <a:t>to retrieve the session ID and access the session information</a:t>
             </a:r>
           </a:p>
         </p:txBody>
@@ -16657,7 +16811,7 @@
     </p:spTree>
     <p:extLst>
       <p:ext uri="{BB962C8B-B14F-4D97-AF65-F5344CB8AC3E}">
-        <p14:creationId xmlns:p14="http://schemas.microsoft.com/office/powerpoint/2010/main" val="2579550976"/>
+        <p14:creationId xmlns:p14="http://schemas.microsoft.com/office/powerpoint/2010/main" val="17432125"/>
       </p:ext>
     </p:extLst>
   </p:cSld>
@@ -16701,7 +16855,7 @@
           <a:p>
             <a:r>
               <a:rPr lang="en-US"/>
-              <a:t>Recording session data</a:t>
+              <a:t>Creating a session</a:t>
             </a:r>
           </a:p>
         </p:txBody>
@@ -16718,43 +16872,47 @@
         </p:nvSpPr>
         <p:spPr/>
         <p:txBody>
-          <a:bodyPr/>
+          <a:bodyPr>
+            <a:normAutofit/>
+          </a:bodyPr>
           <a:lstStyle/>
           <a:p>
             <a:pPr lvl="0"/>
             <a:r>
               <a:rPr lang="en-US" dirty="0"/>
-              <a:t>Record data by assigning values to the </a:t>
-            </a:r>
-            <a:r>
-              <a:rPr lang="en-US" dirty="0">
+              <a:t>Create a session using the </a:t>
+            </a:r>
+            <a:r>
+              <a:rPr lang="en-US" b="1" dirty="0" err="1">
+                <a:solidFill>
+                  <a:srgbClr val="FF0000"/>
+                </a:solidFill>
                 <a:latin typeface="Courier New"/>
                 <a:cs typeface="Courier New"/>
               </a:rPr>
-              <a:t>$_SESSION</a:t>
-            </a:r>
-            <a:r>
-              <a:rPr lang="en-US" dirty="0">
-                <a:cs typeface="Courier New"/>
-              </a:rPr>
-              <a:t> </a:t>
-            </a:r>
-            <a:r>
-              <a:rPr lang="en-US" dirty="0"/>
-              <a:t>array, e.g.:</a:t>
-            </a:r>
-          </a:p>
-          <a:p>
-            <a:pPr lvl="0"/>
-            <a:br>
-              <a:rPr lang="en-US" dirty="0"/>
-            </a:br>
-            <a:r>
-              <a:rPr lang="en-US" dirty="0">
+              <a:t>session_start</a:t>
+            </a:r>
+            <a:r>
+              <a:rPr lang="en-US" b="1" dirty="0">
+                <a:solidFill>
+                  <a:srgbClr val="FF0000"/>
+                </a:solidFill>
                 <a:latin typeface="Courier New"/>
                 <a:cs typeface="Courier New"/>
               </a:rPr>
-              <a:t>$_SESSION['name']='John';</a:t>
+              <a:t>()</a:t>
+            </a:r>
+            <a:r>
+              <a:rPr lang="en-US" b="1" dirty="0">
+                <a:solidFill>
+                  <a:srgbClr val="FF0000"/>
+                </a:solidFill>
+              </a:rPr>
+              <a:t> </a:t>
+            </a:r>
+            <a:r>
+              <a:rPr lang="en-US" dirty="0"/>
+              <a:t>function</a:t>
             </a:r>
           </a:p>
           <a:p>
@@ -16765,7 +16923,7 @@
             <a:pPr lvl="0"/>
             <a:r>
               <a:rPr lang="en-US" dirty="0"/>
-              <a:t>Each time you do this, PHP </a:t>
+              <a:t>This </a:t>
             </a:r>
             <a:r>
               <a:rPr lang="en-US" dirty="0">
@@ -16773,7 +16931,60 @@
                   <a:srgbClr val="7030A0"/>
                 </a:solidFill>
               </a:rPr>
-              <a:t>writes the data to a temporary file stored on the server</a:t>
+              <a:t>function sends a cookie </a:t>
+            </a:r>
+            <a:r>
+              <a:rPr lang="en-US" dirty="0"/>
+              <a:t>so it </a:t>
+            </a:r>
+            <a:r>
+              <a:rPr lang="en-US" b="1" dirty="0"/>
+              <a:t>must be called prior to any HTML or white space</a:t>
+            </a:r>
+          </a:p>
+          <a:p>
+            <a:pPr lvl="0"/>
+            <a:endParaRPr lang="en-US" dirty="0"/>
+          </a:p>
+          <a:p>
+            <a:pPr lvl="0"/>
+            <a:r>
+              <a:rPr lang="en-US" dirty="0"/>
+              <a:t>The first time a session is started a random session ID is generated and a </a:t>
+            </a:r>
+            <a:r>
+              <a:rPr lang="en-US" dirty="0">
+                <a:solidFill>
+                  <a:srgbClr val="7030A0"/>
+                </a:solidFill>
+              </a:rPr>
+              <a:t>cookie</a:t>
+            </a:r>
+            <a:r>
+              <a:rPr lang="en-US" dirty="0"/>
+              <a:t> is sent to the Web browser with the name </a:t>
+            </a:r>
+            <a:r>
+              <a:rPr lang="en-US" b="1" dirty="0">
+                <a:solidFill>
+                  <a:srgbClr val="FF0000"/>
+                </a:solidFill>
+                <a:latin typeface="Courier New" pitchFamily="49" charset="0"/>
+                <a:cs typeface="Courier New" pitchFamily="49" charset="0"/>
+              </a:rPr>
+              <a:t>PHPSESSID</a:t>
+            </a:r>
+            <a:r>
+              <a:rPr lang="en-US" dirty="0">
+                <a:solidFill>
+                  <a:srgbClr val="FF0000"/>
+                </a:solidFill>
+              </a:rPr>
+              <a:t> </a:t>
+            </a:r>
+            <a:r>
+              <a:rPr lang="en-US" dirty="0"/>
+              <a:t>and a value</a:t>
             </a:r>
           </a:p>
         </p:txBody>
@@ -16781,7 +16992,7 @@
     </p:spTree>
     <p:extLst>
       <p:ext uri="{BB962C8B-B14F-4D97-AF65-F5344CB8AC3E}">
-        <p14:creationId xmlns:p14="http://schemas.microsoft.com/office/powerpoint/2010/main" val="1562807789"/>
+        <p14:creationId xmlns:p14="http://schemas.microsoft.com/office/powerpoint/2010/main" val="2579550976"/>
       </p:ext>
     </p:extLst>
   </p:cSld>
@@ -16825,7 +17036,7 @@
           <a:p>
             <a:r>
               <a:rPr lang="en-US"/>
-              <a:t>Accessing session variables</a:t>
+              <a:t>Recording session data</a:t>
             </a:r>
           </a:p>
         </p:txBody>
@@ -16848,57 +17059,7 @@
             <a:pPr lvl="0"/>
             <a:r>
               <a:rPr lang="en-US" dirty="0"/>
-              <a:t>Begin the session by calling the </a:t>
-            </a:r>
-            <a:r>
-              <a:rPr lang="en-US" b="1" dirty="0" err="1">
-                <a:solidFill>
-                  <a:srgbClr val="FF0000"/>
-                </a:solidFill>
-                <a:latin typeface="Courier New"/>
-                <a:cs typeface="Courier New"/>
-              </a:rPr>
-              <a:t>session_start</a:t>
-            </a:r>
-            <a:r>
-              <a:rPr lang="en-US" b="1" dirty="0">
-                <a:solidFill>
-                  <a:srgbClr val="FF0000"/>
-                </a:solidFill>
-                <a:latin typeface="Courier New"/>
-                <a:cs typeface="Courier New"/>
-              </a:rPr>
-              <a:t>()</a:t>
-            </a:r>
-            <a:r>
-              <a:rPr lang="en-US" b="1" dirty="0">
-                <a:solidFill>
-                  <a:srgbClr val="FF0000"/>
-                </a:solidFill>
-              </a:rPr>
-              <a:t> </a:t>
-            </a:r>
-            <a:r>
-              <a:rPr lang="en-US" dirty="0"/>
-              <a:t>function</a:t>
-            </a:r>
-          </a:p>
-          <a:p>
-            <a:pPr lvl="0"/>
-            <a:endParaRPr lang="en-US" dirty="0"/>
-          </a:p>
-          <a:p>
-            <a:pPr lvl="0"/>
-            <a:r>
-              <a:rPr lang="en-US" dirty="0"/>
-              <a:t>Access values by retrieving them </a:t>
-            </a:r>
-          </a:p>
-          <a:p>
-            <a:pPr lvl="0"/>
-            <a:r>
-              <a:rPr lang="en-US" dirty="0"/>
-              <a:t>from the </a:t>
+              <a:t>Record data by assigning values to the </a:t>
             </a:r>
             <a:r>
               <a:rPr lang="en-US" dirty="0">
@@ -16915,7 +17076,39 @@
             </a:r>
             <a:r>
               <a:rPr lang="en-US" dirty="0"/>
-              <a:t>array</a:t>
+              <a:t>array, e.g.:</a:t>
+            </a:r>
+          </a:p>
+          <a:p>
+            <a:pPr lvl="0"/>
+            <a:br>
+              <a:rPr lang="en-US" dirty="0"/>
+            </a:br>
+            <a:r>
+              <a:rPr lang="en-US" dirty="0">
+                <a:latin typeface="Courier New"/>
+                <a:cs typeface="Courier New"/>
+              </a:rPr>
+              <a:t>$_SESSION['name']='John';</a:t>
+            </a:r>
+          </a:p>
+          <a:p>
+            <a:pPr lvl="0"/>
+            <a:endParaRPr lang="en-US" dirty="0"/>
+          </a:p>
+          <a:p>
+            <a:pPr lvl="0"/>
+            <a:r>
+              <a:rPr lang="en-US" dirty="0"/>
+              <a:t>Each time you do this, PHP </a:t>
+            </a:r>
+            <a:r>
+              <a:rPr lang="en-US" dirty="0">
+                <a:solidFill>
+                  <a:srgbClr val="7030A0"/>
+                </a:solidFill>
+              </a:rPr>
+              <a:t>writes the data to a temporary file stored on the server</a:t>
             </a:r>
           </a:p>
         </p:txBody>
@@ -16923,7 +17116,7 @@
     </p:spTree>
     <p:extLst>
       <p:ext uri="{BB962C8B-B14F-4D97-AF65-F5344CB8AC3E}">
-        <p14:creationId xmlns:p14="http://schemas.microsoft.com/office/powerpoint/2010/main" val="1291025380"/>
+        <p14:creationId xmlns:p14="http://schemas.microsoft.com/office/powerpoint/2010/main" val="1562807789"/>
       </p:ext>
     </p:extLst>
   </p:cSld>
@@ -17645,259 +17838,20 @@
           <a:lstStyle/>
           <a:p>
             <a:r>
-              <a:rPr lang="en-US" dirty="0"/>
-              <a:t>Session Tracking Example</a:t>
-            </a:r>
-          </a:p>
-        </p:txBody>
-      </p:sp>
-      <p:sp>
-        <p:nvSpPr>
-          <p:cNvPr id="3" name="Content Placeholder 2"/>
+              <a:rPr lang="en-US"/>
+              <a:t>Accessing session variables</a:t>
+            </a:r>
+          </a:p>
+        </p:txBody>
+      </p:sp>
+      <p:sp>
+        <p:nvSpPr>
+          <p:cNvPr id="3" name="Text Placeholder 2"/>
           <p:cNvSpPr>
             <a:spLocks noGrp="1"/>
           </p:cNvSpPr>
           <p:nvPr>
             <p:ph idx="1"/>
-          </p:nvPr>
-        </p:nvSpPr>
-        <p:spPr>
-          <a:xfrm>
-            <a:off x="685800" y="1219200"/>
-            <a:ext cx="7848600" cy="4114800"/>
-          </a:xfrm>
-        </p:spPr>
-        <p:txBody>
-          <a:bodyPr>
-            <a:normAutofit/>
-          </a:bodyPr>
-          <a:lstStyle/>
-          <a:p>
-            <a:pPr marL="0" lvl="1" indent="0">
-              <a:spcBef>
-                <a:spcPts val="0"/>
-              </a:spcBef>
-              <a:buClr>
-                <a:schemeClr val="accent1"/>
-              </a:buClr>
-              <a:buSzPct val="80000"/>
-              <a:buNone/>
-            </a:pPr>
-            <a:r>
-              <a:rPr lang="en-US" dirty="0"/>
-              <a:t>Example using sessions - counting number of pages visited</a:t>
-            </a:r>
-            <a:r>
-              <a:rPr lang="en-US" sz="2000" dirty="0"/>
-              <a:t>    </a:t>
-            </a:r>
-          </a:p>
-          <a:p>
-            <a:pPr marL="0" lvl="1" indent="0">
-              <a:spcBef>
-                <a:spcPts val="0"/>
-              </a:spcBef>
-              <a:buClr>
-                <a:schemeClr val="accent1"/>
-              </a:buClr>
-              <a:buSzPct val="80000"/>
-              <a:buNone/>
-            </a:pPr>
-            <a:endParaRPr lang="en-US" dirty="0">
-              <a:latin typeface="Courier New" pitchFamily="49" charset="0"/>
-            </a:endParaRPr>
-          </a:p>
-          <a:p>
-            <a:pPr marL="0" lvl="1" indent="0">
-              <a:spcBef>
-                <a:spcPts val="0"/>
-              </a:spcBef>
-              <a:buClr>
-                <a:schemeClr val="accent1"/>
-              </a:buClr>
-              <a:buSzPct val="80000"/>
-              <a:buNone/>
-            </a:pPr>
-            <a:r>
-              <a:rPr lang="en-US" dirty="0" err="1">
-                <a:latin typeface="Courier New" pitchFamily="49" charset="0"/>
-              </a:rPr>
-              <a:t>session_start</a:t>
-            </a:r>
-            <a:r>
-              <a:rPr lang="en-US" dirty="0">
-                <a:latin typeface="Courier New" pitchFamily="49" charset="0"/>
-              </a:rPr>
-              <a:t>();</a:t>
-            </a:r>
-          </a:p>
-          <a:p>
-            <a:pPr marL="0" lvl="1" indent="0">
-              <a:spcBef>
-                <a:spcPts val="0"/>
-              </a:spcBef>
-              <a:buClr>
-                <a:schemeClr val="accent1"/>
-              </a:buClr>
-              <a:buSzPct val="80000"/>
-              <a:buNone/>
-            </a:pPr>
-            <a:r>
-              <a:rPr lang="en-US" dirty="0">
-                <a:latin typeface="Courier New" pitchFamily="49" charset="0"/>
-              </a:rPr>
-              <a:t>if (!</a:t>
-            </a:r>
-            <a:r>
-              <a:rPr lang="en-US" dirty="0" err="1">
-                <a:latin typeface="Courier New" pitchFamily="49" charset="0"/>
-              </a:rPr>
-              <a:t>isset</a:t>
-            </a:r>
-            <a:r>
-              <a:rPr lang="en-US" dirty="0">
-                <a:latin typeface="Courier New" pitchFamily="49" charset="0"/>
-              </a:rPr>
-              <a:t>($_SESSION['count'])) {</a:t>
-            </a:r>
-          </a:p>
-          <a:p>
-            <a:pPr marL="0" lvl="1" indent="0">
-              <a:spcBef>
-                <a:spcPts val="0"/>
-              </a:spcBef>
-              <a:buClr>
-                <a:schemeClr val="accent1"/>
-              </a:buClr>
-              <a:buSzPct val="80000"/>
-              <a:buNone/>
-            </a:pPr>
-            <a:r>
-              <a:rPr lang="en-US" dirty="0">
-                <a:latin typeface="Courier New" pitchFamily="49" charset="0"/>
-              </a:rPr>
-              <a:t>  $_SESSION['count'] = 0;</a:t>
-            </a:r>
-          </a:p>
-          <a:p>
-            <a:pPr marL="0" lvl="1" indent="0">
-              <a:spcBef>
-                <a:spcPts val="0"/>
-              </a:spcBef>
-              <a:buClr>
-                <a:schemeClr val="accent1"/>
-              </a:buClr>
-              <a:buSzPct val="80000"/>
-              <a:buNone/>
-            </a:pPr>
-            <a:r>
-              <a:rPr lang="en-US" dirty="0">
-                <a:latin typeface="Courier New" pitchFamily="49" charset="0"/>
-              </a:rPr>
-              <a:t>} else {</a:t>
-            </a:r>
-          </a:p>
-          <a:p>
-            <a:pPr marL="0" lvl="1" indent="0">
-              <a:spcBef>
-                <a:spcPts val="0"/>
-              </a:spcBef>
-              <a:buClr>
-                <a:schemeClr val="accent1"/>
-              </a:buClr>
-              <a:buSzPct val="80000"/>
-              <a:buNone/>
-            </a:pPr>
-            <a:r>
-              <a:rPr lang="en-US" dirty="0">
-                <a:latin typeface="Courier New" pitchFamily="49" charset="0"/>
-              </a:rPr>
-              <a:t>  $_SESSION['count']++;</a:t>
-            </a:r>
-          </a:p>
-          <a:p>
-            <a:pPr marL="0" lvl="1" indent="0">
-              <a:spcBef>
-                <a:spcPts val="0"/>
-              </a:spcBef>
-              <a:buClr>
-                <a:schemeClr val="accent1"/>
-              </a:buClr>
-              <a:buSzPct val="80000"/>
-              <a:buNone/>
-            </a:pPr>
-            <a:r>
-              <a:rPr lang="en-US" dirty="0">
-                <a:latin typeface="Courier New" pitchFamily="49" charset="0"/>
-              </a:rPr>
-              <a:t>}</a:t>
-            </a:r>
-          </a:p>
-          <a:p>
-            <a:pPr marL="0" lvl="1" indent="0">
-              <a:spcBef>
-                <a:spcPts val="0"/>
-              </a:spcBef>
-              <a:buClr>
-                <a:schemeClr val="accent1"/>
-              </a:buClr>
-              <a:buSzPct val="80000"/>
-              <a:buNone/>
-            </a:pPr>
-            <a:r>
-              <a:rPr lang="en-US" dirty="0">
-                <a:latin typeface="Courier New" pitchFamily="49" charset="0"/>
-              </a:rPr>
-              <a:t>$count = $_SESSION['count'];</a:t>
-            </a:r>
-          </a:p>
-          <a:p>
-            <a:pPr marL="0" lvl="1" indent="0">
-              <a:spcBef>
-                <a:spcPts val="0"/>
-              </a:spcBef>
-              <a:buClr>
-                <a:schemeClr val="accent1"/>
-              </a:buClr>
-              <a:buSzPct val="80000"/>
-              <a:buNone/>
-            </a:pPr>
-            <a:r>
-              <a:rPr lang="en-US" dirty="0">
-                <a:latin typeface="Courier New" pitchFamily="49" charset="0"/>
-              </a:rPr>
-              <a:t>echo "Visited $count times&lt;</a:t>
-            </a:r>
-            <a:r>
-              <a:rPr lang="en-US" dirty="0" err="1">
-                <a:latin typeface="Courier New" pitchFamily="49" charset="0"/>
-              </a:rPr>
-              <a:t>br</a:t>
-            </a:r>
-            <a:r>
-              <a:rPr lang="en-US" dirty="0">
-                <a:latin typeface="Courier New" pitchFamily="49" charset="0"/>
-              </a:rPr>
-              <a:t>&gt;";</a:t>
-            </a:r>
-            <a:endParaRPr lang="en-US" dirty="0"/>
-          </a:p>
-          <a:p>
-            <a:endParaRPr lang="en-US" dirty="0"/>
-          </a:p>
-          <a:p>
-            <a:endParaRPr lang="en-US" dirty="0"/>
-          </a:p>
-        </p:txBody>
-      </p:sp>
-      <p:sp>
-        <p:nvSpPr>
-          <p:cNvPr id="4" name="Slide Number Placeholder 3"/>
-          <p:cNvSpPr>
-            <a:spLocks noGrp="1"/>
-          </p:cNvSpPr>
-          <p:nvPr>
-            <p:ph type="sldNum" sz="quarter" idx="12"/>
           </p:nvPr>
         </p:nvSpPr>
         <p:spPr/>
@@ -17905,19 +17859,85 @@
           <a:bodyPr/>
           <a:lstStyle/>
           <a:p>
-            <a:fld id="{9648F39E-9C37-485F-AC97-16BB4BDF9F49}" type="slidenum">
-              <a:rPr kumimoji="0" lang="en-US" smtClean="0"/>
-              <a:pPr/>
-              <a:t>130</a:t>
-            </a:fld>
-            <a:endParaRPr kumimoji="0" lang="en-US"/>
+            <a:pPr lvl="0"/>
+            <a:r>
+              <a:rPr lang="en-US" dirty="0"/>
+              <a:t>Begin the session by calling the </a:t>
+            </a:r>
+            <a:r>
+              <a:rPr lang="en-US" b="1" dirty="0" err="1">
+                <a:solidFill>
+                  <a:srgbClr val="FF0000"/>
+                </a:solidFill>
+                <a:latin typeface="Courier New"/>
+                <a:cs typeface="Courier New"/>
+              </a:rPr>
+              <a:t>session_start</a:t>
+            </a:r>
+            <a:r>
+              <a:rPr lang="en-US" b="1" dirty="0">
+                <a:solidFill>
+                  <a:srgbClr val="FF0000"/>
+                </a:solidFill>
+                <a:latin typeface="Courier New"/>
+                <a:cs typeface="Courier New"/>
+              </a:rPr>
+              <a:t>()</a:t>
+            </a:r>
+            <a:r>
+              <a:rPr lang="en-US" b="1" dirty="0">
+                <a:solidFill>
+                  <a:srgbClr val="FF0000"/>
+                </a:solidFill>
+              </a:rPr>
+              <a:t> </a:t>
+            </a:r>
+            <a:r>
+              <a:rPr lang="en-US" dirty="0"/>
+              <a:t>function</a:t>
+            </a:r>
+          </a:p>
+          <a:p>
+            <a:pPr lvl="0"/>
+            <a:endParaRPr lang="en-US" dirty="0"/>
+          </a:p>
+          <a:p>
+            <a:pPr lvl="0"/>
+            <a:r>
+              <a:rPr lang="en-US" dirty="0"/>
+              <a:t>Access values by retrieving them </a:t>
+            </a:r>
+          </a:p>
+          <a:p>
+            <a:pPr lvl="0"/>
+            <a:r>
+              <a:rPr lang="en-US" dirty="0"/>
+              <a:t>from the </a:t>
+            </a:r>
+            <a:r>
+              <a:rPr lang="en-US" dirty="0">
+                <a:latin typeface="Courier New"/>
+                <a:cs typeface="Courier New"/>
+              </a:rPr>
+              <a:t>$_SESSION</a:t>
+            </a:r>
+            <a:r>
+              <a:rPr lang="en-US" dirty="0">
+                <a:cs typeface="Courier New"/>
+              </a:rPr>
+              <a:t> </a:t>
+            </a:r>
+            <a:r>
+              <a:rPr lang="en-US" dirty="0"/>
+              <a:t>array</a:t>
+            </a:r>
           </a:p>
         </p:txBody>
       </p:sp>
     </p:spTree>
     <p:extLst>
       <p:ext uri="{BB962C8B-B14F-4D97-AF65-F5344CB8AC3E}">
-        <p14:creationId xmlns:p14="http://schemas.microsoft.com/office/powerpoint/2010/main" val="1209559957"/>
+        <p14:creationId xmlns:p14="http://schemas.microsoft.com/office/powerpoint/2010/main" val="1291025380"/>
       </p:ext>
     </p:extLst>
   </p:cSld>
@@ -17960,15 +17980,15 @@
           <a:lstStyle/>
           <a:p>
             <a:r>
-              <a:rPr lang="en-US"/>
-              <a:t>Deleting a session</a:t>
-            </a:r>
-          </a:p>
-        </p:txBody>
-      </p:sp>
-      <p:sp>
-        <p:nvSpPr>
-          <p:cNvPr id="3" name="Text Placeholder 2"/>
+              <a:rPr lang="en-US" dirty="0"/>
+              <a:t>Session Tracking Example</a:t>
+            </a:r>
+          </a:p>
+        </p:txBody>
+      </p:sp>
+      <p:sp>
+        <p:nvSpPr>
+          <p:cNvPr id="3" name="Content Placeholder 2"/>
           <p:cNvSpPr>
             <a:spLocks noGrp="1"/>
           </p:cNvSpPr>
@@ -17976,135 +17996,263 @@
             <p:ph idx="1"/>
           </p:nvPr>
         </p:nvSpPr>
-        <p:spPr/>
+        <p:spPr>
+          <a:xfrm>
+            <a:off x="685800" y="1219200"/>
+            <a:ext cx="7848600" cy="4114800"/>
+          </a:xfrm>
+        </p:spPr>
         <p:txBody>
           <a:bodyPr>
             <a:normAutofit/>
           </a:bodyPr>
           <a:lstStyle/>
           <a:p>
-            <a:pPr lvl="0"/>
-            <a:r>
-              <a:rPr lang="en-US" dirty="0"/>
-              <a:t>To delete a session, start with the </a:t>
-            </a:r>
-            <a:r>
-              <a:rPr lang="en-US" dirty="0" err="1">
-                <a:latin typeface="Courier New"/>
-                <a:cs typeface="Courier New"/>
-              </a:rPr>
-              <a:t>session_start</a:t>
-            </a:r>
-            <a:r>
-              <a:rPr lang="en-US" dirty="0"/>
-              <a:t>() function</a:t>
-            </a:r>
-          </a:p>
-          <a:p>
-            <a:pPr lvl="0"/>
-            <a:endParaRPr lang="en-US" dirty="0"/>
-          </a:p>
-          <a:p>
-            <a:pPr lvl="0"/>
-            <a:r>
-              <a:rPr lang="en-US" dirty="0"/>
-              <a:t>Then delete the session variables by </a:t>
-            </a:r>
-            <a:r>
-              <a:rPr lang="en-US" dirty="0">
-                <a:solidFill>
-                  <a:srgbClr val="7030A0"/>
-                </a:solidFill>
-              </a:rPr>
-              <a:t>unsetting</a:t>
-            </a:r>
-            <a:r>
-              <a:rPr lang="en-US" dirty="0"/>
-              <a:t> the </a:t>
-            </a:r>
-            <a:r>
-              <a:rPr lang="en-US" dirty="0">
-                <a:latin typeface="Courier New"/>
-                <a:cs typeface="Courier New"/>
-              </a:rPr>
-              <a:t>$_SESSION </a:t>
-            </a:r>
-            <a:r>
-              <a:rPr lang="en-US" dirty="0"/>
-              <a:t>array, e.g.:</a:t>
-            </a:r>
-          </a:p>
-          <a:p>
-            <a:pPr marL="457200" lvl="1" indent="0">
+            <a:pPr marL="0" lvl="1" indent="0">
+              <a:spcBef>
+                <a:spcPts val="0"/>
+              </a:spcBef>
+              <a:buClr>
+                <a:schemeClr val="accent1"/>
+              </a:buClr>
+              <a:buSzPct val="80000"/>
               <a:buNone/>
             </a:pPr>
             <a:r>
-              <a:rPr lang="en-US" sz="2200" dirty="0" err="1">
-                <a:latin typeface="Courier New"/>
-                <a:cs typeface="Courier New"/>
-              </a:rPr>
-              <a:t>unset($_SESSION</a:t>
-            </a:r>
-            <a:r>
-              <a:rPr lang="en-US" sz="2200" dirty="0">
-                <a:latin typeface="Courier New"/>
-                <a:cs typeface="Courier New"/>
-              </a:rPr>
-              <a:t>)</a:t>
-            </a:r>
-            <a:r>
-              <a:rPr lang="en-US" sz="2200" dirty="0"/>
-              <a:t>;</a:t>
-            </a:r>
-          </a:p>
-          <a:p>
-            <a:pPr lvl="0"/>
-            <a:endParaRPr lang="en-US" dirty="0"/>
-          </a:p>
-          <a:p>
-            <a:pPr lvl="0"/>
-            <a:r>
-              <a:rPr lang="en-US" dirty="0"/>
-              <a:t>Then </a:t>
-            </a:r>
-            <a:r>
-              <a:rPr lang="en-US" dirty="0">
-                <a:solidFill>
-                  <a:srgbClr val="7030A0"/>
-                </a:solidFill>
-              </a:rPr>
-              <a:t>remove the session data </a:t>
-            </a:r>
-            <a:r>
-              <a:rPr lang="en-US" dirty="0"/>
-              <a:t>from the server, e.g.:</a:t>
-            </a:r>
-          </a:p>
-          <a:p>
-            <a:pPr marL="457200" lvl="1" indent="0">
+              <a:rPr lang="en-US" dirty="0"/>
+              <a:t>Example using sessions - counting number of pages visited</a:t>
+            </a:r>
+            <a:r>
+              <a:rPr lang="en-US" sz="2000" dirty="0"/>
+              <a:t>    </a:t>
+            </a:r>
+          </a:p>
+          <a:p>
+            <a:pPr marL="0" lvl="1" indent="0">
+              <a:spcBef>
+                <a:spcPts val="0"/>
+              </a:spcBef>
+              <a:buClr>
+                <a:schemeClr val="accent1"/>
+              </a:buClr>
+              <a:buSzPct val="80000"/>
               <a:buNone/>
             </a:pPr>
-            <a:r>
-              <a:rPr lang="en-US" sz="2200" dirty="0" err="1">
-                <a:latin typeface="Courier New"/>
-                <a:cs typeface="Courier New"/>
-              </a:rPr>
-              <a:t>session_destroy</a:t>
-            </a:r>
-            <a:r>
-              <a:rPr lang="en-US" sz="2200" dirty="0">
-                <a:latin typeface="Courier New"/>
-                <a:cs typeface="Courier New"/>
+            <a:endParaRPr lang="en-US" dirty="0">
+              <a:latin typeface="Courier New" pitchFamily="49" charset="0"/>
+            </a:endParaRPr>
+          </a:p>
+          <a:p>
+            <a:pPr marL="0" lvl="1" indent="0">
+              <a:spcBef>
+                <a:spcPts val="0"/>
+              </a:spcBef>
+              <a:buClr>
+                <a:schemeClr val="accent1"/>
+              </a:buClr>
+              <a:buSzPct val="80000"/>
+              <a:buNone/>
+            </a:pPr>
+            <a:r>
+              <a:rPr lang="en-US" dirty="0" err="1">
+                <a:latin typeface="Courier New" pitchFamily="49" charset="0"/>
+              </a:rPr>
+              <a:t>session_start</a:t>
+            </a:r>
+            <a:r>
+              <a:rPr lang="en-US" dirty="0">
+                <a:latin typeface="Courier New" pitchFamily="49" charset="0"/>
               </a:rPr>
               <a:t>();</a:t>
             </a:r>
+          </a:p>
+          <a:p>
+            <a:pPr marL="0" lvl="1" indent="0">
+              <a:spcBef>
+                <a:spcPts val="0"/>
+              </a:spcBef>
+              <a:buClr>
+                <a:schemeClr val="accent1"/>
+              </a:buClr>
+              <a:buSzPct val="80000"/>
+              <a:buNone/>
+            </a:pPr>
+            <a:r>
+              <a:rPr lang="en-US" dirty="0">
+                <a:latin typeface="Courier New" pitchFamily="49" charset="0"/>
+              </a:rPr>
+              <a:t>if (!</a:t>
+            </a:r>
+            <a:r>
+              <a:rPr lang="en-US" dirty="0" err="1">
+                <a:latin typeface="Courier New" pitchFamily="49" charset="0"/>
+              </a:rPr>
+              <a:t>isset</a:t>
+            </a:r>
+            <a:r>
+              <a:rPr lang="en-US" dirty="0">
+                <a:latin typeface="Courier New" pitchFamily="49" charset="0"/>
+              </a:rPr>
+              <a:t>($_SESSION['count'])) {</a:t>
+            </a:r>
+          </a:p>
+          <a:p>
+            <a:pPr marL="0" lvl="1" indent="0">
+              <a:spcBef>
+                <a:spcPts val="0"/>
+              </a:spcBef>
+              <a:buClr>
+                <a:schemeClr val="accent1"/>
+              </a:buClr>
+              <a:buSzPct val="80000"/>
+              <a:buNone/>
+            </a:pPr>
+            <a:r>
+              <a:rPr lang="en-US" dirty="0">
+                <a:latin typeface="Courier New" pitchFamily="49" charset="0"/>
+              </a:rPr>
+              <a:t>  $_SESSION['count'] = 0;</a:t>
+            </a:r>
+          </a:p>
+          <a:p>
+            <a:pPr marL="0" lvl="1" indent="0">
+              <a:spcBef>
+                <a:spcPts val="0"/>
+              </a:spcBef>
+              <a:buClr>
+                <a:schemeClr val="accent1"/>
+              </a:buClr>
+              <a:buSzPct val="80000"/>
+              <a:buNone/>
+            </a:pPr>
+            <a:r>
+              <a:rPr lang="en-US" dirty="0">
+                <a:latin typeface="Courier New" pitchFamily="49" charset="0"/>
+              </a:rPr>
+              <a:t>} else {</a:t>
+            </a:r>
+          </a:p>
+          <a:p>
+            <a:pPr marL="0" lvl="1" indent="0">
+              <a:spcBef>
+                <a:spcPts val="0"/>
+              </a:spcBef>
+              <a:buClr>
+                <a:schemeClr val="accent1"/>
+              </a:buClr>
+              <a:buSzPct val="80000"/>
+              <a:buNone/>
+            </a:pPr>
+            <a:r>
+              <a:rPr lang="en-US" dirty="0">
+                <a:latin typeface="Courier New" pitchFamily="49" charset="0"/>
+              </a:rPr>
+              <a:t>  $_SESSION['count']++;</a:t>
+            </a:r>
+          </a:p>
+          <a:p>
+            <a:pPr marL="0" lvl="1" indent="0">
+              <a:spcBef>
+                <a:spcPts val="0"/>
+              </a:spcBef>
+              <a:buClr>
+                <a:schemeClr val="accent1"/>
+              </a:buClr>
+              <a:buSzPct val="80000"/>
+              <a:buNone/>
+            </a:pPr>
+            <a:r>
+              <a:rPr lang="en-US" dirty="0">
+                <a:latin typeface="Courier New" pitchFamily="49" charset="0"/>
+              </a:rPr>
+              <a:t>}</a:t>
+            </a:r>
+          </a:p>
+          <a:p>
+            <a:pPr marL="0" lvl="1" indent="0">
+              <a:spcBef>
+                <a:spcPts val="0"/>
+              </a:spcBef>
+              <a:buClr>
+                <a:schemeClr val="accent1"/>
+              </a:buClr>
+              <a:buSzPct val="80000"/>
+              <a:buNone/>
+            </a:pPr>
+            <a:r>
+              <a:rPr lang="en-US" dirty="0">
+                <a:latin typeface="Courier New" pitchFamily="49" charset="0"/>
+              </a:rPr>
+              <a:t>$count = $_SESSION['count'];</a:t>
+            </a:r>
+          </a:p>
+          <a:p>
+            <a:pPr marL="0" lvl="1" indent="0">
+              <a:spcBef>
+                <a:spcPts val="0"/>
+              </a:spcBef>
+              <a:buClr>
+                <a:schemeClr val="accent1"/>
+              </a:buClr>
+              <a:buSzPct val="80000"/>
+              <a:buNone/>
+            </a:pPr>
+            <a:r>
+              <a:rPr lang="en-US" dirty="0">
+                <a:latin typeface="Courier New" pitchFamily="49" charset="0"/>
+              </a:rPr>
+              <a:t>echo "Visited $count times&lt;</a:t>
+            </a:r>
+            <a:r>
+              <a:rPr lang="en-US" dirty="0" err="1">
+                <a:latin typeface="Courier New" pitchFamily="49" charset="0"/>
+              </a:rPr>
+              <a:t>br</a:t>
+            </a:r>
+            <a:r>
+              <a:rPr lang="en-US" dirty="0">
+                <a:latin typeface="Courier New" pitchFamily="49" charset="0"/>
+              </a:rPr>
+              <a:t>&gt;";</a:t>
+            </a:r>
+            <a:endParaRPr lang="en-US" dirty="0"/>
+          </a:p>
+          <a:p>
+            <a:endParaRPr lang="en-US" dirty="0"/>
+          </a:p>
+          <a:p>
+            <a:endParaRPr lang="en-US" dirty="0"/>
+          </a:p>
+        </p:txBody>
+      </p:sp>
+      <p:sp>
+        <p:nvSpPr>
+          <p:cNvPr id="4" name="Slide Number Placeholder 3"/>
+          <p:cNvSpPr>
+            <a:spLocks noGrp="1"/>
+          </p:cNvSpPr>
+          <p:nvPr>
+            <p:ph type="sldNum" sz="quarter" idx="12"/>
+          </p:nvPr>
+        </p:nvSpPr>
+        <p:spPr/>
+        <p:txBody>
+          <a:bodyPr/>
+          <a:lstStyle/>
+          <a:p>
+            <a:fld id="{9648F39E-9C37-485F-AC97-16BB4BDF9F49}" type="slidenum">
+              <a:rPr kumimoji="0" lang="en-US" smtClean="0"/>
+              <a:pPr/>
+              <a:t>131</a:t>
+            </a:fld>
+            <a:endParaRPr kumimoji="0" lang="en-US"/>
           </a:p>
         </p:txBody>
       </p:sp>
     </p:spTree>
     <p:extLst>
       <p:ext uri="{BB962C8B-B14F-4D97-AF65-F5344CB8AC3E}">
-        <p14:creationId xmlns:p14="http://schemas.microsoft.com/office/powerpoint/2010/main" val="4025349186"/>
+        <p14:creationId xmlns:p14="http://schemas.microsoft.com/office/powerpoint/2010/main" val="1209559957"/>
       </p:ext>
     </p:extLst>
   </p:cSld>
@@ -18148,7 +18296,7 @@
           <a:p>
             <a:r>
               <a:rPr lang="en-US"/>
-              <a:t>Other session functions</a:t>
+              <a:t>Deleting a session</a:t>
             </a:r>
           </a:p>
         </p:txBody>
@@ -18165,13 +18313,26 @@
         </p:nvSpPr>
         <p:spPr/>
         <p:txBody>
-          <a:bodyPr/>
+          <a:bodyPr>
+            <a:normAutofit/>
+          </a:bodyPr>
           <a:lstStyle/>
           <a:p>
             <a:pPr lvl="0"/>
             <a:r>
               <a:rPr lang="en-US" dirty="0"/>
-              <a:t>Some other useful functions:</a:t>
+              <a:t>To delete a session, start with the </a:t>
+            </a:r>
+            <a:r>
+              <a:rPr lang="en-US" dirty="0" err="1">
+                <a:latin typeface="Courier New"/>
+                <a:cs typeface="Courier New"/>
+              </a:rPr>
+              <a:t>session_start</a:t>
+            </a:r>
+            <a:r>
+              <a:rPr lang="en-US" dirty="0"/>
+              <a:t>() function</a:t>
             </a:r>
           </a:p>
           <a:p>
@@ -18179,76 +18340,98 @@
             <a:endParaRPr lang="en-US" dirty="0"/>
           </a:p>
           <a:p>
-            <a:pPr marL="342900" lvl="0" indent="-342900">
-              <a:buFont typeface="Arial" panose="020B0604020202020204" pitchFamily="34" charset="0"/>
-              <a:buChar char="•"/>
-            </a:pPr>
-            <a:r>
-              <a:rPr lang="en-US" sz="2000" dirty="0"/>
-              <a:t>Function </a:t>
-            </a:r>
-            <a:r>
-              <a:rPr lang="en-US" sz="2000" b="1" dirty="0" err="1">
+            <a:pPr lvl="0"/>
+            <a:r>
+              <a:rPr lang="en-US" dirty="0"/>
+              <a:t>Then delete the session variables by </a:t>
+            </a:r>
+            <a:r>
+              <a:rPr lang="en-US" dirty="0">
                 <a:solidFill>
-                  <a:srgbClr val="FF0000"/>
+                  <a:srgbClr val="7030A0"/>
                 </a:solidFill>
+              </a:rPr>
+              <a:t>unsetting</a:t>
+            </a:r>
+            <a:r>
+              <a:rPr lang="en-US" dirty="0"/>
+              <a:t> the </a:t>
+            </a:r>
+            <a:r>
+              <a:rPr lang="en-US" dirty="0">
                 <a:latin typeface="Courier New"/>
                 <a:cs typeface="Courier New"/>
               </a:rPr>
-              <a:t>session_is_registered</a:t>
-            </a:r>
-            <a:r>
-              <a:rPr lang="en-US" sz="2000" dirty="0">
-                <a:solidFill>
-                  <a:srgbClr val="FF0000"/>
-                </a:solidFill>
-              </a:rPr>
-              <a:t> </a:t>
-            </a:r>
-            <a:r>
-              <a:rPr lang="en-US" sz="2000" dirty="0"/>
-              <a:t>returns true if the given variable is registered</a:t>
-            </a:r>
-          </a:p>
-          <a:p>
-            <a:pPr marL="342900" lvl="0" indent="-342900">
-              <a:buFont typeface="Arial" panose="020B0604020202020204" pitchFamily="34" charset="0"/>
-              <a:buChar char="•"/>
+              <a:t>$_SESSION </a:t>
+            </a:r>
+            <a:r>
+              <a:rPr lang="en-US" dirty="0"/>
+              <a:t>array, e.g.:</a:t>
+            </a:r>
+          </a:p>
+          <a:p>
+            <a:pPr marL="457200" lvl="1" indent="0">
+              <a:buNone/>
             </a:pPr>
-            <a:endParaRPr lang="en-US" sz="2000" dirty="0"/>
-          </a:p>
-          <a:p>
-            <a:pPr marL="342900" lvl="0" indent="-342900">
-              <a:buFont typeface="Arial" panose="020B0604020202020204" pitchFamily="34" charset="0"/>
-              <a:buChar char="•"/>
-            </a:pPr>
-            <a:r>
-              <a:rPr lang="en-US" sz="2000" dirty="0"/>
-              <a:t>Function </a:t>
-            </a:r>
-            <a:r>
-              <a:rPr lang="en-US" sz="2000" b="1" dirty="0" err="1">
-                <a:solidFill>
-                  <a:srgbClr val="FF0000"/>
-                </a:solidFill>
+            <a:r>
+              <a:rPr lang="en-US" sz="2200" dirty="0" err="1">
                 <a:latin typeface="Courier New"/>
                 <a:cs typeface="Courier New"/>
               </a:rPr>
-              <a:t>session_id</a:t>
-            </a:r>
-            <a:r>
-              <a:rPr lang="en-US" sz="2000" b="1" dirty="0">
-                <a:solidFill>
-                  <a:srgbClr val="FF0000"/>
-                </a:solidFill>
+              <a:t>unset($_SESSION</a:t>
+            </a:r>
+            <a:r>
+              <a:rPr lang="en-US" sz="2200" dirty="0">
                 <a:latin typeface="Courier New"/>
                 <a:cs typeface="Courier New"/>
               </a:rPr>
-              <a:t>() </a:t>
-            </a:r>
-            <a:r>
-              <a:rPr lang="en-US" sz="2000" dirty="0"/>
-              <a:t>returns the current session ID.</a:t>
+              <a:t>)</a:t>
+            </a:r>
+            <a:r>
+              <a:rPr lang="en-US" sz="2200" dirty="0"/>
+              <a:t>;</a:t>
+            </a:r>
+          </a:p>
+          <a:p>
+            <a:pPr lvl="0"/>
+            <a:endParaRPr lang="en-US" dirty="0"/>
+          </a:p>
+          <a:p>
+            <a:pPr lvl="0"/>
+            <a:r>
+              <a:rPr lang="en-US" dirty="0"/>
+              <a:t>Then </a:t>
+            </a:r>
+            <a:r>
+              <a:rPr lang="en-US" dirty="0">
+                <a:solidFill>
+                  <a:srgbClr val="7030A0"/>
+                </a:solidFill>
+              </a:rPr>
+              <a:t>remove the session data </a:t>
+            </a:r>
+            <a:r>
+              <a:rPr lang="en-US" dirty="0"/>
+              <a:t>from the server, e.g.:</a:t>
+            </a:r>
+          </a:p>
+          <a:p>
+            <a:pPr marL="457200" lvl="1" indent="0">
+              <a:buNone/>
+            </a:pPr>
+            <a:r>
+              <a:rPr lang="en-US" sz="2200" dirty="0" err="1">
+                <a:latin typeface="Courier New"/>
+                <a:cs typeface="Courier New"/>
+              </a:rPr>
+              <a:t>session_destroy</a:t>
+            </a:r>
+            <a:r>
+              <a:rPr lang="en-US" sz="2200" dirty="0">
+                <a:latin typeface="Courier New"/>
+                <a:cs typeface="Courier New"/>
+              </a:rPr>
+              <a:t>();</a:t>
             </a:r>
           </a:p>
         </p:txBody>
@@ -18256,7 +18439,7 @@
     </p:spTree>
     <p:extLst>
       <p:ext uri="{BB962C8B-B14F-4D97-AF65-F5344CB8AC3E}">
-        <p14:creationId xmlns:p14="http://schemas.microsoft.com/office/powerpoint/2010/main" val="3881024030"/>
+        <p14:creationId xmlns:p14="http://schemas.microsoft.com/office/powerpoint/2010/main" val="4025349186"/>
       </p:ext>
     </p:extLst>
   </p:cSld>
@@ -18300,7 +18483,7 @@
           <a:p>
             <a:r>
               <a:rPr lang="en-US"/>
-              <a:t>Session life</a:t>
+              <a:t>Other session functions</a:t>
             </a:r>
           </a:p>
         </p:txBody>
@@ -18317,19 +18500,13 @@
         </p:nvSpPr>
         <p:spPr/>
         <p:txBody>
-          <a:bodyPr>
-            <a:normAutofit/>
-          </a:bodyPr>
+          <a:bodyPr/>
           <a:lstStyle/>
           <a:p>
             <a:pPr lvl="0"/>
             <a:r>
               <a:rPr lang="en-US" dirty="0"/>
-              <a:t>By default </a:t>
-            </a:r>
-            <a:r>
-              <a:rPr lang="en-US" b="1" dirty="0"/>
-              <a:t>PHP session ID cookies expire when the browser closes</a:t>
+              <a:t>Some other useful functions:</a:t>
             </a:r>
           </a:p>
           <a:p>
@@ -18337,49 +18514,84 @@
             <a:endParaRPr lang="en-US" dirty="0"/>
           </a:p>
           <a:p>
-            <a:pPr lvl="0"/>
-            <a:r>
-              <a:rPr lang="en-US" dirty="0">
+            <a:pPr marL="342900" lvl="0" indent="-342900">
+              <a:buFont typeface="Arial" panose="020B0604020202020204" pitchFamily="34" charset="0"/>
+              <a:buChar char="•"/>
+            </a:pPr>
+            <a:r>
+              <a:rPr lang="en-US" sz="2000" dirty="0"/>
+              <a:t>Function </a:t>
+            </a:r>
+            <a:r>
+              <a:rPr lang="en-US" sz="2000" b="1" dirty="0" err="1">
                 <a:solidFill>
-                  <a:srgbClr val="C00000"/>
+                  <a:srgbClr val="FF0000"/>
                 </a:solidFill>
-              </a:rPr>
-              <a:t>Sessions don't persist after the browser ceases to exist</a:t>
-            </a:r>
-          </a:p>
-          <a:p>
-            <a:pPr lvl="0"/>
-            <a:endParaRPr lang="en-US" dirty="0"/>
-          </a:p>
-          <a:p>
-            <a:pPr lvl="0"/>
-            <a:r>
-              <a:rPr lang="en-US" dirty="0"/>
-              <a:t>You </a:t>
-            </a:r>
-            <a:r>
-              <a:rPr lang="en-US" dirty="0">
+                <a:latin typeface="Courier New"/>
+                <a:cs typeface="Courier New"/>
+              </a:rPr>
+              <a:t>session_is_registered</a:t>
+            </a:r>
+            <a:r>
+              <a:rPr lang="en-US" sz="2000" dirty="0">
                 <a:solidFill>
-                  <a:srgbClr val="7030A0"/>
+                  <a:srgbClr val="FF0000"/>
                 </a:solidFill>
               </a:rPr>
-              <a:t>can use cookies </a:t>
-            </a:r>
-            <a:r>
-              <a:rPr lang="en-US" dirty="0"/>
-              <a:t>to allow some session information to persist after the browser is closed</a:t>
-            </a:r>
-          </a:p>
-          <a:p>
-            <a:pPr lvl="0"/>
-            <a:endParaRPr lang="en-US" dirty="0"/>
+              <a:t> </a:t>
+            </a:r>
+            <a:r>
+              <a:rPr lang="en-US" sz="2000" dirty="0"/>
+              <a:t>returns true if the given variable is registered</a:t>
+            </a:r>
+          </a:p>
+          <a:p>
+            <a:pPr marL="342900" lvl="0" indent="-342900">
+              <a:buFont typeface="Arial" panose="020B0604020202020204" pitchFamily="34" charset="0"/>
+              <a:buChar char="•"/>
+            </a:pPr>
+            <a:endParaRPr lang="en-US" sz="2000" dirty="0"/>
+          </a:p>
+          <a:p>
+            <a:pPr marL="342900" lvl="0" indent="-342900">
+              <a:buFont typeface="Arial" panose="020B0604020202020204" pitchFamily="34" charset="0"/>
+              <a:buChar char="•"/>
+            </a:pPr>
+            <a:r>
+              <a:rPr lang="en-US" sz="2000" dirty="0"/>
+              <a:t>Function </a:t>
+            </a:r>
+            <a:r>
+              <a:rPr lang="en-US" sz="2000" b="1" dirty="0" err="1">
+                <a:solidFill>
+                  <a:srgbClr val="FF0000"/>
+                </a:solidFill>
+                <a:latin typeface="Courier New"/>
+                <a:cs typeface="Courier New"/>
+              </a:rPr>
+              <a:t>session_id</a:t>
+            </a:r>
+            <a:r>
+              <a:rPr lang="en-US" sz="2000" b="1" dirty="0">
+                <a:solidFill>
+                  <a:srgbClr val="FF0000"/>
+                </a:solidFill>
+                <a:latin typeface="Courier New"/>
+                <a:cs typeface="Courier New"/>
+              </a:rPr>
+              <a:t>() </a:t>
+            </a:r>
+            <a:r>
+              <a:rPr lang="en-US" sz="2000" dirty="0"/>
+              <a:t>returns the current session ID.</a:t>
+            </a:r>
           </a:p>
         </p:txBody>
       </p:sp>
     </p:spTree>
     <p:extLst>
       <p:ext uri="{BB962C8B-B14F-4D97-AF65-F5344CB8AC3E}">
-        <p14:creationId xmlns:p14="http://schemas.microsoft.com/office/powerpoint/2010/main" val="2053616144"/>
+        <p14:creationId xmlns:p14="http://schemas.microsoft.com/office/powerpoint/2010/main" val="3881024030"/>
       </p:ext>
     </p:extLst>
   </p:cSld>
@@ -18423,7 +18635,7 @@
           <a:p>
             <a:r>
               <a:rPr lang="en-US"/>
-              <a:t>Benefits of sessions over cookies</a:t>
+              <a:t>Session life</a:t>
             </a:r>
           </a:p>
         </p:txBody>
@@ -18445,75 +18657,64 @@
           </a:bodyPr>
           <a:lstStyle/>
           <a:p>
-            <a:pPr marL="342900" lvl="0" indent="-342900">
-              <a:buFont typeface="Arial" panose="020B0604020202020204" pitchFamily="34" charset="0"/>
-              <a:buChar char="•"/>
-            </a:pPr>
-            <a:r>
-              <a:rPr lang="en-US" b="1" dirty="0">
+            <a:pPr lvl="0"/>
+            <a:r>
+              <a:rPr lang="en-US" dirty="0"/>
+              <a:t>By default </a:t>
+            </a:r>
+            <a:r>
+              <a:rPr lang="en-US" b="1" dirty="0"/>
+              <a:t>PHP session ID cookies expire when the browser closes</a:t>
+            </a:r>
+          </a:p>
+          <a:p>
+            <a:pPr lvl="0"/>
+            <a:endParaRPr lang="en-US" dirty="0"/>
+          </a:p>
+          <a:p>
+            <a:pPr lvl="0"/>
+            <a:r>
+              <a:rPr lang="en-US" dirty="0">
                 <a:solidFill>
                   <a:srgbClr val="C00000"/>
                 </a:solidFill>
               </a:rPr>
-              <a:t>Session are generally more secure </a:t>
-            </a:r>
-            <a:r>
-              <a:rPr lang="en-US" dirty="0"/>
-              <a:t>because the data isn't repeatedly transmitted back and forth between the client and the server</a:t>
-            </a:r>
-          </a:p>
-          <a:p>
-            <a:pPr marL="342900" lvl="0" indent="-342900">
-              <a:buFont typeface="Arial" panose="020B0604020202020204" pitchFamily="34" charset="0"/>
-              <a:buChar char="•"/>
-            </a:pPr>
+              <a:t>Sessions don't persist after the browser ceases to exist</a:t>
+            </a:r>
+          </a:p>
+          <a:p>
+            <a:pPr lvl="0"/>
             <a:endParaRPr lang="en-US" dirty="0"/>
           </a:p>
           <a:p>
-            <a:pPr marL="342900" lvl="0" indent="-342900">
-              <a:buFont typeface="Arial" panose="020B0604020202020204" pitchFamily="34" charset="0"/>
-              <a:buChar char="•"/>
-            </a:pPr>
-            <a:r>
-              <a:rPr lang="en-US" b="1" dirty="0">
+            <a:pPr lvl="0"/>
+            <a:r>
+              <a:rPr lang="en-US" dirty="0"/>
+              <a:t>You </a:t>
+            </a:r>
+            <a:r>
+              <a:rPr lang="en-US" dirty="0">
                 <a:solidFill>
-                  <a:srgbClr val="C00000"/>
+                  <a:srgbClr val="7030A0"/>
                 </a:solidFill>
               </a:rPr>
-              <a:t>Sessions let you store more information </a:t>
-            </a:r>
-            <a:r>
-              <a:rPr lang="en-US" dirty="0"/>
-              <a:t>than you can in a cookie</a:t>
-            </a:r>
-          </a:p>
-          <a:p>
-            <a:pPr marL="342900" lvl="0" indent="-342900">
-              <a:buFont typeface="Arial" panose="020B0604020202020204" pitchFamily="34" charset="0"/>
-              <a:buChar char="•"/>
-            </a:pPr>
+              <a:t>can use cookies </a:t>
+            </a:r>
+            <a:r>
+              <a:rPr lang="en-US" dirty="0"/>
+              <a:t>to allow some session information to persist after the browser is closed</a:t>
+            </a:r>
+          </a:p>
+          <a:p>
+            <a:pPr lvl="0"/>
             <a:endParaRPr lang="en-US" dirty="0"/>
-          </a:p>
-          <a:p>
-            <a:pPr marL="342900" lvl="0" indent="-342900">
-              <a:buFont typeface="Arial" panose="020B0604020202020204" pitchFamily="34" charset="0"/>
-              <a:buChar char="•"/>
-            </a:pPr>
-            <a:r>
-              <a:rPr lang="en-US" b="1" dirty="0">
-                <a:solidFill>
-                  <a:srgbClr val="C00000"/>
-                </a:solidFill>
-              </a:rPr>
-              <a:t>Session can be made to work even if the user doesn't accept cookies in their browser</a:t>
-            </a:r>
           </a:p>
         </p:txBody>
       </p:sp>
     </p:spTree>
     <p:extLst>
       <p:ext uri="{BB962C8B-B14F-4D97-AF65-F5344CB8AC3E}">
-        <p14:creationId xmlns:p14="http://schemas.microsoft.com/office/powerpoint/2010/main" val="232706638"/>
+        <p14:creationId xmlns:p14="http://schemas.microsoft.com/office/powerpoint/2010/main" val="2053616144"/>
       </p:ext>
     </p:extLst>
   </p:cSld>
@@ -18557,7 +18758,7 @@
           <a:p>
             <a:r>
               <a:rPr lang="en-US"/>
-              <a:t>Benefits of cookies over sessions</a:t>
+              <a:t>Benefits of sessions over cookies</a:t>
             </a:r>
           </a:p>
         </p:txBody>
@@ -18574,7 +18775,9 @@
         </p:nvSpPr>
         <p:spPr/>
         <p:txBody>
-          <a:bodyPr/>
+          <a:bodyPr>
+            <a:normAutofit/>
+          </a:bodyPr>
           <a:lstStyle/>
           <a:p>
             <a:pPr marL="342900" lvl="0" indent="-342900">
@@ -18582,16 +18785,16 @@
               <a:buChar char="•"/>
             </a:pPr>
             <a:r>
-              <a:rPr lang="en-US" dirty="0"/>
-              <a:t>Marginally </a:t>
-            </a:r>
-            <a:r>
               <a:rPr lang="en-US" b="1" dirty="0">
                 <a:solidFill>
                   <a:srgbClr val="C00000"/>
                 </a:solidFill>
               </a:rPr>
-              <a:t>easier to create and retrieve</a:t>
+              <a:t>Session are generally more secure </a:t>
+            </a:r>
+            <a:r>
+              <a:rPr lang="en-US" dirty="0"/>
+              <a:t>because the data isn't repeatedly transmitted back and forth between the client and the server</a:t>
             </a:r>
           </a:p>
           <a:p>
@@ -18607,16 +18810,16 @@
               <a:buChar char="•"/>
             </a:pPr>
             <a:r>
-              <a:rPr lang="en-US" dirty="0"/>
-              <a:t>Require slightly </a:t>
-            </a:r>
-            <a:r>
               <a:rPr lang="en-US" b="1" dirty="0">
                 <a:solidFill>
                   <a:srgbClr val="C00000"/>
                 </a:solidFill>
               </a:rPr>
-              <a:t>less work from the server</a:t>
+              <a:t>Sessions let you store more information </a:t>
+            </a:r>
+            <a:r>
+              <a:rPr lang="en-US" dirty="0"/>
+              <a:t>than you can in a cookie</a:t>
             </a:r>
           </a:p>
           <a:p>
@@ -18632,16 +18835,12 @@
               <a:buChar char="•"/>
             </a:pPr>
             <a:r>
-              <a:rPr lang="en-US" dirty="0"/>
-              <a:t>Normally </a:t>
-            </a:r>
-            <a:r>
               <a:rPr lang="en-US" b="1" dirty="0">
                 <a:solidFill>
                   <a:srgbClr val="C00000"/>
                 </a:solidFill>
               </a:rPr>
-              <a:t>persist over a longer period of time</a:t>
+              <a:t>Session can be made to work even if the user doesn't accept cookies in their browser</a:t>
             </a:r>
           </a:p>
         </p:txBody>
@@ -18649,7 +18848,7 @@
     </p:spTree>
     <p:extLst>
       <p:ext uri="{BB962C8B-B14F-4D97-AF65-F5344CB8AC3E}">
-        <p14:creationId xmlns:p14="http://schemas.microsoft.com/office/powerpoint/2010/main" val="2488964637"/>
+        <p14:creationId xmlns:p14="http://schemas.microsoft.com/office/powerpoint/2010/main" val="232706638"/>
       </p:ext>
     </p:extLst>
   </p:cSld>
@@ -18693,6 +18892,142 @@
           <a:p>
             <a:r>
               <a:rPr lang="en-US"/>
+              <a:t>Benefits of cookies over sessions</a:t>
+            </a:r>
+          </a:p>
+        </p:txBody>
+      </p:sp>
+      <p:sp>
+        <p:nvSpPr>
+          <p:cNvPr id="3" name="Text Placeholder 2"/>
+          <p:cNvSpPr>
+            <a:spLocks noGrp="1"/>
+          </p:cNvSpPr>
+          <p:nvPr>
+            <p:ph idx="1"/>
+          </p:nvPr>
+        </p:nvSpPr>
+        <p:spPr/>
+        <p:txBody>
+          <a:bodyPr/>
+          <a:lstStyle/>
+          <a:p>
+            <a:pPr marL="342900" lvl="0" indent="-342900">
+              <a:buFont typeface="Arial" panose="020B0604020202020204" pitchFamily="34" charset="0"/>
+              <a:buChar char="•"/>
+            </a:pPr>
+            <a:r>
+              <a:rPr lang="en-US" dirty="0"/>
+              <a:t>Marginally </a:t>
+            </a:r>
+            <a:r>
+              <a:rPr lang="en-US" b="1" dirty="0">
+                <a:solidFill>
+                  <a:srgbClr val="C00000"/>
+                </a:solidFill>
+              </a:rPr>
+              <a:t>easier to create and retrieve</a:t>
+            </a:r>
+          </a:p>
+          <a:p>
+            <a:pPr marL="342900" lvl="0" indent="-342900">
+              <a:buFont typeface="Arial" panose="020B0604020202020204" pitchFamily="34" charset="0"/>
+              <a:buChar char="•"/>
+            </a:pPr>
+            <a:endParaRPr lang="en-US" dirty="0"/>
+          </a:p>
+          <a:p>
+            <a:pPr marL="342900" lvl="0" indent="-342900">
+              <a:buFont typeface="Arial" panose="020B0604020202020204" pitchFamily="34" charset="0"/>
+              <a:buChar char="•"/>
+            </a:pPr>
+            <a:r>
+              <a:rPr lang="en-US" dirty="0"/>
+              <a:t>Require slightly </a:t>
+            </a:r>
+            <a:r>
+              <a:rPr lang="en-US" b="1" dirty="0">
+                <a:solidFill>
+                  <a:srgbClr val="C00000"/>
+                </a:solidFill>
+              </a:rPr>
+              <a:t>less work from the server</a:t>
+            </a:r>
+          </a:p>
+          <a:p>
+            <a:pPr marL="342900" lvl="0" indent="-342900">
+              <a:buFont typeface="Arial" panose="020B0604020202020204" pitchFamily="34" charset="0"/>
+              <a:buChar char="•"/>
+            </a:pPr>
+            <a:endParaRPr lang="en-US" dirty="0"/>
+          </a:p>
+          <a:p>
+            <a:pPr marL="342900" lvl="0" indent="-342900">
+              <a:buFont typeface="Arial" panose="020B0604020202020204" pitchFamily="34" charset="0"/>
+              <a:buChar char="•"/>
+            </a:pPr>
+            <a:r>
+              <a:rPr lang="en-US" dirty="0"/>
+              <a:t>Normally </a:t>
+            </a:r>
+            <a:r>
+              <a:rPr lang="en-US" b="1" dirty="0">
+                <a:solidFill>
+                  <a:srgbClr val="C00000"/>
+                </a:solidFill>
+              </a:rPr>
+              <a:t>persist over a longer period of time</a:t>
+            </a:r>
+          </a:p>
+        </p:txBody>
+      </p:sp>
+    </p:spTree>
+    <p:extLst>
+      <p:ext uri="{BB962C8B-B14F-4D97-AF65-F5344CB8AC3E}">
+        <p14:creationId xmlns:p14="http://schemas.microsoft.com/office/powerpoint/2010/main" val="2488964637"/>
+      </p:ext>
+    </p:extLst>
+  </p:cSld>
+  <p:clrMapOvr>
+    <a:masterClrMapping/>
+  </p:clrMapOvr>
+</p:sld>
+</file>
+
+<file path=ppt/slides/slide137.xml><?xml version="1.0" encoding="utf-8"?>
+<p:sld xmlns:a="http://schemas.openxmlformats.org/drawingml/2006/main" xmlns:r="http://schemas.openxmlformats.org/officeDocument/2006/relationships" xmlns:p="http://schemas.openxmlformats.org/presentationml/2006/main">
+  <p:cSld>
+    <p:spTree>
+      <p:nvGrpSpPr>
+        <p:cNvPr id="1" name=""/>
+        <p:cNvGrpSpPr/>
+        <p:nvPr/>
+      </p:nvGrpSpPr>
+      <p:grpSpPr>
+        <a:xfrm>
+          <a:off x="0" y="0"/>
+          <a:ext cx="0" cy="0"/>
+          <a:chOff x="0" y="0"/>
+          <a:chExt cx="0" cy="0"/>
+        </a:xfrm>
+      </p:grpSpPr>
+      <p:sp>
+        <p:nvSpPr>
+          <p:cNvPr id="2" name="Title 1"/>
+          <p:cNvSpPr>
+            <a:spLocks noGrp="1"/>
+          </p:cNvSpPr>
+          <p:nvPr>
+            <p:ph type="title"/>
+          </p:nvPr>
+        </p:nvSpPr>
+        <p:spPr/>
+        <p:txBody>
+          <a:bodyPr/>
+          <a:lstStyle/>
+          <a:p>
+            <a:r>
+              <a:rPr lang="en-US"/>
               <a:t>How to choose </a:t>
             </a:r>
           </a:p>
@@ -18766,7 +19101,7 @@
 </p:sld>
 </file>
 
-<file path=ppt/slides/slide137.xml><?xml version="1.0" encoding="utf-8"?>
+<file path=ppt/slides/slide138.xml><?xml version="1.0" encoding="utf-8"?>
 <p:sld xmlns:a="http://schemas.openxmlformats.org/drawingml/2006/main" xmlns:r="http://schemas.openxmlformats.org/officeDocument/2006/relationships" xmlns:p="http://schemas.openxmlformats.org/presentationml/2006/main">
   <p:cSld>
     <p:spTree>
@@ -34935,7 +35270,7 @@
           <a:p>
             <a:r>
               <a:rPr lang="en-US" sz="3600" dirty="0"/>
-              <a:t>End of Session</a:t>
+              <a:t>Start of Session</a:t>
             </a:r>
           </a:p>
         </p:txBody>

--- a/CPSC-24700/Presentations/php.pptx
+++ b/CPSC-24700/Presentations/php.pptx
@@ -350,7 +350,7 @@
           <a:p>
             <a:fld id="{82AC26F5-A2E7-4901-A403-BBD25C17198C}" type="datetimeFigureOut">
               <a:rPr lang="en-US" smtClean="0"/>
-              <a:t>11/13/2017</a:t>
+              <a:t>11/14/2017</a:t>
             </a:fld>
             <a:endParaRPr lang="en-US"/>
           </a:p>
@@ -2053,7 +2053,7 @@
           <a:p>
             <a:fld id="{FB7712AD-3B21-4FE9-B722-CF9B0200D9B9}" type="datetimeFigureOut">
               <a:rPr lang="en-US" smtClean="0"/>
-              <a:t>11/13/2017</a:t>
+              <a:t>11/14/2017</a:t>
             </a:fld>
             <a:endParaRPr lang="en-US"/>
           </a:p>
@@ -2320,7 +2320,7 @@
           <a:p>
             <a:fld id="{FB7712AD-3B21-4FE9-B722-CF9B0200D9B9}" type="datetimeFigureOut">
               <a:rPr lang="en-US" smtClean="0"/>
-              <a:t>11/13/2017</a:t>
+              <a:t>11/14/2017</a:t>
             </a:fld>
             <a:endParaRPr lang="en-US"/>
           </a:p>
@@ -2500,7 +2500,7 @@
           <a:p>
             <a:fld id="{FB7712AD-3B21-4FE9-B722-CF9B0200D9B9}" type="datetimeFigureOut">
               <a:rPr lang="en-US" smtClean="0"/>
-              <a:t>11/13/2017</a:t>
+              <a:t>11/14/2017</a:t>
             </a:fld>
             <a:endParaRPr lang="en-US"/>
           </a:p>
@@ -2690,7 +2690,7 @@
           <a:p>
             <a:fld id="{FB7712AD-3B21-4FE9-B722-CF9B0200D9B9}" type="datetimeFigureOut">
               <a:rPr lang="en-US" smtClean="0"/>
-              <a:t>11/13/2017</a:t>
+              <a:t>11/14/2017</a:t>
             </a:fld>
             <a:endParaRPr lang="en-US"/>
           </a:p>
@@ -2867,7 +2867,7 @@
             <a:fld id="{30D555C0-8D4C-4003-BBC5-FFC41295F0C2}" type="datetimeFigureOut">
               <a:rPr lang="en-US" smtClean="0"/>
               <a:pPr/>
-              <a:t>11/13/2017</a:t>
+              <a:t>11/14/2017</a:t>
             </a:fld>
             <a:endParaRPr lang="en-US"/>
           </a:p>
@@ -3076,7 +3076,7 @@
           <a:p>
             <a:fld id="{5FB62F81-FD80-4AA8-93CA-E835B40BE667}" type="datetimeFigureOut">
               <a:rPr lang="en-US" smtClean="0"/>
-              <a:t>11/13/2017</a:t>
+              <a:t>11/14/2017</a:t>
             </a:fld>
             <a:endParaRPr lang="en-US"/>
           </a:p>
@@ -3274,7 +3274,7 @@
           <a:p>
             <a:fld id="{5FB62F81-FD80-4AA8-93CA-E835B40BE667}" type="datetimeFigureOut">
               <a:rPr lang="en-US" smtClean="0"/>
-              <a:t>11/13/2017</a:t>
+              <a:t>11/14/2017</a:t>
             </a:fld>
             <a:endParaRPr lang="en-US"/>
           </a:p>
@@ -3549,7 +3549,7 @@
           <a:p>
             <a:fld id="{5FB62F81-FD80-4AA8-93CA-E835B40BE667}" type="datetimeFigureOut">
               <a:rPr lang="en-US" smtClean="0"/>
-              <a:t>11/13/2017</a:t>
+              <a:t>11/14/2017</a:t>
             </a:fld>
             <a:endParaRPr lang="en-US"/>
           </a:p>
@@ -3814,7 +3814,7 @@
           <a:p>
             <a:fld id="{5FB62F81-FD80-4AA8-93CA-E835B40BE667}" type="datetimeFigureOut">
               <a:rPr lang="en-US" smtClean="0"/>
-              <a:t>11/13/2017</a:t>
+              <a:t>11/14/2017</a:t>
             </a:fld>
             <a:endParaRPr lang="en-US"/>
           </a:p>
@@ -4226,7 +4226,7 @@
           <a:p>
             <a:fld id="{5FB62F81-FD80-4AA8-93CA-E835B40BE667}" type="datetimeFigureOut">
               <a:rPr lang="en-US" smtClean="0"/>
-              <a:t>11/13/2017</a:t>
+              <a:t>11/14/2017</a:t>
             </a:fld>
             <a:endParaRPr lang="en-US"/>
           </a:p>
@@ -4367,7 +4367,7 @@
           <a:p>
             <a:fld id="{5FB62F81-FD80-4AA8-93CA-E835B40BE667}" type="datetimeFigureOut">
               <a:rPr lang="en-US" smtClean="0"/>
-              <a:t>11/13/2017</a:t>
+              <a:t>11/14/2017</a:t>
             </a:fld>
             <a:endParaRPr lang="en-US"/>
           </a:p>
@@ -4515,7 +4515,7 @@
           <a:p>
             <a:fld id="{FB7712AD-3B21-4FE9-B722-CF9B0200D9B9}" type="datetimeFigureOut">
               <a:rPr lang="en-US" smtClean="0"/>
-              <a:t>11/13/2017</a:t>
+              <a:t>11/14/2017</a:t>
             </a:fld>
             <a:endParaRPr lang="en-US"/>
           </a:p>
@@ -4624,7 +4624,7 @@
           <a:p>
             <a:fld id="{5FB62F81-FD80-4AA8-93CA-E835B40BE667}" type="datetimeFigureOut">
               <a:rPr lang="en-US" smtClean="0"/>
-              <a:t>11/13/2017</a:t>
+              <a:t>11/14/2017</a:t>
             </a:fld>
             <a:endParaRPr lang="en-US"/>
           </a:p>
@@ -4935,7 +4935,7 @@
           <a:p>
             <a:fld id="{5FB62F81-FD80-4AA8-93CA-E835B40BE667}" type="datetimeFigureOut">
               <a:rPr lang="en-US" smtClean="0"/>
-              <a:t>11/13/2017</a:t>
+              <a:t>11/14/2017</a:t>
             </a:fld>
             <a:endParaRPr lang="en-US"/>
           </a:p>
@@ -5223,7 +5223,7 @@
           <a:p>
             <a:fld id="{5FB62F81-FD80-4AA8-93CA-E835B40BE667}" type="datetimeFigureOut">
               <a:rPr lang="en-US" smtClean="0"/>
-              <a:t>11/13/2017</a:t>
+              <a:t>11/14/2017</a:t>
             </a:fld>
             <a:endParaRPr lang="en-US"/>
           </a:p>
@@ -5421,7 +5421,7 @@
           <a:p>
             <a:fld id="{5FB62F81-FD80-4AA8-93CA-E835B40BE667}" type="datetimeFigureOut">
               <a:rPr lang="en-US" smtClean="0"/>
-              <a:t>11/13/2017</a:t>
+              <a:t>11/14/2017</a:t>
             </a:fld>
             <a:endParaRPr lang="en-US"/>
           </a:p>
@@ -5629,7 +5629,7 @@
           <a:p>
             <a:fld id="{5FB62F81-FD80-4AA8-93CA-E835B40BE667}" type="datetimeFigureOut">
               <a:rPr lang="en-US" smtClean="0"/>
-              <a:t>11/13/2017</a:t>
+              <a:t>11/14/2017</a:t>
             </a:fld>
             <a:endParaRPr lang="en-US"/>
           </a:p>
@@ -5872,7 +5872,7 @@
           <a:p>
             <a:fld id="{FB7712AD-3B21-4FE9-B722-CF9B0200D9B9}" type="datetimeFigureOut">
               <a:rPr lang="en-US" smtClean="0"/>
-              <a:t>11/13/2017</a:t>
+              <a:t>11/14/2017</a:t>
             </a:fld>
             <a:endParaRPr lang="en-US"/>
           </a:p>
@@ -6075,7 +6075,7 @@
           <a:p>
             <a:fld id="{FB7712AD-3B21-4FE9-B722-CF9B0200D9B9}" type="datetimeFigureOut">
               <a:rPr lang="en-US" smtClean="0"/>
-              <a:t>11/13/2017</a:t>
+              <a:t>11/14/2017</a:t>
             </a:fld>
             <a:endParaRPr lang="en-US"/>
           </a:p>
@@ -6372,7 +6372,7 @@
           <a:p>
             <a:fld id="{FB7712AD-3B21-4FE9-B722-CF9B0200D9B9}" type="datetimeFigureOut">
               <a:rPr lang="en-US" smtClean="0"/>
-              <a:t>11/13/2017</a:t>
+              <a:t>11/14/2017</a:t>
             </a:fld>
             <a:endParaRPr lang="en-US"/>
           </a:p>
@@ -6808,7 +6808,7 @@
           <a:p>
             <a:fld id="{FB7712AD-3B21-4FE9-B722-CF9B0200D9B9}" type="datetimeFigureOut">
               <a:rPr lang="en-US" smtClean="0"/>
-              <a:t>11/13/2017</a:t>
+              <a:t>11/14/2017</a:t>
             </a:fld>
             <a:endParaRPr lang="en-US"/>
           </a:p>
@@ -6937,7 +6937,7 @@
           <a:p>
             <a:fld id="{FB7712AD-3B21-4FE9-B722-CF9B0200D9B9}" type="datetimeFigureOut">
               <a:rPr lang="en-US" smtClean="0"/>
-              <a:t>11/13/2017</a:t>
+              <a:t>11/14/2017</a:t>
             </a:fld>
             <a:endParaRPr lang="en-US"/>
           </a:p>
@@ -7044,7 +7044,7 @@
           <a:p>
             <a:fld id="{FB7712AD-3B21-4FE9-B722-CF9B0200D9B9}" type="datetimeFigureOut">
               <a:rPr lang="en-US" smtClean="0"/>
-              <a:t>11/13/2017</a:t>
+              <a:t>11/14/2017</a:t>
             </a:fld>
             <a:endParaRPr lang="en-US"/>
           </a:p>
@@ -7331,7 +7331,7 @@
           <a:p>
             <a:fld id="{FB7712AD-3B21-4FE9-B722-CF9B0200D9B9}" type="datetimeFigureOut">
               <a:rPr lang="en-US" smtClean="0"/>
-              <a:t>11/13/2017</a:t>
+              <a:t>11/14/2017</a:t>
             </a:fld>
             <a:endParaRPr lang="en-US"/>
           </a:p>
@@ -7657,7 +7657,7 @@
           <a:p>
             <a:fld id="{FB7712AD-3B21-4FE9-B722-CF9B0200D9B9}" type="datetimeFigureOut">
               <a:rPr lang="en-US" smtClean="0"/>
-              <a:t>11/13/2017</a:t>
+              <a:t>11/14/2017</a:t>
             </a:fld>
             <a:endParaRPr lang="en-US"/>
           </a:p>
@@ -8358,7 +8358,7 @@
           <a:p>
             <a:fld id="{5FB62F81-FD80-4AA8-93CA-E835B40BE667}" type="datetimeFigureOut">
               <a:rPr lang="en-US" smtClean="0"/>
-              <a:t>11/13/2017</a:t>
+              <a:t>11/14/2017</a:t>
             </a:fld>
             <a:endParaRPr lang="en-US"/>
           </a:p>
@@ -10875,7 +10875,7 @@
           <a:p>
             <a:r>
               <a:rPr lang="en-US" sz="3600" dirty="0"/>
-              <a:t>End of Session</a:t>
+              <a:t>Begin Session</a:t>
             </a:r>
           </a:p>
         </p:txBody>
